--- a/Class Lectures/Data Engineering using Python & Dataiku (7).pptx
+++ b/Class Lectures/Data Engineering using Python & Dataiku (7).pptx
@@ -15,30 +15,34 @@
     <p:sldId id="260" r:id="rId9"/>
     <p:sldId id="261" r:id="rId10"/>
     <p:sldId id="262" r:id="rId11"/>
+    <p:sldId id="263" r:id="rId12"/>
+    <p:sldId id="264" r:id="rId13"/>
+    <p:sldId id="265" r:id="rId14"/>
+    <p:sldId id="266" r:id="rId15"/>
   </p:sldIdLst>
   <p:sldSz cy="5143500" cx="9144000"/>
   <p:notesSz cx="6858000" cy="9144000"/>
   <p:embeddedFontLst>
     <p:embeddedFont>
       <p:font typeface="Raleway"/>
-      <p:regular r:id="rId12"/>
-      <p:bold r:id="rId13"/>
-      <p:italic r:id="rId14"/>
-      <p:boldItalic r:id="rId15"/>
-    </p:embeddedFont>
-    <p:embeddedFont>
-      <p:font typeface="Roboto"/>
       <p:regular r:id="rId16"/>
       <p:bold r:id="rId17"/>
       <p:italic r:id="rId18"/>
       <p:boldItalic r:id="rId19"/>
     </p:embeddedFont>
     <p:embeddedFont>
-      <p:font typeface="Lato"/>
+      <p:font typeface="Roboto"/>
       <p:regular r:id="rId20"/>
       <p:bold r:id="rId21"/>
       <p:italic r:id="rId22"/>
       <p:boldItalic r:id="rId23"/>
+    </p:embeddedFont>
+    <p:embeddedFont>
+      <p:font typeface="Lato"/>
+      <p:regular r:id="rId24"/>
+      <p:bold r:id="rId25"/>
+      <p:italic r:id="rId26"/>
+      <p:boldItalic r:id="rId27"/>
     </p:embeddedFont>
   </p:embeddedFontLst>
   <p:defaultTextStyle>
@@ -357,7 +361,9 @@
           </a:ln>
         </p:spPr>
         <p:txBody>
-          <a:bodyPr anchorCtr="0" anchor="t" bIns="91425" lIns="91425" spcFirstLastPara="1" rIns="91425" wrap="square" tIns="91425"/>
+          <a:bodyPr anchorCtr="0" anchor="t" bIns="91425" lIns="91425" spcFirstLastPara="1" rIns="91425" wrap="square" tIns="91425">
+            <a:noAutofit/>
+          </a:bodyPr>
           <a:lstStyle>
             <a:lvl1pPr indent="-298450" lvl="0" marL="457200">
               <a:spcBef>
@@ -796,6 +802,456 @@
 </p:notes>
 </file>
 
+<file path=ppt/notesSlides/notesSlide10.xml><?xml version="1.0" encoding="utf-8"?>
+<p:notes xmlns:a="http://schemas.openxmlformats.org/drawingml/2006/main" xmlns:r="http://schemas.openxmlformats.org/officeDocument/2006/relationships" xmlns:mc="http://schemas.openxmlformats.org/markup-compatibility/2006" xmlns:mv="urn:schemas-microsoft-com:mac:vml" xmlns:p="http://schemas.openxmlformats.org/presentationml/2006/main" xmlns:c="http://schemas.openxmlformats.org/drawingml/2006/chart" xmlns:dgm="http://schemas.openxmlformats.org/drawingml/2006/diagram" xmlns:o="urn:schemas-microsoft-com:office:office" xmlns:v="urn:schemas-microsoft-com:vml" xmlns:pvml="urn:schemas-microsoft-com:office:powerpoint" xmlns:com="http://schemas.openxmlformats.org/drawingml/2006/compatibility" xmlns:p14="http://schemas.microsoft.com/office/powerpoint/2010/main" xmlns:p15="http://schemas.microsoft.com/office/powerpoint/2012/main" showMasterPhAnim="0" showMasterSp="0">
+  <p:cSld>
+    <p:spTree>
+      <p:nvGrpSpPr>
+        <p:cNvPr id="147" name="Shape 147"/>
+        <p:cNvGrpSpPr/>
+        <p:nvPr/>
+      </p:nvGrpSpPr>
+      <p:grpSpPr>
+        <a:xfrm>
+          <a:off x="0" y="0"/>
+          <a:ext cx="0" cy="0"/>
+          <a:chOff x="0" y="0"/>
+          <a:chExt cx="0" cy="0"/>
+        </a:xfrm>
+      </p:grpSpPr>
+      <p:sp>
+        <p:nvSpPr>
+          <p:cNvPr id="148" name="Google Shape;148;g5ccc339ee0_0_124:notes"/>
+          <p:cNvSpPr/>
+          <p:nvPr>
+            <p:ph idx="2" type="sldImg"/>
+          </p:nvPr>
+        </p:nvSpPr>
+        <p:spPr>
+          <a:xfrm>
+            <a:off x="381300" y="685800"/>
+            <a:ext cx="6096000" cy="3429000"/>
+          </a:xfrm>
+          <a:custGeom>
+            <a:rect b="b" l="l" r="r" t="t"/>
+            <a:pathLst>
+              <a:path extrusionOk="0" h="120000" w="120000">
+                <a:moveTo>
+                  <a:pt x="0" y="0"/>
+                </a:moveTo>
+                <a:lnTo>
+                  <a:pt x="120000" y="0"/>
+                </a:lnTo>
+                <a:lnTo>
+                  <a:pt x="120000" y="120000"/>
+                </a:lnTo>
+                <a:lnTo>
+                  <a:pt x="0" y="120000"/>
+                </a:lnTo>
+                <a:close/>
+              </a:path>
+            </a:pathLst>
+          </a:custGeom>
+        </p:spPr>
+      </p:sp>
+      <p:sp>
+        <p:nvSpPr>
+          <p:cNvPr id="149" name="Google Shape;149;g5ccc339ee0_0_124:notes"/>
+          <p:cNvSpPr txBox="1"/>
+          <p:nvPr>
+            <p:ph idx="1" type="body"/>
+          </p:nvPr>
+        </p:nvSpPr>
+        <p:spPr>
+          <a:xfrm>
+            <a:off x="685800" y="4343400"/>
+            <a:ext cx="5486400" cy="4114800"/>
+          </a:xfrm>
+          <a:prstGeom prst="rect">
+            <a:avLst/>
+          </a:prstGeom>
+        </p:spPr>
+        <p:txBody>
+          <a:bodyPr anchorCtr="0" anchor="t" bIns="91425" lIns="91425" spcFirstLastPara="1" rIns="91425" wrap="square" tIns="91425">
+            <a:noAutofit/>
+          </a:bodyPr>
+          <a:lstStyle/>
+          <a:p>
+            <a:pPr indent="0" lvl="0" marL="0" rtl="0" algn="l">
+              <a:lnSpc>
+                <a:spcPct val="187500"/>
+              </a:lnSpc>
+              <a:spcBef>
+                <a:spcPts val="700"/>
+              </a:spcBef>
+              <a:spcAft>
+                <a:spcPts val="0"/>
+              </a:spcAft>
+              <a:buClr>
+                <a:srgbClr val="000000"/>
+              </a:buClr>
+              <a:buSzPts val="1100"/>
+              <a:buFont typeface="Arial"/>
+              <a:buNone/>
+            </a:pPr>
+            <a:r>
+              <a:rPr lang="en" sz="1200">
+                <a:solidFill>
+                  <a:srgbClr val="333333"/>
+                </a:solidFill>
+              </a:rPr>
+              <a:t>The Lab is a place for drafting your work, whether it is preliminary data exploration and cleansing or machine learning models creation. The Lab environment contains:</a:t>
+            </a:r>
+            <a:endParaRPr sz="1200">
+              <a:solidFill>
+                <a:srgbClr val="333333"/>
+              </a:solidFill>
+            </a:endParaRPr>
+          </a:p>
+          <a:p>
+            <a:pPr indent="-304800" lvl="0" marL="457200" rtl="0" algn="l">
+              <a:lnSpc>
+                <a:spcPct val="187500"/>
+              </a:lnSpc>
+              <a:spcBef>
+                <a:spcPts val="1400"/>
+              </a:spcBef>
+              <a:spcAft>
+                <a:spcPts val="0"/>
+              </a:spcAft>
+              <a:buClr>
+                <a:srgbClr val="333333"/>
+              </a:buClr>
+              <a:buSzPts val="1200"/>
+              <a:buChar char="●"/>
+            </a:pPr>
+            <a:r>
+              <a:rPr lang="en" sz="1200">
+                <a:solidFill>
+                  <a:srgbClr val="333333"/>
+                </a:solidFill>
+              </a:rPr>
+              <a:t>the Visual Analysis tool to let you draft data preparation, charts, and machine learning models</a:t>
+            </a:r>
+            <a:endParaRPr sz="1200">
+              <a:solidFill>
+                <a:srgbClr val="333333"/>
+              </a:solidFill>
+            </a:endParaRPr>
+          </a:p>
+          <a:p>
+            <a:pPr indent="-304800" lvl="0" marL="457200" rtl="0" algn="l">
+              <a:lnSpc>
+                <a:spcPct val="187500"/>
+              </a:lnSpc>
+              <a:spcBef>
+                <a:spcPts val="0"/>
+              </a:spcBef>
+              <a:spcAft>
+                <a:spcPts val="0"/>
+              </a:spcAft>
+              <a:buClr>
+                <a:srgbClr val="333333"/>
+              </a:buClr>
+              <a:buSzPts val="1200"/>
+              <a:buChar char="●"/>
+            </a:pPr>
+            <a:r>
+              <a:rPr lang="en" sz="1200">
+                <a:solidFill>
+                  <a:srgbClr val="333333"/>
+                </a:solidFill>
+              </a:rPr>
+              <a:t>the Code Notebooks to let you explore your data interactively in the language of your choice</a:t>
+            </a:r>
+            <a:endParaRPr sz="1200">
+              <a:solidFill>
+                <a:srgbClr val="333333"/>
+              </a:solidFill>
+            </a:endParaRPr>
+          </a:p>
+          <a:p>
+            <a:pPr indent="0" lvl="0" marL="0" rtl="0" algn="l">
+              <a:lnSpc>
+                <a:spcPct val="187500"/>
+              </a:lnSpc>
+              <a:spcBef>
+                <a:spcPts val="1400"/>
+              </a:spcBef>
+              <a:spcAft>
+                <a:spcPts val="0"/>
+              </a:spcAft>
+              <a:buClr>
+                <a:srgbClr val="000000"/>
+              </a:buClr>
+              <a:buSzPts val="1100"/>
+              <a:buFont typeface="Arial"/>
+              <a:buNone/>
+            </a:pPr>
+            <a:r>
+              <a:rPr lang="en" sz="1200">
+                <a:solidFill>
+                  <a:srgbClr val="333333"/>
+                </a:solidFill>
+              </a:rPr>
+              <a:t>Note that some tasks can be performed both in the lab environment and using recipes in the flow. Here are </a:t>
+            </a:r>
+            <a:endParaRPr sz="1200">
+              <a:solidFill>
+                <a:srgbClr val="333333"/>
+              </a:solidFill>
+            </a:endParaRPr>
+          </a:p>
+          <a:p>
+            <a:pPr indent="0" lvl="0" marL="0" rtl="0" algn="l">
+              <a:spcBef>
+                <a:spcPts val="1400"/>
+              </a:spcBef>
+              <a:spcAft>
+                <a:spcPts val="0"/>
+              </a:spcAft>
+              <a:buNone/>
+            </a:pPr>
+            <a:r>
+              <a:t/>
+            </a:r>
+            <a:endParaRPr/>
+          </a:p>
+        </p:txBody>
+      </p:sp>
+    </p:spTree>
+  </p:cSld>
+  <p:clrMapOvr>
+    <a:masterClrMapping/>
+  </p:clrMapOvr>
+</p:notes>
+</file>
+
+<file path=ppt/notesSlides/notesSlide11.xml><?xml version="1.0" encoding="utf-8"?>
+<p:notes xmlns:a="http://schemas.openxmlformats.org/drawingml/2006/main" xmlns:r="http://schemas.openxmlformats.org/officeDocument/2006/relationships" xmlns:mc="http://schemas.openxmlformats.org/markup-compatibility/2006" xmlns:mv="urn:schemas-microsoft-com:mac:vml" xmlns:p="http://schemas.openxmlformats.org/presentationml/2006/main" xmlns:c="http://schemas.openxmlformats.org/drawingml/2006/chart" xmlns:dgm="http://schemas.openxmlformats.org/drawingml/2006/diagram" xmlns:o="urn:schemas-microsoft-com:office:office" xmlns:v="urn:schemas-microsoft-com:vml" xmlns:pvml="urn:schemas-microsoft-com:office:powerpoint" xmlns:com="http://schemas.openxmlformats.org/drawingml/2006/compatibility" xmlns:p14="http://schemas.microsoft.com/office/powerpoint/2010/main" xmlns:p15="http://schemas.microsoft.com/office/powerpoint/2012/main" showMasterPhAnim="0" showMasterSp="0">
+  <p:cSld>
+    <p:spTree>
+      <p:nvGrpSpPr>
+        <p:cNvPr id="153" name="Shape 153"/>
+        <p:cNvGrpSpPr/>
+        <p:nvPr/>
+      </p:nvGrpSpPr>
+      <p:grpSpPr>
+        <a:xfrm>
+          <a:off x="0" y="0"/>
+          <a:ext cx="0" cy="0"/>
+          <a:chOff x="0" y="0"/>
+          <a:chExt cx="0" cy="0"/>
+        </a:xfrm>
+      </p:grpSpPr>
+      <p:sp>
+        <p:nvSpPr>
+          <p:cNvPr id="154" name="Google Shape;154;g4daeaac123_0_14:notes"/>
+          <p:cNvSpPr/>
+          <p:nvPr>
+            <p:ph idx="2" type="sldImg"/>
+          </p:nvPr>
+        </p:nvSpPr>
+        <p:spPr>
+          <a:xfrm>
+            <a:off x="381300" y="685800"/>
+            <a:ext cx="6096000" cy="3429000"/>
+          </a:xfrm>
+          <a:custGeom>
+            <a:rect b="b" l="l" r="r" t="t"/>
+            <a:pathLst>
+              <a:path extrusionOk="0" h="120000" w="120000">
+                <a:moveTo>
+                  <a:pt x="0" y="0"/>
+                </a:moveTo>
+                <a:lnTo>
+                  <a:pt x="120000" y="0"/>
+                </a:lnTo>
+                <a:lnTo>
+                  <a:pt x="120000" y="120000"/>
+                </a:lnTo>
+                <a:lnTo>
+                  <a:pt x="0" y="120000"/>
+                </a:lnTo>
+                <a:close/>
+              </a:path>
+            </a:pathLst>
+          </a:custGeom>
+        </p:spPr>
+      </p:sp>
+      <p:sp>
+        <p:nvSpPr>
+          <p:cNvPr id="155" name="Google Shape;155;g4daeaac123_0_14:notes"/>
+          <p:cNvSpPr txBox="1"/>
+          <p:nvPr>
+            <p:ph idx="1" type="body"/>
+          </p:nvPr>
+        </p:nvSpPr>
+        <p:spPr>
+          <a:xfrm>
+            <a:off x="685800" y="4343400"/>
+            <a:ext cx="5486400" cy="4114800"/>
+          </a:xfrm>
+          <a:prstGeom prst="rect">
+            <a:avLst/>
+          </a:prstGeom>
+        </p:spPr>
+        <p:txBody>
+          <a:bodyPr anchorCtr="0" anchor="t" bIns="91425" lIns="91425" spcFirstLastPara="1" rIns="91425" wrap="square" tIns="91425">
+            <a:noAutofit/>
+          </a:bodyPr>
+          <a:lstStyle/>
+          <a:p>
+            <a:pPr indent="0" lvl="0" marL="0" rtl="0" algn="l">
+              <a:lnSpc>
+                <a:spcPct val="187500"/>
+              </a:lnSpc>
+              <a:spcBef>
+                <a:spcPts val="700"/>
+              </a:spcBef>
+              <a:spcAft>
+                <a:spcPts val="0"/>
+              </a:spcAft>
+              <a:buClr>
+                <a:srgbClr val="000000"/>
+              </a:buClr>
+              <a:buSzPts val="1100"/>
+              <a:buFont typeface="Arial"/>
+              <a:buNone/>
+            </a:pPr>
+            <a:r>
+              <a:rPr lang="en" sz="1200">
+                <a:solidFill>
+                  <a:srgbClr val="333333"/>
+                </a:solidFill>
+              </a:rPr>
+              <a:t>The Lab is a place for drafting your work, whether it is preliminary data exploration and cleansing or machine learning models creation. The Lab environment contains:</a:t>
+            </a:r>
+            <a:endParaRPr sz="1200">
+              <a:solidFill>
+                <a:srgbClr val="333333"/>
+              </a:solidFill>
+            </a:endParaRPr>
+          </a:p>
+          <a:p>
+            <a:pPr indent="-304800" lvl="0" marL="457200" rtl="0" algn="l">
+              <a:lnSpc>
+                <a:spcPct val="187500"/>
+              </a:lnSpc>
+              <a:spcBef>
+                <a:spcPts val="1400"/>
+              </a:spcBef>
+              <a:spcAft>
+                <a:spcPts val="0"/>
+              </a:spcAft>
+              <a:buClr>
+                <a:srgbClr val="333333"/>
+              </a:buClr>
+              <a:buSzPts val="1200"/>
+              <a:buChar char="●"/>
+            </a:pPr>
+            <a:r>
+              <a:rPr lang="en" sz="1200">
+                <a:solidFill>
+                  <a:srgbClr val="333333"/>
+                </a:solidFill>
+              </a:rPr>
+              <a:t>the Visual Analysis tool to let you draft data preparation, charts, and machine learning models</a:t>
+            </a:r>
+            <a:endParaRPr sz="1200">
+              <a:solidFill>
+                <a:srgbClr val="333333"/>
+              </a:solidFill>
+            </a:endParaRPr>
+          </a:p>
+          <a:p>
+            <a:pPr indent="-304800" lvl="0" marL="457200" rtl="0" algn="l">
+              <a:lnSpc>
+                <a:spcPct val="187500"/>
+              </a:lnSpc>
+              <a:spcBef>
+                <a:spcPts val="0"/>
+              </a:spcBef>
+              <a:spcAft>
+                <a:spcPts val="0"/>
+              </a:spcAft>
+              <a:buClr>
+                <a:srgbClr val="333333"/>
+              </a:buClr>
+              <a:buSzPts val="1200"/>
+              <a:buChar char="●"/>
+            </a:pPr>
+            <a:r>
+              <a:rPr lang="en" sz="1200">
+                <a:solidFill>
+                  <a:srgbClr val="333333"/>
+                </a:solidFill>
+              </a:rPr>
+              <a:t>the Code Notebooks to let you explore your data interactively in the language of your choice</a:t>
+            </a:r>
+            <a:endParaRPr sz="1200">
+              <a:solidFill>
+                <a:srgbClr val="333333"/>
+              </a:solidFill>
+            </a:endParaRPr>
+          </a:p>
+          <a:p>
+            <a:pPr indent="0" lvl="0" marL="0" rtl="0" algn="l">
+              <a:lnSpc>
+                <a:spcPct val="187500"/>
+              </a:lnSpc>
+              <a:spcBef>
+                <a:spcPts val="1400"/>
+              </a:spcBef>
+              <a:spcAft>
+                <a:spcPts val="0"/>
+              </a:spcAft>
+              <a:buClr>
+                <a:srgbClr val="000000"/>
+              </a:buClr>
+              <a:buSzPts val="1100"/>
+              <a:buFont typeface="Arial"/>
+              <a:buNone/>
+            </a:pPr>
+            <a:r>
+              <a:rPr lang="en" sz="1200">
+                <a:solidFill>
+                  <a:srgbClr val="333333"/>
+                </a:solidFill>
+              </a:rPr>
+              <a:t>Note that some tasks can be performed both in the lab environment and using recipes in the flow. Here are </a:t>
+            </a:r>
+            <a:endParaRPr sz="1200">
+              <a:solidFill>
+                <a:srgbClr val="333333"/>
+              </a:solidFill>
+            </a:endParaRPr>
+          </a:p>
+          <a:p>
+            <a:pPr indent="0" lvl="0" marL="0" rtl="0" algn="l">
+              <a:spcBef>
+                <a:spcPts val="1400"/>
+              </a:spcBef>
+              <a:spcAft>
+                <a:spcPts val="0"/>
+              </a:spcAft>
+              <a:buNone/>
+            </a:pPr>
+            <a:r>
+              <a:t/>
+            </a:r>
+            <a:endParaRPr/>
+          </a:p>
+        </p:txBody>
+      </p:sp>
+    </p:spTree>
+  </p:cSld>
+  <p:clrMapOvr>
+    <a:masterClrMapping/>
+  </p:clrMapOvr>
+</p:notes>
+</file>
+
 <file path=ppt/notesSlides/notesSlide2.xml><?xml version="1.0" encoding="utf-8"?>
 <p:notes xmlns:a="http://schemas.openxmlformats.org/drawingml/2006/main" xmlns:r="http://schemas.openxmlformats.org/officeDocument/2006/relationships" xmlns:mc="http://schemas.openxmlformats.org/markup-compatibility/2006" xmlns:mv="urn:schemas-microsoft-com:mac:vml" xmlns:p="http://schemas.openxmlformats.org/presentationml/2006/main" xmlns:c="http://schemas.openxmlformats.org/drawingml/2006/chart" xmlns:dgm="http://schemas.openxmlformats.org/drawingml/2006/diagram" xmlns:o="urn:schemas-microsoft-com:office:office" xmlns:v="urn:schemas-microsoft-com:vml" xmlns:pvml="urn:schemas-microsoft-com:office:powerpoint" xmlns:com="http://schemas.openxmlformats.org/drawingml/2006/compatibility" xmlns:p14="http://schemas.microsoft.com/office/powerpoint/2010/main" xmlns:p15="http://schemas.microsoft.com/office/powerpoint/2012/main" showMasterPhAnim="0" showMasterSp="0">
   <p:cSld>
@@ -1096,7 +1552,7 @@
       </p:grpSpPr>
       <p:sp>
         <p:nvSpPr>
-          <p:cNvPr id="103" name="Google Shape;103;g4daeaac123_0_22:notes"/>
+          <p:cNvPr id="103" name="Google Shape;103;g4d6638ed84_0_76:notes"/>
           <p:cNvSpPr/>
           <p:nvPr>
             <p:ph idx="2" type="sldImg"/>
@@ -1131,7 +1587,7 @@
       </p:sp>
       <p:sp>
         <p:nvSpPr>
-          <p:cNvPr id="104" name="Google Shape;104;g4daeaac123_0_22:notes"/>
+          <p:cNvPr id="104" name="Google Shape;104;g4d6638ed84_0_76:notes"/>
           <p:cNvSpPr txBox="1"/>
           <p:nvPr>
             <p:ph idx="1" type="body"/>
@@ -1151,37 +1607,6 @@
             <a:noAutofit/>
           </a:bodyPr>
           <a:lstStyle/>
-          <a:p>
-            <a:pPr indent="0" lvl="0" marL="0" rtl="0" algn="l">
-              <a:spcBef>
-                <a:spcPts val="0"/>
-              </a:spcBef>
-              <a:spcAft>
-                <a:spcPts val="0"/>
-              </a:spcAft>
-              <a:buNone/>
-            </a:pPr>
-            <a:r>
-              <a:t/>
-            </a:r>
-            <a:endParaRPr/>
-          </a:p>
-          <a:p>
-            <a:pPr indent="0" lvl="0" marL="0" rtl="0" algn="l">
-              <a:spcBef>
-                <a:spcPts val="0"/>
-              </a:spcBef>
-              <a:spcAft>
-                <a:spcPts val="0"/>
-              </a:spcAft>
-              <a:buNone/>
-            </a:pPr>
-            <a:r>
-              <a:rPr lang="en"/>
-              <a:t>  </a:t>
-            </a:r>
-            <a:endParaRPr/>
-          </a:p>
           <a:p>
             <a:pPr indent="0" lvl="0" marL="0" rtl="0" algn="l">
               <a:spcBef>
@@ -1226,7 +1651,7 @@
       </p:grpSpPr>
       <p:sp>
         <p:nvSpPr>
-          <p:cNvPr id="110" name="Google Shape;110;g4d41e96058_0_103:notes"/>
+          <p:cNvPr id="110" name="Google Shape;110;g4daeaac123_0_22:notes"/>
           <p:cNvSpPr/>
           <p:nvPr>
             <p:ph idx="2" type="sldImg"/>
@@ -1261,7 +1686,7 @@
       </p:sp>
       <p:sp>
         <p:nvSpPr>
-          <p:cNvPr id="111" name="Google Shape;111;g4d41e96058_0_103:notes"/>
+          <p:cNvPr id="111" name="Google Shape;111;g4daeaac123_0_22:notes"/>
           <p:cNvSpPr txBox="1"/>
           <p:nvPr>
             <p:ph idx="1" type="body"/>
@@ -1282,41 +1707,48 @@
           </a:bodyPr>
           <a:lstStyle/>
           <a:p>
-            <a:pPr indent="457200" lvl="0" marL="0" rtl="0" algn="l">
-              <a:lnSpc>
-                <a:spcPct val="159142"/>
-              </a:lnSpc>
-              <a:spcBef>
-                <a:spcPts val="500"/>
-              </a:spcBef>
-              <a:spcAft>
-                <a:spcPts val="500"/>
-              </a:spcAft>
-              <a:buClr>
-                <a:srgbClr val="000000"/>
-              </a:buClr>
-              <a:buSzPts val="1100"/>
-              <a:buFont typeface="Arial"/>
+            <a:pPr indent="0" lvl="0" marL="0" rtl="0" algn="l">
+              <a:spcBef>
+                <a:spcPts val="0"/>
+              </a:spcBef>
+              <a:spcAft>
+                <a:spcPts val="0"/>
+              </a:spcAft>
+              <a:buNone/>
+            </a:pPr>
+            <a:r>
+              <a:t/>
+            </a:r>
+            <a:endParaRPr/>
+          </a:p>
+          <a:p>
+            <a:pPr indent="0" lvl="0" marL="0" rtl="0" algn="l">
+              <a:spcBef>
+                <a:spcPts val="0"/>
+              </a:spcBef>
+              <a:spcAft>
+                <a:spcPts val="0"/>
+              </a:spcAft>
               <a:buNone/>
             </a:pPr>
             <a:r>
               <a:rPr lang="en"/>
-              <a:t>Dataproc - Apache Hadoop,  </a:t>
-            </a:r>
-            <a:r>
-              <a:rPr lang="en" sz="1200">
-                <a:solidFill>
-                  <a:srgbClr val="4A5960"/>
-                </a:solidFill>
-                <a:highlight>
-                  <a:srgbClr val="F7F7F7"/>
-                </a:highlight>
-                <a:latin typeface="Roboto"/>
-                <a:ea typeface="Roboto"/>
-                <a:cs typeface="Roboto"/>
-                <a:sym typeface="Roboto"/>
-              </a:rPr>
-              <a:t> interactive tool created to explore, analyze, transform and visualize data and build machine learning models on Google Cloud Platform</a:t>
+              <a:t>  </a:t>
+            </a:r>
+            <a:endParaRPr/>
+          </a:p>
+          <a:p>
+            <a:pPr indent="0" lvl="0" marL="0" rtl="0" algn="l">
+              <a:spcBef>
+                <a:spcPts val="0"/>
+              </a:spcBef>
+              <a:spcAft>
+                <a:spcPts val="0"/>
+              </a:spcAft>
+              <a:buNone/>
+            </a:pPr>
+            <a:r>
+              <a:t/>
             </a:r>
             <a:endParaRPr/>
           </a:p>
@@ -1335,7 +1767,7 @@
   <p:cSld>
     <p:spTree>
       <p:nvGrpSpPr>
-        <p:cNvPr id="117" name="Shape 117"/>
+        <p:cNvPr id="116" name="Shape 116"/>
         <p:cNvGrpSpPr/>
         <p:nvPr/>
       </p:nvGrpSpPr>
@@ -1349,7 +1781,7 @@
       </p:grpSpPr>
       <p:sp>
         <p:nvSpPr>
-          <p:cNvPr id="118" name="Google Shape;118;g4d6638ed84_0_76:notes"/>
+          <p:cNvPr id="117" name="Google Shape;117;g4d41e96058_0_103:notes"/>
           <p:cNvSpPr/>
           <p:nvPr>
             <p:ph idx="2" type="sldImg"/>
@@ -1384,7 +1816,7 @@
       </p:sp>
       <p:sp>
         <p:nvSpPr>
-          <p:cNvPr id="119" name="Google Shape;119;g4d6638ed84_0_76:notes"/>
+          <p:cNvPr id="118" name="Google Shape;118;g4d41e96058_0_103:notes"/>
           <p:cNvSpPr txBox="1"/>
           <p:nvPr>
             <p:ph idx="1" type="body"/>
@@ -1405,17 +1837,41 @@
           </a:bodyPr>
           <a:lstStyle/>
           <a:p>
-            <a:pPr indent="0" lvl="0" marL="0" rtl="0" algn="l">
-              <a:spcBef>
-                <a:spcPts val="0"/>
-              </a:spcBef>
-              <a:spcAft>
-                <a:spcPts val="0"/>
-              </a:spcAft>
-              <a:buNone/>
-            </a:pPr>
-            <a:r>
-              <a:t/>
+            <a:pPr indent="457200" lvl="0" marL="0" rtl="0" algn="l">
+              <a:lnSpc>
+                <a:spcPct val="159142"/>
+              </a:lnSpc>
+              <a:spcBef>
+                <a:spcPts val="500"/>
+              </a:spcBef>
+              <a:spcAft>
+                <a:spcPts val="500"/>
+              </a:spcAft>
+              <a:buClr>
+                <a:srgbClr val="000000"/>
+              </a:buClr>
+              <a:buSzPts val="1100"/>
+              <a:buFont typeface="Arial"/>
+              <a:buNone/>
+            </a:pPr>
+            <a:r>
+              <a:rPr lang="en"/>
+              <a:t>Dataproc - Apache Hadoop,  </a:t>
+            </a:r>
+            <a:r>
+              <a:rPr lang="en" sz="1200">
+                <a:solidFill>
+                  <a:srgbClr val="4A5960"/>
+                </a:solidFill>
+                <a:highlight>
+                  <a:srgbClr val="F7F7F7"/>
+                </a:highlight>
+                <a:latin typeface="Roboto"/>
+                <a:ea typeface="Roboto"/>
+                <a:cs typeface="Roboto"/>
+                <a:sym typeface="Roboto"/>
+              </a:rPr>
+              <a:t> interactive tool created to explore, analyze, transform and visualize data and build machine learning models on Google Cloud Platform</a:t>
             </a:r>
             <a:endParaRPr/>
           </a:p>
@@ -1448,7 +1904,7 @@
       </p:grpSpPr>
       <p:sp>
         <p:nvSpPr>
-          <p:cNvPr id="125" name="Google Shape;125;g4daeaac123_0_14:notes"/>
+          <p:cNvPr id="125" name="Google Shape;125;g5ccc339ee0_0_7:notes"/>
           <p:cNvSpPr/>
           <p:nvPr>
             <p:ph idx="2" type="sldImg"/>
@@ -1483,7 +1939,347 @@
       </p:sp>
       <p:sp>
         <p:nvSpPr>
-          <p:cNvPr id="126" name="Google Shape;126;g4daeaac123_0_14:notes"/>
+          <p:cNvPr id="126" name="Google Shape;126;g5ccc339ee0_0_7:notes"/>
+          <p:cNvSpPr txBox="1"/>
+          <p:nvPr>
+            <p:ph idx="1" type="body"/>
+          </p:nvPr>
+        </p:nvSpPr>
+        <p:spPr>
+          <a:xfrm>
+            <a:off x="685800" y="4343400"/>
+            <a:ext cx="5486400" cy="4114800"/>
+          </a:xfrm>
+          <a:prstGeom prst="rect">
+            <a:avLst/>
+          </a:prstGeom>
+        </p:spPr>
+        <p:txBody>
+          <a:bodyPr anchorCtr="0" anchor="t" bIns="91425" lIns="91425" spcFirstLastPara="1" rIns="91425" wrap="square" tIns="91425">
+            <a:noAutofit/>
+          </a:bodyPr>
+          <a:lstStyle/>
+          <a:p>
+            <a:pPr indent="0" lvl="0" marL="0" rtl="0" algn="l">
+              <a:spcBef>
+                <a:spcPts val="0"/>
+              </a:spcBef>
+              <a:spcAft>
+                <a:spcPts val="0"/>
+              </a:spcAft>
+              <a:buNone/>
+            </a:pPr>
+            <a:r>
+              <a:rPr lang="en"/>
+              <a:t>DSS creates and handles git repository automatically - can have more control over it:  Version Control - Dataiku DSS 5.0 Documentation</a:t>
+            </a:r>
+            <a:endParaRPr/>
+          </a:p>
+          <a:p>
+            <a:pPr indent="0" lvl="0" marL="0" rtl="0" algn="l">
+              <a:spcBef>
+                <a:spcPts val="0"/>
+              </a:spcBef>
+              <a:spcAft>
+                <a:spcPts val="0"/>
+              </a:spcAft>
+              <a:buNone/>
+            </a:pPr>
+            <a:r>
+              <a:t/>
+            </a:r>
+            <a:endParaRPr/>
+          </a:p>
+        </p:txBody>
+      </p:sp>
+    </p:spTree>
+  </p:cSld>
+  <p:clrMapOvr>
+    <a:masterClrMapping/>
+  </p:clrMapOvr>
+</p:notes>
+</file>
+
+<file path=ppt/notesSlides/notesSlide8.xml><?xml version="1.0" encoding="utf-8"?>
+<p:notes xmlns:a="http://schemas.openxmlformats.org/drawingml/2006/main" xmlns:r="http://schemas.openxmlformats.org/officeDocument/2006/relationships" xmlns:mc="http://schemas.openxmlformats.org/markup-compatibility/2006" xmlns:mv="urn:schemas-microsoft-com:mac:vml" xmlns:p="http://schemas.openxmlformats.org/presentationml/2006/main" xmlns:c="http://schemas.openxmlformats.org/drawingml/2006/chart" xmlns:dgm="http://schemas.openxmlformats.org/drawingml/2006/diagram" xmlns:o="urn:schemas-microsoft-com:office:office" xmlns:v="urn:schemas-microsoft-com:vml" xmlns:pvml="urn:schemas-microsoft-com:office:powerpoint" xmlns:com="http://schemas.openxmlformats.org/drawingml/2006/compatibility" xmlns:p14="http://schemas.microsoft.com/office/powerpoint/2010/main" xmlns:p15="http://schemas.microsoft.com/office/powerpoint/2012/main" showMasterPhAnim="0" showMasterSp="0">
+  <p:cSld>
+    <p:spTree>
+      <p:nvGrpSpPr>
+        <p:cNvPr id="132" name="Shape 132"/>
+        <p:cNvGrpSpPr/>
+        <p:nvPr/>
+      </p:nvGrpSpPr>
+      <p:grpSpPr>
+        <a:xfrm>
+          <a:off x="0" y="0"/>
+          <a:ext cx="0" cy="0"/>
+          <a:chOff x="0" y="0"/>
+          <a:chExt cx="0" cy="0"/>
+        </a:xfrm>
+      </p:grpSpPr>
+      <p:sp>
+        <p:nvSpPr>
+          <p:cNvPr id="133" name="Google Shape;133;g5ccc339ee0_0_0:notes"/>
+          <p:cNvSpPr/>
+          <p:nvPr>
+            <p:ph idx="2" type="sldImg"/>
+          </p:nvPr>
+        </p:nvSpPr>
+        <p:spPr>
+          <a:xfrm>
+            <a:off x="381300" y="685800"/>
+            <a:ext cx="6096000" cy="3429000"/>
+          </a:xfrm>
+          <a:custGeom>
+            <a:rect b="b" l="l" r="r" t="t"/>
+            <a:pathLst>
+              <a:path extrusionOk="0" h="120000" w="120000">
+                <a:moveTo>
+                  <a:pt x="0" y="0"/>
+                </a:moveTo>
+                <a:lnTo>
+                  <a:pt x="120000" y="0"/>
+                </a:lnTo>
+                <a:lnTo>
+                  <a:pt x="120000" y="120000"/>
+                </a:lnTo>
+                <a:lnTo>
+                  <a:pt x="0" y="120000"/>
+                </a:lnTo>
+                <a:close/>
+              </a:path>
+            </a:pathLst>
+          </a:custGeom>
+        </p:spPr>
+      </p:sp>
+      <p:sp>
+        <p:nvSpPr>
+          <p:cNvPr id="134" name="Google Shape;134;g5ccc339ee0_0_0:notes"/>
+          <p:cNvSpPr txBox="1"/>
+          <p:nvPr>
+            <p:ph idx="1" type="body"/>
+          </p:nvPr>
+        </p:nvSpPr>
+        <p:spPr>
+          <a:xfrm>
+            <a:off x="685800" y="4343400"/>
+            <a:ext cx="5486400" cy="4114800"/>
+          </a:xfrm>
+          <a:prstGeom prst="rect">
+            <a:avLst/>
+          </a:prstGeom>
+        </p:spPr>
+        <p:txBody>
+          <a:bodyPr anchorCtr="0" anchor="t" bIns="91425" lIns="91425" spcFirstLastPara="1" rIns="91425" wrap="square" tIns="91425">
+            <a:noAutofit/>
+          </a:bodyPr>
+          <a:lstStyle/>
+          <a:p>
+            <a:pPr indent="0" lvl="0" marL="0" rtl="0" algn="l">
+              <a:lnSpc>
+                <a:spcPct val="187500"/>
+              </a:lnSpc>
+              <a:spcBef>
+                <a:spcPts val="700"/>
+              </a:spcBef>
+              <a:spcAft>
+                <a:spcPts val="0"/>
+              </a:spcAft>
+              <a:buClr>
+                <a:srgbClr val="000000"/>
+              </a:buClr>
+              <a:buSzPts val="1100"/>
+              <a:buFont typeface="Arial"/>
+              <a:buNone/>
+            </a:pPr>
+            <a:r>
+              <a:rPr lang="en" sz="1200">
+                <a:solidFill>
+                  <a:srgbClr val="333333"/>
+                </a:solidFill>
+              </a:rPr>
+              <a:t>The Lab is a place for drafting your work, whether it is preliminary data exploration and cleansing or machine learning models creation. The Lab environment contains:</a:t>
+            </a:r>
+            <a:endParaRPr sz="1200">
+              <a:solidFill>
+                <a:srgbClr val="333333"/>
+              </a:solidFill>
+            </a:endParaRPr>
+          </a:p>
+          <a:p>
+            <a:pPr indent="-304800" lvl="0" marL="457200" rtl="0" algn="l">
+              <a:lnSpc>
+                <a:spcPct val="187500"/>
+              </a:lnSpc>
+              <a:spcBef>
+                <a:spcPts val="1400"/>
+              </a:spcBef>
+              <a:spcAft>
+                <a:spcPts val="0"/>
+              </a:spcAft>
+              <a:buClr>
+                <a:srgbClr val="333333"/>
+              </a:buClr>
+              <a:buSzPts val="1200"/>
+              <a:buChar char="●"/>
+            </a:pPr>
+            <a:r>
+              <a:rPr lang="en" sz="1200">
+                <a:solidFill>
+                  <a:srgbClr val="333333"/>
+                </a:solidFill>
+              </a:rPr>
+              <a:t>the Visual Analysis tool to let you draft data preparation, charts, and machine learning models</a:t>
+            </a:r>
+            <a:endParaRPr sz="1200">
+              <a:solidFill>
+                <a:srgbClr val="333333"/>
+              </a:solidFill>
+            </a:endParaRPr>
+          </a:p>
+          <a:p>
+            <a:pPr indent="-304800" lvl="0" marL="457200" rtl="0" algn="l">
+              <a:lnSpc>
+                <a:spcPct val="187500"/>
+              </a:lnSpc>
+              <a:spcBef>
+                <a:spcPts val="0"/>
+              </a:spcBef>
+              <a:spcAft>
+                <a:spcPts val="0"/>
+              </a:spcAft>
+              <a:buClr>
+                <a:srgbClr val="333333"/>
+              </a:buClr>
+              <a:buSzPts val="1200"/>
+              <a:buChar char="●"/>
+            </a:pPr>
+            <a:r>
+              <a:rPr lang="en" sz="1200">
+                <a:solidFill>
+                  <a:srgbClr val="333333"/>
+                </a:solidFill>
+              </a:rPr>
+              <a:t>the Code Notebooks to let you explore your data interactively in the language of your choice</a:t>
+            </a:r>
+            <a:endParaRPr sz="1200">
+              <a:solidFill>
+                <a:srgbClr val="333333"/>
+              </a:solidFill>
+            </a:endParaRPr>
+          </a:p>
+          <a:p>
+            <a:pPr indent="0" lvl="0" marL="0" rtl="0" algn="l">
+              <a:lnSpc>
+                <a:spcPct val="187500"/>
+              </a:lnSpc>
+              <a:spcBef>
+                <a:spcPts val="1400"/>
+              </a:spcBef>
+              <a:spcAft>
+                <a:spcPts val="0"/>
+              </a:spcAft>
+              <a:buClr>
+                <a:srgbClr val="000000"/>
+              </a:buClr>
+              <a:buSzPts val="1100"/>
+              <a:buFont typeface="Arial"/>
+              <a:buNone/>
+            </a:pPr>
+            <a:r>
+              <a:rPr lang="en" sz="1200">
+                <a:solidFill>
+                  <a:srgbClr val="333333"/>
+                </a:solidFill>
+              </a:rPr>
+              <a:t>Note that some tasks can be performed both in the lab environment and using recipes in the flow. Here are </a:t>
+            </a:r>
+            <a:endParaRPr sz="1200">
+              <a:solidFill>
+                <a:srgbClr val="333333"/>
+              </a:solidFill>
+            </a:endParaRPr>
+          </a:p>
+          <a:p>
+            <a:pPr indent="0" lvl="0" marL="0" rtl="0" algn="l">
+              <a:spcBef>
+                <a:spcPts val="1400"/>
+              </a:spcBef>
+              <a:spcAft>
+                <a:spcPts val="0"/>
+              </a:spcAft>
+              <a:buNone/>
+            </a:pPr>
+            <a:r>
+              <a:t/>
+            </a:r>
+            <a:endParaRPr/>
+          </a:p>
+        </p:txBody>
+      </p:sp>
+    </p:spTree>
+  </p:cSld>
+  <p:clrMapOvr>
+    <a:masterClrMapping/>
+  </p:clrMapOvr>
+</p:notes>
+</file>
+
+<file path=ppt/notesSlides/notesSlide9.xml><?xml version="1.0" encoding="utf-8"?>
+<p:notes xmlns:a="http://schemas.openxmlformats.org/drawingml/2006/main" xmlns:r="http://schemas.openxmlformats.org/officeDocument/2006/relationships" xmlns:mc="http://schemas.openxmlformats.org/markup-compatibility/2006" xmlns:mv="urn:schemas-microsoft-com:mac:vml" xmlns:p="http://schemas.openxmlformats.org/presentationml/2006/main" xmlns:c="http://schemas.openxmlformats.org/drawingml/2006/chart" xmlns:dgm="http://schemas.openxmlformats.org/drawingml/2006/diagram" xmlns:o="urn:schemas-microsoft-com:office:office" xmlns:v="urn:schemas-microsoft-com:vml" xmlns:pvml="urn:schemas-microsoft-com:office:powerpoint" xmlns:com="http://schemas.openxmlformats.org/drawingml/2006/compatibility" xmlns:p14="http://schemas.microsoft.com/office/powerpoint/2010/main" xmlns:p15="http://schemas.microsoft.com/office/powerpoint/2012/main" showMasterPhAnim="0" showMasterSp="0">
+  <p:cSld>
+    <p:spTree>
+      <p:nvGrpSpPr>
+        <p:cNvPr id="139" name="Shape 139"/>
+        <p:cNvGrpSpPr/>
+        <p:nvPr/>
+      </p:nvGrpSpPr>
+      <p:grpSpPr>
+        <a:xfrm>
+          <a:off x="0" y="0"/>
+          <a:ext cx="0" cy="0"/>
+          <a:chOff x="0" y="0"/>
+          <a:chExt cx="0" cy="0"/>
+        </a:xfrm>
+      </p:grpSpPr>
+      <p:sp>
+        <p:nvSpPr>
+          <p:cNvPr id="140" name="Google Shape;140;g5ccc339ee0_0_109:notes"/>
+          <p:cNvSpPr/>
+          <p:nvPr>
+            <p:ph idx="2" type="sldImg"/>
+          </p:nvPr>
+        </p:nvSpPr>
+        <p:spPr>
+          <a:xfrm>
+            <a:off x="381300" y="685800"/>
+            <a:ext cx="6096000" cy="3429000"/>
+          </a:xfrm>
+          <a:custGeom>
+            <a:rect b="b" l="l" r="r" t="t"/>
+            <a:pathLst>
+              <a:path extrusionOk="0" h="120000" w="120000">
+                <a:moveTo>
+                  <a:pt x="0" y="0"/>
+                </a:moveTo>
+                <a:lnTo>
+                  <a:pt x="120000" y="0"/>
+                </a:lnTo>
+                <a:lnTo>
+                  <a:pt x="120000" y="120000"/>
+                </a:lnTo>
+                <a:lnTo>
+                  <a:pt x="0" y="120000"/>
+                </a:lnTo>
+                <a:close/>
+              </a:path>
+            </a:pathLst>
+          </a:custGeom>
+        </p:spPr>
+      </p:sp>
+      <p:sp>
+        <p:nvSpPr>
+          <p:cNvPr id="141" name="Google Shape;141;g5ccc339ee0_0_109:notes"/>
           <p:cNvSpPr txBox="1"/>
           <p:nvPr>
             <p:ph idx="1" type="body"/>
@@ -1840,7 +2636,9 @@
           </a:prstGeom>
         </p:spPr>
         <p:txBody>
-          <a:bodyPr anchorCtr="0" anchor="t" bIns="91425" lIns="91425" spcFirstLastPara="1" rIns="91425" wrap="square" tIns="91425"/>
+          <a:bodyPr anchorCtr="0" anchor="t" bIns="91425" lIns="91425" spcFirstLastPara="1" rIns="91425" wrap="square" tIns="91425">
+            <a:noAutofit/>
+          </a:bodyPr>
           <a:lstStyle>
             <a:lvl1pPr lvl="0">
               <a:spcBef>
@@ -2026,7 +2824,9 @@
           </a:prstGeom>
         </p:spPr>
         <p:txBody>
-          <a:bodyPr anchorCtr="0" anchor="t" bIns="91425" lIns="91425" spcFirstLastPara="1" rIns="91425" wrap="square" tIns="91425"/>
+          <a:bodyPr anchorCtr="0" anchor="t" bIns="91425" lIns="91425" spcFirstLastPara="1" rIns="91425" wrap="square" tIns="91425">
+            <a:noAutofit/>
+          </a:bodyPr>
           <a:lstStyle>
             <a:lvl1pPr lvl="0">
               <a:lnSpc>
@@ -2386,7 +3186,9 @@
           </a:prstGeom>
         </p:spPr>
         <p:txBody>
-          <a:bodyPr anchorCtr="0" anchor="t" bIns="91425" lIns="91425" spcFirstLastPara="1" rIns="91425" wrap="square" tIns="91425"/>
+          <a:bodyPr anchorCtr="0" anchor="t" bIns="91425" lIns="91425" spcFirstLastPara="1" rIns="91425" wrap="square" tIns="91425">
+            <a:noAutofit/>
+          </a:bodyPr>
           <a:lstStyle>
             <a:lvl1pPr lvl="0">
               <a:spcBef>
@@ -2576,7 +3378,9 @@
           </a:prstGeom>
         </p:spPr>
         <p:txBody>
-          <a:bodyPr anchorCtr="0" anchor="t" bIns="91425" lIns="91425" spcFirstLastPara="1" rIns="91425" wrap="square" tIns="91425"/>
+          <a:bodyPr anchorCtr="0" anchor="t" bIns="91425" lIns="91425" spcFirstLastPara="1" rIns="91425" wrap="square" tIns="91425">
+            <a:noAutofit/>
+          </a:bodyPr>
           <a:lstStyle>
             <a:lvl1pPr indent="-311150" lvl="0" marL="457200">
               <a:spcBef>
@@ -3110,7 +3914,9 @@
           </a:prstGeom>
         </p:spPr>
         <p:txBody>
-          <a:bodyPr anchorCtr="0" anchor="t" bIns="91425" lIns="91425" spcFirstLastPara="1" rIns="91425" wrap="square" tIns="91425"/>
+          <a:bodyPr anchorCtr="0" anchor="t" bIns="91425" lIns="91425" spcFirstLastPara="1" rIns="91425" wrap="square" tIns="91425">
+            <a:noAutofit/>
+          </a:bodyPr>
           <a:lstStyle>
             <a:lvl1pPr lvl="0">
               <a:spcBef>
@@ -3578,7 +4384,9 @@
           </a:prstGeom>
         </p:spPr>
         <p:txBody>
-          <a:bodyPr anchorCtr="0" anchor="t" bIns="91425" lIns="91425" spcFirstLastPara="1" rIns="91425" wrap="square" tIns="91425"/>
+          <a:bodyPr anchorCtr="0" anchor="t" bIns="91425" lIns="91425" spcFirstLastPara="1" rIns="91425" wrap="square" tIns="91425">
+            <a:noAutofit/>
+          </a:bodyPr>
           <a:lstStyle>
             <a:lvl1pPr lvl="0">
               <a:spcBef>
@@ -3764,7 +4572,9 @@
           </a:prstGeom>
         </p:spPr>
         <p:txBody>
-          <a:bodyPr anchorCtr="0" anchor="t" bIns="91425" lIns="91425" spcFirstLastPara="1" rIns="91425" wrap="square" tIns="91425"/>
+          <a:bodyPr anchorCtr="0" anchor="t" bIns="91425" lIns="91425" spcFirstLastPara="1" rIns="91425" wrap="square" tIns="91425">
+            <a:noAutofit/>
+          </a:bodyPr>
           <a:lstStyle>
             <a:lvl1pPr indent="-311150" lvl="0" marL="457200">
               <a:spcBef>
@@ -4133,7 +4943,9 @@
           </a:prstGeom>
         </p:spPr>
         <p:txBody>
-          <a:bodyPr anchorCtr="0" anchor="t" bIns="91425" lIns="91425" spcFirstLastPara="1" rIns="91425" wrap="square" tIns="91425"/>
+          <a:bodyPr anchorCtr="0" anchor="t" bIns="91425" lIns="91425" spcFirstLastPara="1" rIns="91425" wrap="square" tIns="91425">
+            <a:noAutofit/>
+          </a:bodyPr>
           <a:lstStyle>
             <a:lvl1pPr lvl="0">
               <a:spcBef>
@@ -4319,7 +5131,9 @@
           </a:prstGeom>
         </p:spPr>
         <p:txBody>
-          <a:bodyPr anchorCtr="0" anchor="t" bIns="91425" lIns="91425" spcFirstLastPara="1" rIns="91425" wrap="square" tIns="91425"/>
+          <a:bodyPr anchorCtr="0" anchor="t" bIns="91425" lIns="91425" spcFirstLastPara="1" rIns="91425" wrap="square" tIns="91425">
+            <a:noAutofit/>
+          </a:bodyPr>
           <a:lstStyle>
             <a:lvl1pPr indent="-311150" lvl="0" marL="457200">
               <a:spcBef>
@@ -4442,7 +5256,9 @@
           </a:prstGeom>
         </p:spPr>
         <p:txBody>
-          <a:bodyPr anchorCtr="0" anchor="t" bIns="91425" lIns="91425" spcFirstLastPara="1" rIns="91425" wrap="square" tIns="91425"/>
+          <a:bodyPr anchorCtr="0" anchor="t" bIns="91425" lIns="91425" spcFirstLastPara="1" rIns="91425" wrap="square" tIns="91425">
+            <a:noAutofit/>
+          </a:bodyPr>
           <a:lstStyle>
             <a:lvl1pPr indent="-311150" lvl="0" marL="457200">
               <a:spcBef>
@@ -4811,7 +5627,9 @@
           </a:prstGeom>
         </p:spPr>
         <p:txBody>
-          <a:bodyPr anchorCtr="0" anchor="t" bIns="91425" lIns="91425" spcFirstLastPara="1" rIns="91425" wrap="square" tIns="91425"/>
+          <a:bodyPr anchorCtr="0" anchor="t" bIns="91425" lIns="91425" spcFirstLastPara="1" rIns="91425" wrap="square" tIns="91425">
+            <a:noAutofit/>
+          </a:bodyPr>
           <a:lstStyle>
             <a:lvl1pPr lvl="0">
               <a:spcBef>
@@ -5243,7 +6061,9 @@
           </a:prstGeom>
         </p:spPr>
         <p:txBody>
-          <a:bodyPr anchorCtr="0" anchor="t" bIns="91425" lIns="91425" spcFirstLastPara="1" rIns="91425" wrap="square" tIns="91425"/>
+          <a:bodyPr anchorCtr="0" anchor="t" bIns="91425" lIns="91425" spcFirstLastPara="1" rIns="91425" wrap="square" tIns="91425">
+            <a:noAutofit/>
+          </a:bodyPr>
           <a:lstStyle>
             <a:lvl1pPr lvl="0">
               <a:spcBef>
@@ -5429,7 +6249,9 @@
           </a:prstGeom>
         </p:spPr>
         <p:txBody>
-          <a:bodyPr anchorCtr="0" anchor="t" bIns="91425" lIns="91425" spcFirstLastPara="1" rIns="91425" wrap="square" tIns="91425"/>
+          <a:bodyPr anchorCtr="0" anchor="t" bIns="91425" lIns="91425" spcFirstLastPara="1" rIns="91425" wrap="square" tIns="91425">
+            <a:noAutofit/>
+          </a:bodyPr>
           <a:lstStyle>
             <a:lvl1pPr indent="-311150" lvl="0" marL="457200">
               <a:spcBef>
@@ -5762,7 +6584,9 @@
           </a:prstGeom>
         </p:spPr>
         <p:txBody>
-          <a:bodyPr anchorCtr="0" anchor="ctr" bIns="91425" lIns="91425" spcFirstLastPara="1" rIns="91425" wrap="square" tIns="91425"/>
+          <a:bodyPr anchorCtr="0" anchor="ctr" bIns="91425" lIns="91425" spcFirstLastPara="1" rIns="91425" wrap="square" tIns="91425">
+            <a:noAutofit/>
+          </a:bodyPr>
           <a:lstStyle>
             <a:lvl1pPr lvl="0">
               <a:spcBef>
@@ -6230,7 +7054,9 @@
           </a:prstGeom>
         </p:spPr>
         <p:txBody>
-          <a:bodyPr anchorCtr="0" anchor="t" bIns="91425" lIns="91425" spcFirstLastPara="1" rIns="91425" wrap="square" tIns="91425"/>
+          <a:bodyPr anchorCtr="0" anchor="t" bIns="91425" lIns="91425" spcFirstLastPara="1" rIns="91425" wrap="square" tIns="91425">
+            <a:noAutofit/>
+          </a:bodyPr>
           <a:lstStyle>
             <a:lvl1pPr lvl="0">
               <a:spcBef>
@@ -6416,7 +7242,9 @@
           </a:prstGeom>
         </p:spPr>
         <p:txBody>
-          <a:bodyPr anchorCtr="0" anchor="t" bIns="91425" lIns="91425" spcFirstLastPara="1" rIns="91425" wrap="square" tIns="91425"/>
+          <a:bodyPr anchorCtr="0" anchor="t" bIns="91425" lIns="91425" spcFirstLastPara="1" rIns="91425" wrap="square" tIns="91425">
+            <a:noAutofit/>
+          </a:bodyPr>
           <a:lstStyle>
             <a:lvl1pPr lvl="0">
               <a:lnSpc>
@@ -6566,7 +7394,9 @@
           </a:prstGeom>
         </p:spPr>
         <p:txBody>
-          <a:bodyPr anchorCtr="0" anchor="t" bIns="91425" lIns="91425" spcFirstLastPara="1" rIns="91425" wrap="square" tIns="91425"/>
+          <a:bodyPr anchorCtr="0" anchor="t" bIns="91425" lIns="91425" spcFirstLastPara="1" rIns="91425" wrap="square" tIns="91425">
+            <a:noAutofit/>
+          </a:bodyPr>
           <a:lstStyle>
             <a:lvl1pPr indent="-311150" lvl="0" marL="457200">
               <a:spcBef>
@@ -6791,7 +7621,9 @@
           </a:prstGeom>
         </p:spPr>
         <p:txBody>
-          <a:bodyPr anchorCtr="0" anchor="ctr" bIns="91425" lIns="91425" spcFirstLastPara="1" rIns="91425" wrap="square" tIns="91425"/>
+          <a:bodyPr anchorCtr="0" anchor="ctr" bIns="91425" lIns="91425" spcFirstLastPara="1" rIns="91425" wrap="square" tIns="91425">
+            <a:noAutofit/>
+          </a:bodyPr>
           <a:lstStyle>
             <a:lvl1pPr indent="-228600" lvl="0" marL="457200">
               <a:lnSpc>
@@ -6942,7 +7774,9 @@
           </a:ln>
         </p:spPr>
         <p:txBody>
-          <a:bodyPr anchorCtr="0" anchor="t" bIns="91425" lIns="91425" spcFirstLastPara="1" rIns="91425" wrap="square" tIns="91425"/>
+          <a:bodyPr anchorCtr="0" anchor="t" bIns="91425" lIns="91425" spcFirstLastPara="1" rIns="91425" wrap="square" tIns="91425">
+            <a:noAutofit/>
+          </a:bodyPr>
           <a:lstStyle>
             <a:lvl1pPr lvl="0">
               <a:spcBef>
@@ -7123,7 +7957,9 @@
           </a:ln>
         </p:spPr>
         <p:txBody>
-          <a:bodyPr anchorCtr="0" anchor="t" bIns="91425" lIns="91425" spcFirstLastPara="1" rIns="91425" wrap="square" tIns="91425"/>
+          <a:bodyPr anchorCtr="0" anchor="t" bIns="91425" lIns="91425" spcFirstLastPara="1" rIns="91425" wrap="square" tIns="91425">
+            <a:noAutofit/>
+          </a:bodyPr>
           <a:lstStyle>
             <a:lvl1pPr indent="-311150" lvl="0" marL="457200">
               <a:lnSpc>
@@ -8346,6 +9182,922 @@
 </p:sld>
 </file>
 
+<file path=ppt/slides/slide10.xml><?xml version="1.0" encoding="utf-8"?>
+<p:sld xmlns:a="http://schemas.openxmlformats.org/drawingml/2006/main" xmlns:r="http://schemas.openxmlformats.org/officeDocument/2006/relationships" xmlns:mc="http://schemas.openxmlformats.org/markup-compatibility/2006" xmlns:mv="urn:schemas-microsoft-com:mac:vml" xmlns:p="http://schemas.openxmlformats.org/presentationml/2006/main" xmlns:c="http://schemas.openxmlformats.org/drawingml/2006/chart" xmlns:dgm="http://schemas.openxmlformats.org/drawingml/2006/diagram" xmlns:o="urn:schemas-microsoft-com:office:office" xmlns:v="urn:schemas-microsoft-com:vml" xmlns:pvml="urn:schemas-microsoft-com:office:powerpoint" xmlns:com="http://schemas.openxmlformats.org/drawingml/2006/compatibility" xmlns:p14="http://schemas.microsoft.com/office/powerpoint/2010/main" xmlns:p15="http://schemas.microsoft.com/office/powerpoint/2012/main">
+  <p:cSld>
+    <p:spTree>
+      <p:nvGrpSpPr>
+        <p:cNvPr id="150" name="Shape 150"/>
+        <p:cNvGrpSpPr/>
+        <p:nvPr/>
+      </p:nvGrpSpPr>
+      <p:grpSpPr>
+        <a:xfrm>
+          <a:off x="0" y="0"/>
+          <a:ext cx="0" cy="0"/>
+          <a:chOff x="0" y="0"/>
+          <a:chExt cx="0" cy="0"/>
+        </a:xfrm>
+      </p:grpSpPr>
+      <p:sp>
+        <p:nvSpPr>
+          <p:cNvPr id="151" name="Google Shape;151;p22"/>
+          <p:cNvSpPr txBox="1"/>
+          <p:nvPr>
+            <p:ph type="title"/>
+          </p:nvPr>
+        </p:nvSpPr>
+        <p:spPr>
+          <a:xfrm>
+            <a:off x="729450" y="632850"/>
+            <a:ext cx="7688700" cy="535200"/>
+          </a:xfrm>
+          <a:prstGeom prst="rect">
+            <a:avLst/>
+          </a:prstGeom>
+        </p:spPr>
+        <p:txBody>
+          <a:bodyPr anchorCtr="0" anchor="t" bIns="91425" lIns="91425" spcFirstLastPara="1" rIns="91425" wrap="square" tIns="91425">
+            <a:noAutofit/>
+          </a:bodyPr>
+          <a:lstStyle/>
+          <a:p>
+            <a:pPr indent="0" lvl="0" marL="0" rtl="0" algn="l">
+              <a:spcBef>
+                <a:spcPts val="0"/>
+              </a:spcBef>
+              <a:spcAft>
+                <a:spcPts val="0"/>
+              </a:spcAft>
+              <a:buNone/>
+            </a:pPr>
+            <a:r>
+              <a:rPr lang="en"/>
+              <a:t>Data Product via Dataiku - Tableau	</a:t>
+            </a:r>
+            <a:endParaRPr/>
+          </a:p>
+        </p:txBody>
+      </p:sp>
+      <p:pic>
+        <p:nvPicPr>
+          <p:cNvPr descr="Dataiku DSS is the collaborative data science platform that enables teams, from business analysts to data scientists, to explore, prototype, build, and deliver their own data products more efficiently. In this video, we're going to explain how to become a Tableau Power user with Dataiku DSS.  Learn more about Dataiku and Dataiku DSS: www.dataiku.com" id="152" name="Google Shape;152;p22" title="Become a Tableau Power User with Dataiku DSS">
+            <a:hlinkClick r:id="rId3"/>
+          </p:cNvPr>
+          <p:cNvPicPr preferRelativeResize="0"/>
+          <p:nvPr/>
+        </p:nvPicPr>
+        <p:blipFill>
+          <a:blip r:embed="rId4">
+            <a:alphaModFix/>
+          </a:blip>
+          <a:stretch>
+            <a:fillRect/>
+          </a:stretch>
+        </p:blipFill>
+        <p:spPr>
+          <a:xfrm>
+            <a:off x="2221774" y="1361175"/>
+            <a:ext cx="4632900" cy="3474675"/>
+          </a:xfrm>
+          <a:prstGeom prst="rect">
+            <a:avLst/>
+          </a:prstGeom>
+          <a:noFill/>
+          <a:ln>
+            <a:noFill/>
+          </a:ln>
+        </p:spPr>
+      </p:pic>
+    </p:spTree>
+  </p:cSld>
+  <p:clrMapOvr>
+    <a:masterClrMapping/>
+  </p:clrMapOvr>
+</p:sld>
+</file>
+
+<file path=ppt/slides/slide11.xml><?xml version="1.0" encoding="utf-8"?>
+<p:sld xmlns:a="http://schemas.openxmlformats.org/drawingml/2006/main" xmlns:r="http://schemas.openxmlformats.org/officeDocument/2006/relationships" xmlns:mc="http://schemas.openxmlformats.org/markup-compatibility/2006" xmlns:mv="urn:schemas-microsoft-com:mac:vml" xmlns:p="http://schemas.openxmlformats.org/presentationml/2006/main" xmlns:c="http://schemas.openxmlformats.org/drawingml/2006/chart" xmlns:dgm="http://schemas.openxmlformats.org/drawingml/2006/diagram" xmlns:o="urn:schemas-microsoft-com:office:office" xmlns:v="urn:schemas-microsoft-com:vml" xmlns:pvml="urn:schemas-microsoft-com:office:powerpoint" xmlns:com="http://schemas.openxmlformats.org/drawingml/2006/compatibility" xmlns:p14="http://schemas.microsoft.com/office/powerpoint/2010/main" xmlns:p15="http://schemas.microsoft.com/office/powerpoint/2012/main">
+  <p:cSld>
+    <p:spTree>
+      <p:nvGrpSpPr>
+        <p:cNvPr id="156" name="Shape 156"/>
+        <p:cNvGrpSpPr/>
+        <p:nvPr/>
+      </p:nvGrpSpPr>
+      <p:grpSpPr>
+        <a:xfrm>
+          <a:off x="0" y="0"/>
+          <a:ext cx="0" cy="0"/>
+          <a:chOff x="0" y="0"/>
+          <a:chExt cx="0" cy="0"/>
+        </a:xfrm>
+      </p:grpSpPr>
+      <p:sp>
+        <p:nvSpPr>
+          <p:cNvPr id="157" name="Google Shape;157;p23"/>
+          <p:cNvSpPr txBox="1"/>
+          <p:nvPr>
+            <p:ph type="title"/>
+          </p:nvPr>
+        </p:nvSpPr>
+        <p:spPr>
+          <a:xfrm>
+            <a:off x="729450" y="632850"/>
+            <a:ext cx="7688700" cy="535200"/>
+          </a:xfrm>
+          <a:prstGeom prst="rect">
+            <a:avLst/>
+          </a:prstGeom>
+        </p:spPr>
+        <p:txBody>
+          <a:bodyPr anchorCtr="0" anchor="t" bIns="91425" lIns="91425" spcFirstLastPara="1" rIns="91425" wrap="square" tIns="91425">
+            <a:noAutofit/>
+          </a:bodyPr>
+          <a:lstStyle/>
+          <a:p>
+            <a:pPr indent="0" lvl="0" marL="0" rtl="0" algn="l">
+              <a:spcBef>
+                <a:spcPts val="0"/>
+              </a:spcBef>
+              <a:spcAft>
+                <a:spcPts val="0"/>
+              </a:spcAft>
+              <a:buNone/>
+            </a:pPr>
+            <a:r>
+              <a:rPr lang="en"/>
+              <a:t>Data Engineering via Dataiku</a:t>
+            </a:r>
+            <a:endParaRPr/>
+          </a:p>
+        </p:txBody>
+      </p:sp>
+      <p:pic>
+        <p:nvPicPr>
+          <p:cNvPr id="158" name="Google Shape;158;p23"/>
+          <p:cNvPicPr preferRelativeResize="0"/>
+          <p:nvPr/>
+        </p:nvPicPr>
+        <p:blipFill>
+          <a:blip r:embed="rId3">
+            <a:alphaModFix/>
+          </a:blip>
+          <a:stretch>
+            <a:fillRect/>
+          </a:stretch>
+        </p:blipFill>
+        <p:spPr>
+          <a:xfrm>
+            <a:off x="1133525" y="1861500"/>
+            <a:ext cx="2381250" cy="1323975"/>
+          </a:xfrm>
+          <a:prstGeom prst="rect">
+            <a:avLst/>
+          </a:prstGeom>
+          <a:noFill/>
+          <a:ln>
+            <a:noFill/>
+          </a:ln>
+        </p:spPr>
+      </p:pic>
+      <p:sp>
+        <p:nvSpPr>
+          <p:cNvPr id="159" name="Google Shape;159;p23"/>
+          <p:cNvSpPr txBox="1"/>
+          <p:nvPr/>
+        </p:nvSpPr>
+        <p:spPr>
+          <a:xfrm>
+            <a:off x="418400" y="3482175"/>
+            <a:ext cx="4140600" cy="3000000"/>
+          </a:xfrm>
+          <a:prstGeom prst="rect">
+            <a:avLst/>
+          </a:prstGeom>
+          <a:noFill/>
+          <a:ln>
+            <a:noFill/>
+          </a:ln>
+        </p:spPr>
+        <p:txBody>
+          <a:bodyPr anchorCtr="0" anchor="t" bIns="91425" lIns="91425" spcFirstLastPara="1" rIns="91425" wrap="square" tIns="91425">
+            <a:noAutofit/>
+          </a:bodyPr>
+          <a:lstStyle/>
+          <a:p>
+            <a:pPr indent="0" lvl="0" marL="0" rtl="0" algn="l">
+              <a:spcBef>
+                <a:spcPts val="0"/>
+              </a:spcBef>
+              <a:spcAft>
+                <a:spcPts val="2300"/>
+              </a:spcAft>
+              <a:buNone/>
+            </a:pPr>
+            <a:r>
+              <a:rPr lang="en">
+                <a:latin typeface="Lato"/>
+                <a:ea typeface="Lato"/>
+                <a:cs typeface="Lato"/>
+                <a:sym typeface="Lato"/>
+              </a:rPr>
+              <a:t>Dataiku DSS “Bring data analysts, engineers, and scientists together”, “Enables self-service analytics” and “operationalizes machine learning”</a:t>
+            </a:r>
+            <a:r>
+              <a:rPr lang="en" sz="1200">
+                <a:latin typeface="Lato"/>
+                <a:ea typeface="Lato"/>
+                <a:cs typeface="Lato"/>
+                <a:sym typeface="Lato"/>
+              </a:rPr>
+              <a:t> </a:t>
+            </a:r>
+            <a:r>
+              <a:rPr lang="en" sz="1200">
+                <a:solidFill>
+                  <a:srgbClr val="FFFFFF"/>
+                </a:solidFill>
+              </a:rPr>
+              <a:t>ts</a:t>
+            </a:r>
+            <a:r>
+              <a:rPr lang="en" sz="1500">
+                <a:solidFill>
+                  <a:srgbClr val="FFFFFF"/>
+                </a:solidFill>
+              </a:rPr>
+              <a:t> today and build for tomorrow.</a:t>
+            </a:r>
+            <a:endParaRPr sz="1500">
+              <a:solidFill>
+                <a:srgbClr val="FFFFFF"/>
+              </a:solidFill>
+            </a:endParaRPr>
+          </a:p>
+        </p:txBody>
+      </p:sp>
+      <p:sp>
+        <p:nvSpPr>
+          <p:cNvPr id="160" name="Google Shape;160;p23"/>
+          <p:cNvSpPr txBox="1"/>
+          <p:nvPr/>
+        </p:nvSpPr>
+        <p:spPr>
+          <a:xfrm>
+            <a:off x="4645725" y="1411250"/>
+            <a:ext cx="4376100" cy="3000000"/>
+          </a:xfrm>
+          <a:prstGeom prst="rect">
+            <a:avLst/>
+          </a:prstGeom>
+          <a:noFill/>
+          <a:ln>
+            <a:noFill/>
+          </a:ln>
+        </p:spPr>
+        <p:txBody>
+          <a:bodyPr anchorCtr="0" anchor="t" bIns="91425" lIns="91425" spcFirstLastPara="1" rIns="91425" wrap="square" tIns="91425">
+            <a:noAutofit/>
+          </a:bodyPr>
+          <a:lstStyle/>
+          <a:p>
+            <a:pPr indent="0" lvl="0" marL="0" rtl="0" algn="l">
+              <a:lnSpc>
+                <a:spcPct val="115000"/>
+              </a:lnSpc>
+              <a:spcBef>
+                <a:spcPts val="0"/>
+              </a:spcBef>
+              <a:spcAft>
+                <a:spcPts val="0"/>
+              </a:spcAft>
+              <a:buNone/>
+            </a:pPr>
+            <a:r>
+              <a:rPr lang="en">
+                <a:solidFill>
+                  <a:srgbClr val="434343"/>
+                </a:solidFill>
+                <a:latin typeface="Lato"/>
+                <a:ea typeface="Lato"/>
+                <a:cs typeface="Lato"/>
+                <a:sym typeface="Lato"/>
+              </a:rPr>
+              <a:t>Steps to Engineering a Dataiku Workflow: </a:t>
+            </a:r>
+            <a:endParaRPr>
+              <a:solidFill>
+                <a:srgbClr val="434343"/>
+              </a:solidFill>
+              <a:latin typeface="Lato"/>
+              <a:ea typeface="Lato"/>
+              <a:cs typeface="Lato"/>
+              <a:sym typeface="Lato"/>
+            </a:endParaRPr>
+          </a:p>
+          <a:p>
+            <a:pPr indent="-317500" lvl="0" marL="457200" rtl="0" algn="l">
+              <a:lnSpc>
+                <a:spcPct val="115000"/>
+              </a:lnSpc>
+              <a:spcBef>
+                <a:spcPts val="800"/>
+              </a:spcBef>
+              <a:spcAft>
+                <a:spcPts val="0"/>
+              </a:spcAft>
+              <a:buClr>
+                <a:srgbClr val="434343"/>
+              </a:buClr>
+              <a:buSzPts val="1400"/>
+              <a:buFont typeface="Lato"/>
+              <a:buAutoNum type="arabicPeriod"/>
+            </a:pPr>
+            <a:r>
+              <a:rPr lang="en">
+                <a:solidFill>
+                  <a:srgbClr val="434343"/>
+                </a:solidFill>
+                <a:latin typeface="Lato"/>
+                <a:ea typeface="Lato"/>
+                <a:cs typeface="Lato"/>
+                <a:sym typeface="Lato"/>
+              </a:rPr>
+              <a:t>Create a new project</a:t>
+            </a:r>
+            <a:endParaRPr>
+              <a:solidFill>
+                <a:srgbClr val="434343"/>
+              </a:solidFill>
+              <a:latin typeface="Lato"/>
+              <a:ea typeface="Lato"/>
+              <a:cs typeface="Lato"/>
+              <a:sym typeface="Lato"/>
+            </a:endParaRPr>
+          </a:p>
+          <a:p>
+            <a:pPr indent="-317500" lvl="0" marL="457200" rtl="0" algn="l">
+              <a:lnSpc>
+                <a:spcPct val="115000"/>
+              </a:lnSpc>
+              <a:spcBef>
+                <a:spcPts val="0"/>
+              </a:spcBef>
+              <a:spcAft>
+                <a:spcPts val="0"/>
+              </a:spcAft>
+              <a:buClr>
+                <a:srgbClr val="434343"/>
+              </a:buClr>
+              <a:buSzPts val="1400"/>
+              <a:buFont typeface="Lato"/>
+              <a:buAutoNum type="arabicPeriod"/>
+            </a:pPr>
+            <a:r>
+              <a:rPr lang="en">
+                <a:solidFill>
+                  <a:srgbClr val="434343"/>
+                </a:solidFill>
+                <a:latin typeface="Lato"/>
+                <a:ea typeface="Lato"/>
+                <a:cs typeface="Lato"/>
+                <a:sym typeface="Lato"/>
+              </a:rPr>
+              <a:t>Connect to and/or Import Dataset(s)</a:t>
+            </a:r>
+            <a:endParaRPr>
+              <a:solidFill>
+                <a:srgbClr val="434343"/>
+              </a:solidFill>
+              <a:latin typeface="Lato"/>
+              <a:ea typeface="Lato"/>
+              <a:cs typeface="Lato"/>
+              <a:sym typeface="Lato"/>
+            </a:endParaRPr>
+          </a:p>
+          <a:p>
+            <a:pPr indent="-317500" lvl="0" marL="457200" rtl="0" algn="l">
+              <a:lnSpc>
+                <a:spcPct val="115000"/>
+              </a:lnSpc>
+              <a:spcBef>
+                <a:spcPts val="0"/>
+              </a:spcBef>
+              <a:spcAft>
+                <a:spcPts val="0"/>
+              </a:spcAft>
+              <a:buClr>
+                <a:srgbClr val="434343"/>
+              </a:buClr>
+              <a:buSzPts val="1400"/>
+              <a:buFont typeface="Lato"/>
+              <a:buAutoNum type="arabicPeriod"/>
+            </a:pPr>
+            <a:r>
+              <a:rPr lang="en">
+                <a:solidFill>
+                  <a:srgbClr val="434343"/>
+                </a:solidFill>
+                <a:latin typeface="Lato"/>
+                <a:ea typeface="Lato"/>
+                <a:cs typeface="Lato"/>
+                <a:sym typeface="Lato"/>
+              </a:rPr>
+              <a:t>Visual Prep</a:t>
+            </a:r>
+            <a:r>
+              <a:rPr lang="en">
+                <a:solidFill>
+                  <a:srgbClr val="434343"/>
+                </a:solidFill>
+                <a:latin typeface="Lato"/>
+                <a:ea typeface="Lato"/>
+                <a:cs typeface="Lato"/>
+                <a:sym typeface="Lato"/>
+              </a:rPr>
+              <a:t> -</a:t>
+            </a:r>
+            <a:r>
+              <a:rPr lang="en">
+                <a:solidFill>
+                  <a:srgbClr val="434343"/>
+                </a:solidFill>
+                <a:latin typeface="Lato"/>
+                <a:ea typeface="Lato"/>
+                <a:cs typeface="Lato"/>
+                <a:sym typeface="Lato"/>
+              </a:rPr>
+              <a:t> Data “</a:t>
+            </a:r>
+            <a:r>
+              <a:rPr lang="en">
+                <a:solidFill>
+                  <a:srgbClr val="434343"/>
+                </a:solidFill>
+                <a:latin typeface="Lato"/>
+                <a:ea typeface="Lato"/>
+                <a:cs typeface="Lato"/>
+                <a:sym typeface="Lato"/>
+              </a:rPr>
+              <a:t>Recipes</a:t>
+            </a:r>
+            <a:r>
+              <a:rPr lang="en">
+                <a:solidFill>
+                  <a:srgbClr val="434343"/>
+                </a:solidFill>
+                <a:latin typeface="Lato"/>
+                <a:ea typeface="Lato"/>
+                <a:cs typeface="Lato"/>
+                <a:sym typeface="Lato"/>
+              </a:rPr>
+              <a:t>”</a:t>
+            </a:r>
+            <a:endParaRPr>
+              <a:solidFill>
+                <a:srgbClr val="434343"/>
+              </a:solidFill>
+              <a:latin typeface="Lato"/>
+              <a:ea typeface="Lato"/>
+              <a:cs typeface="Lato"/>
+              <a:sym typeface="Lato"/>
+            </a:endParaRPr>
+          </a:p>
+          <a:p>
+            <a:pPr indent="-317500" lvl="0" marL="457200" rtl="0" algn="l">
+              <a:lnSpc>
+                <a:spcPct val="115000"/>
+              </a:lnSpc>
+              <a:spcBef>
+                <a:spcPts val="0"/>
+              </a:spcBef>
+              <a:spcAft>
+                <a:spcPts val="0"/>
+              </a:spcAft>
+              <a:buClr>
+                <a:srgbClr val="434343"/>
+              </a:buClr>
+              <a:buSzPts val="1400"/>
+              <a:buFont typeface="Lato"/>
+              <a:buAutoNum type="arabicPeriod"/>
+            </a:pPr>
+            <a:r>
+              <a:rPr lang="en">
+                <a:solidFill>
+                  <a:srgbClr val="434343"/>
+                </a:solidFill>
+                <a:latin typeface="Lato"/>
+                <a:ea typeface="Lato"/>
+                <a:cs typeface="Lato"/>
+                <a:sym typeface="Lato"/>
+              </a:rPr>
+              <a:t>Code </a:t>
+            </a:r>
+            <a:r>
+              <a:rPr lang="en">
+                <a:solidFill>
+                  <a:srgbClr val="434343"/>
+                </a:solidFill>
+                <a:latin typeface="Lato"/>
+                <a:ea typeface="Lato"/>
+                <a:cs typeface="Lato"/>
+                <a:sym typeface="Lato"/>
+              </a:rPr>
+              <a:t>Transformation(s) - Python</a:t>
+            </a:r>
+            <a:endParaRPr>
+              <a:solidFill>
+                <a:srgbClr val="434343"/>
+              </a:solidFill>
+              <a:latin typeface="Lato"/>
+              <a:ea typeface="Lato"/>
+              <a:cs typeface="Lato"/>
+              <a:sym typeface="Lato"/>
+            </a:endParaRPr>
+          </a:p>
+          <a:p>
+            <a:pPr indent="-317500" lvl="0" marL="457200" rtl="0" algn="l">
+              <a:lnSpc>
+                <a:spcPct val="115000"/>
+              </a:lnSpc>
+              <a:spcBef>
+                <a:spcPts val="0"/>
+              </a:spcBef>
+              <a:spcAft>
+                <a:spcPts val="0"/>
+              </a:spcAft>
+              <a:buClr>
+                <a:srgbClr val="434343"/>
+              </a:buClr>
+              <a:buSzPts val="1400"/>
+              <a:buFont typeface="Lato"/>
+              <a:buAutoNum type="arabicPeriod"/>
+            </a:pPr>
+            <a:r>
+              <a:rPr lang="en">
+                <a:solidFill>
+                  <a:srgbClr val="434343"/>
+                </a:solidFill>
+                <a:latin typeface="Lato"/>
+                <a:ea typeface="Lato"/>
+                <a:cs typeface="Lato"/>
+                <a:sym typeface="Lato"/>
+              </a:rPr>
+              <a:t>Visual Analysis, Data Prep &amp; ML (The Lab)</a:t>
+            </a:r>
+            <a:endParaRPr>
+              <a:solidFill>
+                <a:srgbClr val="434343"/>
+              </a:solidFill>
+              <a:latin typeface="Lato"/>
+              <a:ea typeface="Lato"/>
+              <a:cs typeface="Lato"/>
+              <a:sym typeface="Lato"/>
+            </a:endParaRPr>
+          </a:p>
+          <a:p>
+            <a:pPr indent="-317500" lvl="0" marL="457200" rtl="0" algn="l">
+              <a:lnSpc>
+                <a:spcPct val="115000"/>
+              </a:lnSpc>
+              <a:spcBef>
+                <a:spcPts val="0"/>
+              </a:spcBef>
+              <a:spcAft>
+                <a:spcPts val="0"/>
+              </a:spcAft>
+              <a:buClr>
+                <a:srgbClr val="434343"/>
+              </a:buClr>
+              <a:buSzPts val="1400"/>
+              <a:buFont typeface="Lato"/>
+              <a:buAutoNum type="arabicPeriod"/>
+            </a:pPr>
+            <a:r>
+              <a:rPr lang="en">
+                <a:solidFill>
+                  <a:srgbClr val="434343"/>
+                </a:solidFill>
+                <a:latin typeface="Lato"/>
+                <a:ea typeface="Lato"/>
+                <a:cs typeface="Lato"/>
+                <a:sym typeface="Lato"/>
+              </a:rPr>
+              <a:t>Data Product Development</a:t>
+            </a:r>
+            <a:endParaRPr>
+              <a:solidFill>
+                <a:srgbClr val="434343"/>
+              </a:solidFill>
+              <a:latin typeface="Lato"/>
+              <a:ea typeface="Lato"/>
+              <a:cs typeface="Lato"/>
+              <a:sym typeface="Lato"/>
+            </a:endParaRPr>
+          </a:p>
+          <a:p>
+            <a:pPr indent="-317500" lvl="1" marL="914400" rtl="0" algn="l">
+              <a:lnSpc>
+                <a:spcPct val="115000"/>
+              </a:lnSpc>
+              <a:spcBef>
+                <a:spcPts val="0"/>
+              </a:spcBef>
+              <a:spcAft>
+                <a:spcPts val="0"/>
+              </a:spcAft>
+              <a:buClr>
+                <a:srgbClr val="434343"/>
+              </a:buClr>
+              <a:buSzPts val="1400"/>
+              <a:buFont typeface="Lato"/>
+              <a:buAutoNum type="alphaLcPeriod"/>
+            </a:pPr>
+            <a:r>
+              <a:rPr lang="en">
+                <a:solidFill>
+                  <a:srgbClr val="434343"/>
+                </a:solidFill>
+                <a:latin typeface="Lato"/>
+                <a:ea typeface="Lato"/>
+                <a:cs typeface="Lato"/>
+                <a:sym typeface="Lato"/>
+              </a:rPr>
+              <a:t>Reports, Dashboards, Insights, WebApps</a:t>
+            </a:r>
+            <a:endParaRPr>
+              <a:solidFill>
+                <a:srgbClr val="434343"/>
+              </a:solidFill>
+              <a:latin typeface="Lato"/>
+              <a:ea typeface="Lato"/>
+              <a:cs typeface="Lato"/>
+              <a:sym typeface="Lato"/>
+            </a:endParaRPr>
+          </a:p>
+          <a:p>
+            <a:pPr indent="-317500" lvl="0" marL="457200" rtl="0" algn="l">
+              <a:lnSpc>
+                <a:spcPct val="115000"/>
+              </a:lnSpc>
+              <a:spcBef>
+                <a:spcPts val="0"/>
+              </a:spcBef>
+              <a:spcAft>
+                <a:spcPts val="0"/>
+              </a:spcAft>
+              <a:buClr>
+                <a:srgbClr val="434343"/>
+              </a:buClr>
+              <a:buSzPts val="1400"/>
+              <a:buFont typeface="Lato"/>
+              <a:buAutoNum type="arabicPeriod"/>
+            </a:pPr>
+            <a:r>
+              <a:rPr lang="en">
+                <a:solidFill>
+                  <a:srgbClr val="434343"/>
+                </a:solidFill>
+                <a:latin typeface="Lato"/>
+                <a:ea typeface="Lato"/>
+                <a:cs typeface="Lato"/>
+                <a:sym typeface="Lato"/>
+              </a:rPr>
+              <a:t>Job, Workflow &amp; Scenario Scheduling</a:t>
+            </a:r>
+            <a:endParaRPr>
+              <a:solidFill>
+                <a:srgbClr val="434343"/>
+              </a:solidFill>
+              <a:latin typeface="Lato"/>
+              <a:ea typeface="Lato"/>
+              <a:cs typeface="Lato"/>
+              <a:sym typeface="Lato"/>
+            </a:endParaRPr>
+          </a:p>
+          <a:p>
+            <a:pPr indent="-317500" lvl="0" marL="457200" rtl="0" algn="l">
+              <a:lnSpc>
+                <a:spcPct val="115000"/>
+              </a:lnSpc>
+              <a:spcBef>
+                <a:spcPts val="0"/>
+              </a:spcBef>
+              <a:spcAft>
+                <a:spcPts val="0"/>
+              </a:spcAft>
+              <a:buClr>
+                <a:srgbClr val="434343"/>
+              </a:buClr>
+              <a:buSzPts val="1400"/>
+              <a:buFont typeface="Lato"/>
+              <a:buAutoNum type="arabicPeriod"/>
+            </a:pPr>
+            <a:r>
+              <a:rPr lang="en">
+                <a:solidFill>
+                  <a:srgbClr val="434343"/>
+                </a:solidFill>
+                <a:latin typeface="Lato"/>
+                <a:ea typeface="Lato"/>
+                <a:cs typeface="Lato"/>
+                <a:sym typeface="Lato"/>
+              </a:rPr>
+              <a:t>Workflow Monitoring &amp; Maintenance</a:t>
+            </a:r>
+            <a:endParaRPr>
+              <a:solidFill>
+                <a:srgbClr val="434343"/>
+              </a:solidFill>
+              <a:latin typeface="Lato"/>
+              <a:ea typeface="Lato"/>
+              <a:cs typeface="Lato"/>
+              <a:sym typeface="Lato"/>
+            </a:endParaRPr>
+          </a:p>
+          <a:p>
+            <a:pPr indent="-317500" lvl="0" marL="457200" rtl="0" algn="l">
+              <a:lnSpc>
+                <a:spcPct val="115000"/>
+              </a:lnSpc>
+              <a:spcBef>
+                <a:spcPts val="0"/>
+              </a:spcBef>
+              <a:spcAft>
+                <a:spcPts val="0"/>
+              </a:spcAft>
+              <a:buClr>
+                <a:srgbClr val="434343"/>
+              </a:buClr>
+              <a:buSzPts val="1400"/>
+              <a:buFont typeface="Lato"/>
+              <a:buAutoNum type="arabicPeriod"/>
+            </a:pPr>
+            <a:r>
+              <a:rPr lang="en">
+                <a:solidFill>
+                  <a:srgbClr val="434343"/>
+                </a:solidFill>
+                <a:latin typeface="Lato"/>
+                <a:ea typeface="Lato"/>
+                <a:cs typeface="Lato"/>
+                <a:sym typeface="Lato"/>
+              </a:rPr>
+              <a:t>Documentation - Wiki &amp; Juypter Notebooks</a:t>
+            </a:r>
+            <a:endParaRPr>
+              <a:solidFill>
+                <a:srgbClr val="434343"/>
+              </a:solidFill>
+              <a:latin typeface="Lato"/>
+              <a:ea typeface="Lato"/>
+              <a:cs typeface="Lato"/>
+              <a:sym typeface="Lato"/>
+            </a:endParaRPr>
+          </a:p>
+          <a:p>
+            <a:pPr indent="0" lvl="0" marL="0" rtl="0" algn="l">
+              <a:lnSpc>
+                <a:spcPct val="115000"/>
+              </a:lnSpc>
+              <a:spcBef>
+                <a:spcPts val="800"/>
+              </a:spcBef>
+              <a:spcAft>
+                <a:spcPts val="0"/>
+              </a:spcAft>
+              <a:buNone/>
+            </a:pPr>
+            <a:r>
+              <a:t/>
+            </a:r>
+            <a:endParaRPr>
+              <a:solidFill>
+                <a:srgbClr val="434343"/>
+              </a:solidFill>
+              <a:latin typeface="Lato"/>
+              <a:ea typeface="Lato"/>
+              <a:cs typeface="Lato"/>
+              <a:sym typeface="Lato"/>
+            </a:endParaRPr>
+          </a:p>
+          <a:p>
+            <a:pPr indent="0" lvl="0" marL="0" rtl="0" algn="l">
+              <a:lnSpc>
+                <a:spcPct val="115000"/>
+              </a:lnSpc>
+              <a:spcBef>
+                <a:spcPts val="800"/>
+              </a:spcBef>
+              <a:spcAft>
+                <a:spcPts val="0"/>
+              </a:spcAft>
+              <a:buNone/>
+            </a:pPr>
+            <a:r>
+              <a:t/>
+            </a:r>
+            <a:endParaRPr>
+              <a:solidFill>
+                <a:srgbClr val="434343"/>
+              </a:solidFill>
+              <a:latin typeface="Lato"/>
+              <a:ea typeface="Lato"/>
+              <a:cs typeface="Lato"/>
+              <a:sym typeface="Lato"/>
+            </a:endParaRPr>
+          </a:p>
+          <a:p>
+            <a:pPr indent="0" lvl="0" marL="0" rtl="0" algn="l">
+              <a:lnSpc>
+                <a:spcPct val="115000"/>
+              </a:lnSpc>
+              <a:spcBef>
+                <a:spcPts val="800"/>
+              </a:spcBef>
+              <a:spcAft>
+                <a:spcPts val="0"/>
+              </a:spcAft>
+              <a:buNone/>
+            </a:pPr>
+            <a:r>
+              <a:t/>
+            </a:r>
+            <a:endParaRPr>
+              <a:solidFill>
+                <a:srgbClr val="434343"/>
+              </a:solidFill>
+              <a:latin typeface="Lato"/>
+              <a:ea typeface="Lato"/>
+              <a:cs typeface="Lato"/>
+              <a:sym typeface="Lato"/>
+            </a:endParaRPr>
+          </a:p>
+          <a:p>
+            <a:pPr indent="0" lvl="0" marL="0" rtl="0" algn="l">
+              <a:lnSpc>
+                <a:spcPct val="115000"/>
+              </a:lnSpc>
+              <a:spcBef>
+                <a:spcPts val="800"/>
+              </a:spcBef>
+              <a:spcAft>
+                <a:spcPts val="0"/>
+              </a:spcAft>
+              <a:buNone/>
+            </a:pPr>
+            <a:r>
+              <a:t/>
+            </a:r>
+            <a:endParaRPr>
+              <a:solidFill>
+                <a:srgbClr val="434343"/>
+              </a:solidFill>
+              <a:latin typeface="Lato"/>
+              <a:ea typeface="Lato"/>
+              <a:cs typeface="Lato"/>
+              <a:sym typeface="Lato"/>
+            </a:endParaRPr>
+          </a:p>
+          <a:p>
+            <a:pPr indent="0" lvl="0" marL="0" rtl="0" algn="l">
+              <a:lnSpc>
+                <a:spcPct val="115000"/>
+              </a:lnSpc>
+              <a:spcBef>
+                <a:spcPts val="800"/>
+              </a:spcBef>
+              <a:spcAft>
+                <a:spcPts val="800"/>
+              </a:spcAft>
+              <a:buNone/>
+            </a:pPr>
+            <a:r>
+              <a:rPr lang="en">
+                <a:solidFill>
+                  <a:srgbClr val="434343"/>
+                </a:solidFill>
+                <a:latin typeface="Lato"/>
+                <a:ea typeface="Lato"/>
+                <a:cs typeface="Lato"/>
+                <a:sym typeface="Lato"/>
+              </a:rPr>
+              <a:t> </a:t>
+            </a:r>
+            <a:endParaRPr/>
+          </a:p>
+        </p:txBody>
+      </p:sp>
+    </p:spTree>
+  </p:cSld>
+  <p:clrMapOvr>
+    <a:masterClrMapping/>
+  </p:clrMapOvr>
+</p:sld>
+</file>
+
 <file path=ppt/slides/slide2.xml><?xml version="1.0" encoding="utf-8"?>
 <p:sld xmlns:a="http://schemas.openxmlformats.org/drawingml/2006/main" xmlns:r="http://schemas.openxmlformats.org/officeDocument/2006/relationships" xmlns:mc="http://schemas.openxmlformats.org/markup-compatibility/2006" xmlns:mv="urn:schemas-microsoft-com:mac:vml" xmlns:p="http://schemas.openxmlformats.org/presentationml/2006/main" xmlns:c="http://schemas.openxmlformats.org/drawingml/2006/chart" xmlns:dgm="http://schemas.openxmlformats.org/drawingml/2006/diagram" xmlns:o="urn:schemas-microsoft-com:office:office" xmlns:v="urn:schemas-microsoft-com:vml" xmlns:pvml="urn:schemas-microsoft-com:office:powerpoint" xmlns:com="http://schemas.openxmlformats.org/drawingml/2006/compatibility" xmlns:p14="http://schemas.microsoft.com/office/powerpoint/2010/main" xmlns:p15="http://schemas.microsoft.com/office/powerpoint/2012/main">
   <p:cSld>
@@ -8411,8 +10163,8 @@
         </p:nvSpPr>
         <p:spPr>
           <a:xfrm>
-            <a:off x="154325" y="3946575"/>
-            <a:ext cx="4104600" cy="1009500"/>
+            <a:off x="5550350" y="1286425"/>
+            <a:ext cx="3593700" cy="1009500"/>
           </a:xfrm>
           <a:prstGeom prst="rect">
             <a:avLst/>
@@ -8560,44 +10312,16 @@
           </a:p>
         </p:txBody>
       </p:sp>
-      <p:pic>
-        <p:nvPicPr>
-          <p:cNvPr id="94" name="Google Shape;94;p14"/>
-          <p:cNvPicPr preferRelativeResize="0"/>
-          <p:nvPr/>
-        </p:nvPicPr>
-        <p:blipFill>
-          <a:blip r:embed="rId3">
-            <a:alphaModFix/>
-          </a:blip>
-          <a:stretch>
-            <a:fillRect/>
-          </a:stretch>
-        </p:blipFill>
-        <p:spPr>
-          <a:xfrm>
-            <a:off x="1557500" y="1309425"/>
-            <a:ext cx="6244758" cy="2637150"/>
-          </a:xfrm>
-          <a:prstGeom prst="rect">
-            <a:avLst/>
-          </a:prstGeom>
-          <a:noFill/>
-          <a:ln>
-            <a:noFill/>
-          </a:ln>
-        </p:spPr>
-      </p:pic>
       <p:sp>
         <p:nvSpPr>
-          <p:cNvPr id="95" name="Google Shape;95;p14"/>
+          <p:cNvPr id="94" name="Google Shape;94;p14"/>
           <p:cNvSpPr txBox="1"/>
           <p:nvPr/>
         </p:nvSpPr>
         <p:spPr>
           <a:xfrm>
-            <a:off x="4434975" y="3619625"/>
-            <a:ext cx="4617600" cy="3000000"/>
+            <a:off x="5550350" y="2626275"/>
+            <a:ext cx="3593700" cy="3000000"/>
           </a:xfrm>
           <a:prstGeom prst="rect">
             <a:avLst/>
@@ -8739,6 +10463,34 @@
           </a:p>
         </p:txBody>
       </p:sp>
+      <p:pic>
+        <p:nvPicPr>
+          <p:cNvPr id="95" name="Google Shape;95;p14"/>
+          <p:cNvPicPr preferRelativeResize="0"/>
+          <p:nvPr/>
+        </p:nvPicPr>
+        <p:blipFill>
+          <a:blip r:embed="rId3">
+            <a:alphaModFix/>
+          </a:blip>
+          <a:stretch>
+            <a:fillRect/>
+          </a:stretch>
+        </p:blipFill>
+        <p:spPr>
+          <a:xfrm>
+            <a:off x="194475" y="1550950"/>
+            <a:ext cx="5142776" cy="2904025"/>
+          </a:xfrm>
+          <a:prstGeom prst="rect">
+            <a:avLst/>
+          </a:prstGeom>
+          <a:noFill/>
+          <a:ln>
+            <a:noFill/>
+          </a:ln>
+        </p:spPr>
+      </p:pic>
     </p:spTree>
   </p:cSld>
   <p:clrMapOvr>
@@ -8867,7 +10619,7 @@
         </p:nvSpPr>
         <p:spPr>
           <a:xfrm>
-            <a:off x="772725" y="618925"/>
+            <a:off x="729450" y="632850"/>
             <a:ext cx="7688700" cy="535200"/>
           </a:xfrm>
           <a:prstGeom prst="rect">
@@ -8891,22 +10643,50 @@
             </a:pPr>
             <a:r>
               <a:rPr lang="en"/>
-              <a:t>Data Architecture</a:t>
+              <a:t>Reporting &amp; Analytics</a:t>
             </a:r>
             <a:endParaRPr/>
           </a:p>
         </p:txBody>
       </p:sp>
+      <p:pic>
+        <p:nvPicPr>
+          <p:cNvPr id="107" name="Google Shape;107;p16"/>
+          <p:cNvPicPr preferRelativeResize="0"/>
+          <p:nvPr/>
+        </p:nvPicPr>
+        <p:blipFill>
+          <a:blip r:embed="rId3">
+            <a:alphaModFix/>
+          </a:blip>
+          <a:stretch>
+            <a:fillRect/>
+          </a:stretch>
+        </p:blipFill>
+        <p:spPr>
+          <a:xfrm>
+            <a:off x="4075325" y="1596575"/>
+            <a:ext cx="5068676" cy="2852125"/>
+          </a:xfrm>
+          <a:prstGeom prst="rect">
+            <a:avLst/>
+          </a:prstGeom>
+          <a:noFill/>
+          <a:ln>
+            <a:noFill/>
+          </a:ln>
+        </p:spPr>
+      </p:pic>
       <p:sp>
         <p:nvSpPr>
-          <p:cNvPr id="107" name="Google Shape;107;p16"/>
+          <p:cNvPr id="108" name="Google Shape;108;p16"/>
           <p:cNvSpPr txBox="1"/>
           <p:nvPr/>
         </p:nvSpPr>
         <p:spPr>
           <a:xfrm>
-            <a:off x="298325" y="1378425"/>
-            <a:ext cx="4742400" cy="3000000"/>
+            <a:off x="406475" y="1520375"/>
+            <a:ext cx="4014900" cy="3000000"/>
           </a:xfrm>
           <a:prstGeom prst="rect">
             <a:avLst/>
@@ -8944,7 +10724,7 @@
                 <a:cs typeface="Lato"/>
                 <a:sym typeface="Lato"/>
               </a:rPr>
-              <a:t>A data engineer’s knowledge of data architectures includes: Data Storage, Modeling &amp; Integration.</a:t>
+              <a:t>Reporting &amp; Analytics is focused on the delivery of data to meet business objects, in the form of “Data Products” such as, but not limited to:  </a:t>
             </a:r>
             <a:endParaRPr>
               <a:solidFill>
@@ -8959,7 +10739,7 @@
           <a:p>
             <a:pPr indent="-317500" lvl="0" marL="457200" rtl="0" algn="l">
               <a:lnSpc>
-                <a:spcPct val="150000"/>
+                <a:spcPct val="115000"/>
               </a:lnSpc>
               <a:spcBef>
                 <a:spcPts val="800"/>
@@ -8968,7 +10748,7 @@
                 <a:spcPts val="0"/>
               </a:spcAft>
               <a:buClr>
-                <a:srgbClr val="666666"/>
+                <a:srgbClr val="434343"/>
               </a:buClr>
               <a:buSzPts val="1400"/>
               <a:buFont typeface="Lato"/>
@@ -8977,18 +10757,18 @@
             <a:r>
               <a:rPr lang="en">
                 <a:solidFill>
-                  <a:srgbClr val="666666"/>
+                  <a:srgbClr val="434343"/>
                 </a:solidFill>
                 <a:latin typeface="Lato"/>
                 <a:ea typeface="Lato"/>
                 <a:cs typeface="Lato"/>
                 <a:sym typeface="Lato"/>
               </a:rPr>
-              <a:t>Databases, including RDBMS, OLTP &amp; HDFS</a:t>
+              <a:t>Raw data feeds</a:t>
             </a:r>
             <a:endParaRPr>
               <a:solidFill>
-                <a:srgbClr val="666666"/>
+                <a:srgbClr val="434343"/>
               </a:solidFill>
               <a:latin typeface="Lato"/>
               <a:ea typeface="Lato"/>
@@ -8999,7 +10779,7 @@
           <a:p>
             <a:pPr indent="-317500" lvl="0" marL="457200" rtl="0" algn="l">
               <a:lnSpc>
-                <a:spcPct val="150000"/>
+                <a:spcPct val="115000"/>
               </a:lnSpc>
               <a:spcBef>
                 <a:spcPts val="0"/>
@@ -9008,7 +10788,7 @@
                 <a:spcPts val="0"/>
               </a:spcAft>
               <a:buClr>
-                <a:srgbClr val="666666"/>
+                <a:srgbClr val="434343"/>
               </a:buClr>
               <a:buSzPts val="1400"/>
               <a:buFont typeface="Lato"/>
@@ -9017,18 +10797,18 @@
             <a:r>
               <a:rPr lang="en">
                 <a:solidFill>
-                  <a:srgbClr val="666666"/>
+                  <a:srgbClr val="434343"/>
                 </a:solidFill>
                 <a:latin typeface="Lato"/>
                 <a:ea typeface="Lato"/>
                 <a:cs typeface="Lato"/>
                 <a:sym typeface="Lato"/>
               </a:rPr>
-              <a:t>Relational and non-relational database design</a:t>
+              <a:t>Reports</a:t>
             </a:r>
             <a:endParaRPr>
               <a:solidFill>
-                <a:srgbClr val="666666"/>
+                <a:srgbClr val="434343"/>
               </a:solidFill>
               <a:latin typeface="Lato"/>
               <a:ea typeface="Lato"/>
@@ -9039,7 +10819,7 @@
           <a:p>
             <a:pPr indent="-317500" lvl="0" marL="457200" rtl="0" algn="l">
               <a:lnSpc>
-                <a:spcPct val="150000"/>
+                <a:spcPct val="115000"/>
               </a:lnSpc>
               <a:spcBef>
                 <a:spcPts val="0"/>
@@ -9048,7 +10828,7 @@
                 <a:spcPts val="0"/>
               </a:spcAft>
               <a:buClr>
-                <a:srgbClr val="666666"/>
+                <a:srgbClr val="434343"/>
               </a:buClr>
               <a:buSzPts val="1400"/>
               <a:buFont typeface="Lato"/>
@@ -9057,18 +10837,18 @@
             <a:r>
               <a:rPr lang="en">
                 <a:solidFill>
-                  <a:srgbClr val="666666"/>
+                  <a:srgbClr val="434343"/>
                 </a:solidFill>
                 <a:latin typeface="Lato"/>
                 <a:ea typeface="Lato"/>
                 <a:cs typeface="Lato"/>
                 <a:sym typeface="Lato"/>
               </a:rPr>
-              <a:t>Information flow &amp; real-time processing</a:t>
+              <a:t>Data science packages/APIs </a:t>
             </a:r>
             <a:endParaRPr>
               <a:solidFill>
-                <a:srgbClr val="666666"/>
+                <a:srgbClr val="434343"/>
               </a:solidFill>
               <a:latin typeface="Lato"/>
               <a:ea typeface="Lato"/>
@@ -9079,7 +10859,7 @@
           <a:p>
             <a:pPr indent="-317500" lvl="0" marL="457200" rtl="0" algn="l">
               <a:lnSpc>
-                <a:spcPct val="150000"/>
+                <a:spcPct val="115000"/>
               </a:lnSpc>
               <a:spcBef>
                 <a:spcPts val="0"/>
@@ -9088,7 +10868,7 @@
                 <a:spcPts val="0"/>
               </a:spcAft>
               <a:buClr>
-                <a:srgbClr val="666666"/>
+                <a:srgbClr val="434343"/>
               </a:buClr>
               <a:buSzPts val="1400"/>
               <a:buFont typeface="Lato"/>
@@ -9097,18 +10877,18 @@
             <a:r>
               <a:rPr lang="en">
                 <a:solidFill>
-                  <a:srgbClr val="666666"/>
+                  <a:srgbClr val="434343"/>
                 </a:solidFill>
                 <a:latin typeface="Lato"/>
                 <a:ea typeface="Lato"/>
                 <a:cs typeface="Lato"/>
                 <a:sym typeface="Lato"/>
               </a:rPr>
-              <a:t>Query execution and optimization</a:t>
+              <a:t>ML &amp; other algorithms</a:t>
             </a:r>
             <a:endParaRPr>
               <a:solidFill>
-                <a:srgbClr val="666666"/>
+                <a:srgbClr val="434343"/>
               </a:solidFill>
               <a:latin typeface="Lato"/>
               <a:ea typeface="Lato"/>
@@ -9119,7 +10899,7 @@
           <a:p>
             <a:pPr indent="-317500" lvl="0" marL="457200" rtl="0" algn="l">
               <a:lnSpc>
-                <a:spcPct val="150000"/>
+                <a:spcPct val="115000"/>
               </a:lnSpc>
               <a:spcBef>
                 <a:spcPts val="0"/>
@@ -9128,7 +10908,7 @@
                 <a:spcPts val="0"/>
               </a:spcAft>
               <a:buClr>
-                <a:srgbClr val="666666"/>
+                <a:srgbClr val="434343"/>
               </a:buClr>
               <a:buSzPts val="1400"/>
               <a:buFont typeface="Lato"/>
@@ -9137,18 +10917,18 @@
             <a:r>
               <a:rPr lang="en">
                 <a:solidFill>
-                  <a:srgbClr val="666666"/>
+                  <a:srgbClr val="434343"/>
                 </a:solidFill>
                 <a:latin typeface="Lato"/>
                 <a:ea typeface="Lato"/>
                 <a:cs typeface="Lato"/>
                 <a:sym typeface="Lato"/>
               </a:rPr>
-              <a:t>Comparative analysis of data stores</a:t>
+              <a:t>Information dashboards </a:t>
             </a:r>
             <a:endParaRPr>
               <a:solidFill>
-                <a:srgbClr val="666666"/>
+                <a:srgbClr val="434343"/>
               </a:solidFill>
               <a:latin typeface="Lato"/>
               <a:ea typeface="Lato"/>
@@ -9159,7 +10939,7 @@
           <a:p>
             <a:pPr indent="-317500" lvl="0" marL="457200" rtl="0" algn="l">
               <a:lnSpc>
-                <a:spcPct val="150000"/>
+                <a:spcPct val="115000"/>
               </a:lnSpc>
               <a:spcBef>
                 <a:spcPts val="0"/>
@@ -9168,7 +10948,7 @@
                 <a:spcPts val="0"/>
               </a:spcAft>
               <a:buClr>
-                <a:srgbClr val="666666"/>
+                <a:srgbClr val="434343"/>
               </a:buClr>
               <a:buSzPts val="1400"/>
               <a:buFont typeface="Lato"/>
@@ -9177,18 +10957,18 @@
             <a:r>
               <a:rPr lang="en">
                 <a:solidFill>
-                  <a:srgbClr val="666666"/>
+                  <a:srgbClr val="434343"/>
                 </a:solidFill>
                 <a:latin typeface="Lato"/>
                 <a:ea typeface="Lato"/>
                 <a:cs typeface="Lato"/>
                 <a:sym typeface="Lato"/>
               </a:rPr>
-              <a:t>ETL Processes</a:t>
+              <a:t>Mobile BI</a:t>
             </a:r>
             <a:endParaRPr>
               <a:solidFill>
-                <a:srgbClr val="666666"/>
+                <a:srgbClr val="434343"/>
               </a:solidFill>
               <a:latin typeface="Lato"/>
               <a:ea typeface="Lato"/>
@@ -9197,38 +10977,24 @@
             </a:endParaRPr>
           </a:p>
           <a:p>
-            <a:pPr indent="-304800" lvl="0" marL="457200" rtl="0" algn="l">
+            <a:pPr indent="0" lvl="0" marL="0" rtl="0" algn="l">
               <a:lnSpc>
-                <a:spcPct val="150000"/>
+                <a:spcPct val="115000"/>
               </a:lnSpc>
               <a:spcBef>
-                <a:spcPts val="0"/>
-              </a:spcBef>
-              <a:spcAft>
-                <a:spcPts val="0"/>
-              </a:spcAft>
-              <a:buClr>
-                <a:srgbClr val="666666"/>
-              </a:buClr>
-              <a:buSzPts val="1200"/>
-              <a:buFont typeface="Lato"/>
-              <a:buChar char="●"/>
-            </a:pPr>
-            <a:r>
-              <a:rPr lang="en">
-                <a:solidFill>
-                  <a:srgbClr val="666666"/>
-                </a:solidFill>
-                <a:latin typeface="Lato"/>
-                <a:ea typeface="Lato"/>
-                <a:cs typeface="Lato"/>
-                <a:sym typeface="Lato"/>
-              </a:rPr>
-              <a:t>Database setup and management</a:t>
+                <a:spcPts val="800"/>
+              </a:spcBef>
+              <a:spcAft>
+                <a:spcPts val="0"/>
+              </a:spcAft>
+              <a:buNone/>
+            </a:pPr>
+            <a:r>
+              <a:t/>
             </a:r>
             <a:endParaRPr>
               <a:solidFill>
-                <a:srgbClr val="666666"/>
+                <a:srgbClr val="434343"/>
               </a:solidFill>
               <a:latin typeface="Lato"/>
               <a:ea typeface="Lato"/>
@@ -9237,38 +11003,24 @@
             </a:endParaRPr>
           </a:p>
           <a:p>
-            <a:pPr indent="-304800" lvl="0" marL="457200" rtl="0" algn="l">
+            <a:pPr indent="0" lvl="0" marL="0" rtl="0" algn="l">
               <a:lnSpc>
-                <a:spcPct val="150000"/>
+                <a:spcPct val="115000"/>
               </a:lnSpc>
               <a:spcBef>
-                <a:spcPts val="0"/>
-              </a:spcBef>
-              <a:spcAft>
-                <a:spcPts val="0"/>
-              </a:spcAft>
-              <a:buClr>
-                <a:srgbClr val="666666"/>
-              </a:buClr>
-              <a:buSzPts val="1200"/>
-              <a:buFont typeface="Lato"/>
-              <a:buChar char="●"/>
-            </a:pPr>
-            <a:r>
-              <a:rPr lang="en">
-                <a:solidFill>
-                  <a:srgbClr val="666666"/>
-                </a:solidFill>
-                <a:latin typeface="Lato"/>
-                <a:ea typeface="Lato"/>
-                <a:cs typeface="Lato"/>
-                <a:sym typeface="Lato"/>
-              </a:rPr>
-              <a:t>Data infrastructure design and build</a:t>
+                <a:spcPts val="800"/>
+              </a:spcBef>
+              <a:spcAft>
+                <a:spcPts val="0"/>
+              </a:spcAft>
+              <a:buNone/>
+            </a:pPr>
+            <a:r>
+              <a:t/>
             </a:r>
             <a:endParaRPr>
               <a:solidFill>
-                <a:srgbClr val="666666"/>
+                <a:srgbClr val="434343"/>
               </a:solidFill>
               <a:latin typeface="Lato"/>
               <a:ea typeface="Lato"/>
@@ -9276,36 +11028,87 @@
               <a:sym typeface="Lato"/>
             </a:endParaRPr>
           </a:p>
+          <a:p>
+            <a:pPr indent="0" lvl="0" marL="0" rtl="0" algn="l">
+              <a:lnSpc>
+                <a:spcPct val="115000"/>
+              </a:lnSpc>
+              <a:spcBef>
+                <a:spcPts val="800"/>
+              </a:spcBef>
+              <a:spcAft>
+                <a:spcPts val="0"/>
+              </a:spcAft>
+              <a:buNone/>
+            </a:pPr>
+            <a:r>
+              <a:t/>
+            </a:r>
+            <a:endParaRPr>
+              <a:solidFill>
+                <a:srgbClr val="434343"/>
+              </a:solidFill>
+              <a:latin typeface="Lato"/>
+              <a:ea typeface="Lato"/>
+              <a:cs typeface="Lato"/>
+              <a:sym typeface="Lato"/>
+            </a:endParaRPr>
+          </a:p>
+          <a:p>
+            <a:pPr indent="0" lvl="0" marL="0" rtl="0" algn="l">
+              <a:lnSpc>
+                <a:spcPct val="115000"/>
+              </a:lnSpc>
+              <a:spcBef>
+                <a:spcPts val="800"/>
+              </a:spcBef>
+              <a:spcAft>
+                <a:spcPts val="0"/>
+              </a:spcAft>
+              <a:buNone/>
+            </a:pPr>
+            <a:r>
+              <a:t/>
+            </a:r>
+            <a:endParaRPr>
+              <a:solidFill>
+                <a:srgbClr val="434343"/>
+              </a:solidFill>
+              <a:latin typeface="Lato"/>
+              <a:ea typeface="Lato"/>
+              <a:cs typeface="Lato"/>
+              <a:sym typeface="Lato"/>
+            </a:endParaRPr>
+          </a:p>
+          <a:p>
+            <a:pPr indent="0" lvl="0" marL="0" rtl="0" algn="l">
+              <a:lnSpc>
+                <a:spcPct val="115000"/>
+              </a:lnSpc>
+              <a:spcBef>
+                <a:spcPts val="800"/>
+              </a:spcBef>
+              <a:spcAft>
+                <a:spcPts val="800"/>
+              </a:spcAft>
+              <a:buNone/>
+            </a:pPr>
+            <a:r>
+              <a:rPr lang="en">
+                <a:solidFill>
+                  <a:srgbClr val="434343"/>
+                </a:solidFill>
+                <a:latin typeface="Lato"/>
+                <a:ea typeface="Lato"/>
+                <a:cs typeface="Lato"/>
+                <a:sym typeface="Lato"/>
+              </a:rPr>
+              <a:t> </a:t>
+            </a:r>
+            <a:endParaRPr/>
+          </a:p>
         </p:txBody>
       </p:sp>
-      <p:pic>
-        <p:nvPicPr>
-          <p:cNvPr id="108" name="Google Shape;108;p16"/>
-          <p:cNvPicPr preferRelativeResize="0"/>
-          <p:nvPr/>
-        </p:nvPicPr>
-        <p:blipFill>
-          <a:blip r:embed="rId3">
-            <a:alphaModFix/>
-          </a:blip>
-          <a:stretch>
-            <a:fillRect/>
-          </a:stretch>
-        </p:blipFill>
-        <p:spPr>
-          <a:xfrm>
-            <a:off x="4505700" y="2160325"/>
-            <a:ext cx="4525150" cy="1880075"/>
-          </a:xfrm>
-          <a:prstGeom prst="rect">
-            <a:avLst/>
-          </a:prstGeom>
-          <a:noFill/>
-          <a:ln>
-            <a:noFill/>
-          </a:ln>
-        </p:spPr>
-      </p:pic>
     </p:spTree>
   </p:cSld>
   <p:clrMapOvr>
@@ -9341,8 +11144,8 @@
         </p:nvSpPr>
         <p:spPr>
           <a:xfrm>
-            <a:off x="729450" y="632850"/>
-            <a:ext cx="6307500" cy="535200"/>
+            <a:off x="772725" y="618925"/>
+            <a:ext cx="7688700" cy="535200"/>
           </a:xfrm>
           <a:prstGeom prst="rect">
             <a:avLst/>
@@ -9365,7 +11168,7 @@
             </a:pPr>
             <a:r>
               <a:rPr lang="en"/>
-              <a:t>Example - Google Cloud Platform</a:t>
+              <a:t>Data Architecture</a:t>
             </a:r>
             <a:endParaRPr/>
           </a:p>
@@ -9379,8 +11182,8 @@
         </p:nvSpPr>
         <p:spPr>
           <a:xfrm>
-            <a:off x="201900" y="2967700"/>
-            <a:ext cx="4131600" cy="3281400"/>
+            <a:off x="298325" y="1378425"/>
+            <a:ext cx="4742400" cy="3000000"/>
           </a:xfrm>
           <a:prstGeom prst="rect">
             <a:avLst/>
@@ -9397,32 +11200,6 @@
           <a:lstStyle/>
           <a:p>
             <a:pPr indent="0" lvl="0" marL="0" rtl="0" algn="l">
-              <a:spcBef>
-                <a:spcPts val="0"/>
-              </a:spcBef>
-              <a:spcAft>
-                <a:spcPts val="0"/>
-              </a:spcAft>
-              <a:buNone/>
-            </a:pPr>
-            <a:r>
-              <a:t/>
-            </a:r>
-            <a:endParaRPr sz="1200">
-              <a:solidFill>
-                <a:srgbClr val="333333"/>
-              </a:solidFill>
-              <a:highlight>
-                <a:srgbClr val="FFFFFF"/>
-              </a:highlight>
-              <a:latin typeface="Lato"/>
-              <a:ea typeface="Lato"/>
-              <a:cs typeface="Lato"/>
-              <a:sym typeface="Lato"/>
-            </a:endParaRPr>
-          </a:p>
-          <a:p>
-            <a:pPr indent="0" lvl="0" marL="0" rtl="0" algn="l">
               <a:lnSpc>
                 <a:spcPct val="115000"/>
               </a:lnSpc>
@@ -9435,11 +11212,20 @@
               <a:buNone/>
             </a:pPr>
             <a:r>
-              <a:t/>
-            </a:r>
-            <a:endParaRPr sz="1100">
+              <a:rPr lang="en">
+                <a:solidFill>
+                  <a:srgbClr val="434343"/>
+                </a:solidFill>
+                <a:latin typeface="Lato"/>
+                <a:ea typeface="Lato"/>
+                <a:cs typeface="Lato"/>
+                <a:sym typeface="Lato"/>
+              </a:rPr>
+              <a:t>A data engineer’s knowledge of data architectures includes: Data Storage, Modeling &amp; Integration.</a:t>
+            </a:r>
+            <a:endParaRPr>
               <a:solidFill>
-                <a:srgbClr val="333333"/>
+                <a:srgbClr val="434343"/>
               </a:solidFill>
               <a:latin typeface="Lato"/>
               <a:ea typeface="Lato"/>
@@ -9447,84 +11233,39 @@
               <a:sym typeface="Lato"/>
             </a:endParaRPr>
           </a:p>
-        </p:txBody>
-      </p:sp>
-      <p:sp>
-        <p:nvSpPr>
-          <p:cNvPr id="115" name="Google Shape;115;p17"/>
-          <p:cNvSpPr txBox="1"/>
-          <p:nvPr/>
-        </p:nvSpPr>
-        <p:spPr>
-          <a:xfrm>
-            <a:off x="253350" y="1316725"/>
-            <a:ext cx="4754100" cy="3000000"/>
-          </a:xfrm>
-          <a:prstGeom prst="rect">
-            <a:avLst/>
-          </a:prstGeom>
-          <a:noFill/>
-          <a:ln>
-            <a:noFill/>
-          </a:ln>
-        </p:spPr>
-        <p:txBody>
-          <a:bodyPr anchorCtr="0" anchor="t" bIns="91425" lIns="91425" spcFirstLastPara="1" rIns="91425" wrap="square" tIns="91425">
-            <a:noAutofit/>
-          </a:bodyPr>
-          <a:lstStyle/>
-          <a:p>
-            <a:pPr indent="0" lvl="0" marL="0" rtl="0" algn="l">
+          <a:p>
+            <a:pPr indent="-317500" lvl="0" marL="457200" rtl="0" algn="l">
               <a:lnSpc>
-                <a:spcPct val="175000"/>
+                <a:spcPct val="150000"/>
               </a:lnSpc>
               <a:spcBef>
-                <a:spcPts val="0"/>
-              </a:spcBef>
-              <a:spcAft>
-                <a:spcPts val="0"/>
-              </a:spcAft>
-              <a:buNone/>
+                <a:spcPts val="800"/>
+              </a:spcBef>
+              <a:spcAft>
+                <a:spcPts val="0"/>
+              </a:spcAft>
+              <a:buClr>
+                <a:srgbClr val="666666"/>
+              </a:buClr>
+              <a:buSzPts val="1400"/>
+              <a:buFont typeface="Lato"/>
+              <a:buChar char="●"/>
             </a:pPr>
             <a:r>
               <a:rPr lang="en">
                 <a:solidFill>
-                  <a:srgbClr val="616161"/>
+                  <a:srgbClr val="666666"/>
                 </a:solidFill>
                 <a:latin typeface="Lato"/>
                 <a:ea typeface="Lato"/>
                 <a:cs typeface="Lato"/>
                 <a:sym typeface="Lato"/>
               </a:rPr>
-              <a:t>The Google Cloud Data Engineer </a:t>
-            </a:r>
-            <a:r>
-              <a:rPr lang="en">
-                <a:solidFill>
-                  <a:srgbClr val="616161"/>
-                </a:solidFill>
-                <a:latin typeface="Lato"/>
-                <a:ea typeface="Lato"/>
-                <a:cs typeface="Lato"/>
-                <a:sym typeface="Lato"/>
-              </a:rPr>
-              <a:t>possess</a:t>
-            </a:r>
-            <a:r>
-              <a:rPr lang="en">
-                <a:solidFill>
-                  <a:srgbClr val="616161"/>
-                </a:solidFill>
-                <a:latin typeface="Lato"/>
-                <a:ea typeface="Lato"/>
-                <a:cs typeface="Lato"/>
-                <a:sym typeface="Lato"/>
-              </a:rPr>
-              <a:t> the ability to: </a:t>
+              <a:t>Databases, including RDBMS, OLTP &amp; HDFS</a:t>
             </a:r>
             <a:endParaRPr>
               <a:solidFill>
-                <a:srgbClr val="616161"/>
+                <a:srgbClr val="666666"/>
               </a:solidFill>
               <a:latin typeface="Lato"/>
               <a:ea typeface="Lato"/>
@@ -9535,16 +11276,16 @@
           <a:p>
             <a:pPr indent="-317500" lvl="0" marL="457200" rtl="0" algn="l">
               <a:lnSpc>
-                <a:spcPct val="175000"/>
+                <a:spcPct val="150000"/>
               </a:lnSpc>
               <a:spcBef>
-                <a:spcPts val="1200"/>
-              </a:spcBef>
-              <a:spcAft>
-                <a:spcPts val="0"/>
-              </a:spcAft>
-              <a:buClr>
-                <a:srgbClr val="616161"/>
+                <a:spcPts val="0"/>
+              </a:spcBef>
+              <a:spcAft>
+                <a:spcPts val="0"/>
+              </a:spcAft>
+              <a:buClr>
+                <a:srgbClr val="666666"/>
               </a:buClr>
               <a:buSzPts val="1400"/>
               <a:buFont typeface="Lato"/>
@@ -9553,18 +11294,18 @@
             <a:r>
               <a:rPr lang="en">
                 <a:solidFill>
-                  <a:srgbClr val="616161"/>
+                  <a:srgbClr val="666666"/>
                 </a:solidFill>
                 <a:latin typeface="Lato"/>
                 <a:ea typeface="Lato"/>
                 <a:cs typeface="Lato"/>
                 <a:sym typeface="Lato"/>
               </a:rPr>
-              <a:t>Build and maintain data structures and databases</a:t>
+              <a:t>Relational and non-relational database design</a:t>
             </a:r>
             <a:endParaRPr>
               <a:solidFill>
-                <a:srgbClr val="616161"/>
+                <a:srgbClr val="666666"/>
               </a:solidFill>
               <a:latin typeface="Lato"/>
               <a:ea typeface="Lato"/>
@@ -9575,7 +11316,7 @@
           <a:p>
             <a:pPr indent="-317500" lvl="0" marL="457200" rtl="0" algn="l">
               <a:lnSpc>
-                <a:spcPct val="175000"/>
+                <a:spcPct val="150000"/>
               </a:lnSpc>
               <a:spcBef>
                 <a:spcPts val="0"/>
@@ -9584,7 +11325,7 @@
                 <a:spcPts val="0"/>
               </a:spcAft>
               <a:buClr>
-                <a:srgbClr val="616161"/>
+                <a:srgbClr val="666666"/>
               </a:buClr>
               <a:buSzPts val="1400"/>
               <a:buFont typeface="Lato"/>
@@ -9593,18 +11334,18 @@
             <a:r>
               <a:rPr lang="en">
                 <a:solidFill>
-                  <a:srgbClr val="616161"/>
+                  <a:srgbClr val="666666"/>
                 </a:solidFill>
                 <a:latin typeface="Lato"/>
                 <a:ea typeface="Lato"/>
                 <a:cs typeface="Lato"/>
                 <a:sym typeface="Lato"/>
               </a:rPr>
-              <a:t>Design data processing systems</a:t>
+              <a:t>Information flow &amp; real-time processing</a:t>
             </a:r>
             <a:endParaRPr>
               <a:solidFill>
-                <a:srgbClr val="616161"/>
+                <a:srgbClr val="666666"/>
               </a:solidFill>
               <a:latin typeface="Lato"/>
               <a:ea typeface="Lato"/>
@@ -9615,7 +11356,7 @@
           <a:p>
             <a:pPr indent="-317500" lvl="0" marL="457200" rtl="0" algn="l">
               <a:lnSpc>
-                <a:spcPct val="175000"/>
+                <a:spcPct val="150000"/>
               </a:lnSpc>
               <a:spcBef>
                 <a:spcPts val="0"/>
@@ -9624,7 +11365,7 @@
                 <a:spcPts val="0"/>
               </a:spcAft>
               <a:buClr>
-                <a:srgbClr val="616161"/>
+                <a:srgbClr val="666666"/>
               </a:buClr>
               <a:buSzPts val="1400"/>
               <a:buFont typeface="Lato"/>
@@ -9633,18 +11374,18 @@
             <a:r>
               <a:rPr lang="en">
                 <a:solidFill>
-                  <a:srgbClr val="616161"/>
+                  <a:srgbClr val="666666"/>
                 </a:solidFill>
                 <a:latin typeface="Lato"/>
                 <a:ea typeface="Lato"/>
                 <a:cs typeface="Lato"/>
                 <a:sym typeface="Lato"/>
               </a:rPr>
-              <a:t>Analyze data and enable machine learning</a:t>
+              <a:t>Query execution and optimization</a:t>
             </a:r>
             <a:endParaRPr>
               <a:solidFill>
-                <a:srgbClr val="616161"/>
+                <a:srgbClr val="666666"/>
               </a:solidFill>
               <a:latin typeface="Lato"/>
               <a:ea typeface="Lato"/>
@@ -9655,7 +11396,7 @@
           <a:p>
             <a:pPr indent="-317500" lvl="0" marL="457200" rtl="0" algn="l">
               <a:lnSpc>
-                <a:spcPct val="175000"/>
+                <a:spcPct val="150000"/>
               </a:lnSpc>
               <a:spcBef>
                 <a:spcPts val="0"/>
@@ -9664,7 +11405,7 @@
                 <a:spcPts val="0"/>
               </a:spcAft>
               <a:buClr>
-                <a:srgbClr val="616161"/>
+                <a:srgbClr val="666666"/>
               </a:buClr>
               <a:buSzPts val="1400"/>
               <a:buFont typeface="Lato"/>
@@ -9673,18 +11414,18 @@
             <a:r>
               <a:rPr lang="en">
                 <a:solidFill>
-                  <a:srgbClr val="616161"/>
+                  <a:srgbClr val="666666"/>
                 </a:solidFill>
                 <a:latin typeface="Lato"/>
                 <a:ea typeface="Lato"/>
                 <a:cs typeface="Lato"/>
                 <a:sym typeface="Lato"/>
               </a:rPr>
-              <a:t>Model business processes for analysis and optimization</a:t>
+              <a:t>Comparative analysis of data stores</a:t>
             </a:r>
             <a:endParaRPr>
               <a:solidFill>
-                <a:srgbClr val="616161"/>
+                <a:srgbClr val="666666"/>
               </a:solidFill>
               <a:latin typeface="Lato"/>
               <a:ea typeface="Lato"/>
@@ -9695,7 +11436,7 @@
           <a:p>
             <a:pPr indent="-317500" lvl="0" marL="457200" rtl="0" algn="l">
               <a:lnSpc>
-                <a:spcPct val="175000"/>
+                <a:spcPct val="150000"/>
               </a:lnSpc>
               <a:spcBef>
                 <a:spcPts val="0"/>
@@ -9704,7 +11445,7 @@
                 <a:spcPts val="0"/>
               </a:spcAft>
               <a:buClr>
-                <a:srgbClr val="616161"/>
+                <a:srgbClr val="666666"/>
               </a:buClr>
               <a:buSzPts val="1400"/>
               <a:buFont typeface="Lato"/>
@@ -9713,18 +11454,18 @@
             <a:r>
               <a:rPr lang="en">
                 <a:solidFill>
-                  <a:srgbClr val="616161"/>
+                  <a:srgbClr val="666666"/>
                 </a:solidFill>
                 <a:latin typeface="Lato"/>
                 <a:ea typeface="Lato"/>
                 <a:cs typeface="Lato"/>
                 <a:sym typeface="Lato"/>
               </a:rPr>
-              <a:t>Design for reliability</a:t>
+              <a:t>ETL Processes</a:t>
             </a:r>
             <a:endParaRPr>
               <a:solidFill>
-                <a:srgbClr val="616161"/>
+                <a:srgbClr val="666666"/>
               </a:solidFill>
               <a:latin typeface="Lato"/>
               <a:ea typeface="Lato"/>
@@ -9733,9 +11474,9 @@
             </a:endParaRPr>
           </a:p>
           <a:p>
-            <a:pPr indent="-317500" lvl="0" marL="457200" rtl="0" algn="l">
+            <a:pPr indent="-304800" lvl="0" marL="457200" rtl="0" algn="l">
               <a:lnSpc>
-                <a:spcPct val="175000"/>
+                <a:spcPct val="150000"/>
               </a:lnSpc>
               <a:spcBef>
                 <a:spcPts val="0"/>
@@ -9744,27 +11485,27 @@
                 <a:spcPts val="0"/>
               </a:spcAft>
               <a:buClr>
-                <a:srgbClr val="616161"/>
-              </a:buClr>
-              <a:buSzPts val="1400"/>
+                <a:srgbClr val="666666"/>
+              </a:buClr>
+              <a:buSzPts val="1200"/>
               <a:buFont typeface="Lato"/>
               <a:buChar char="●"/>
             </a:pPr>
             <a:r>
               <a:rPr lang="en">
                 <a:solidFill>
-                  <a:srgbClr val="616161"/>
+                  <a:srgbClr val="666666"/>
                 </a:solidFill>
                 <a:latin typeface="Lato"/>
                 <a:ea typeface="Lato"/>
                 <a:cs typeface="Lato"/>
                 <a:sym typeface="Lato"/>
               </a:rPr>
-              <a:t>Visualize data and advocate policy</a:t>
+              <a:t>Database setup and management</a:t>
             </a:r>
             <a:endParaRPr>
               <a:solidFill>
-                <a:srgbClr val="616161"/>
+                <a:srgbClr val="666666"/>
               </a:solidFill>
               <a:latin typeface="Lato"/>
               <a:ea typeface="Lato"/>
@@ -9773,9 +11514,9 @@
             </a:endParaRPr>
           </a:p>
           <a:p>
-            <a:pPr indent="-317500" lvl="0" marL="457200" rtl="0" algn="l">
+            <a:pPr indent="-304800" lvl="0" marL="457200" rtl="0" algn="l">
               <a:lnSpc>
-                <a:spcPct val="175000"/>
+                <a:spcPct val="150000"/>
               </a:lnSpc>
               <a:spcBef>
                 <a:spcPts val="0"/>
@@ -9784,27 +11525,27 @@
                 <a:spcPts val="0"/>
               </a:spcAft>
               <a:buClr>
-                <a:srgbClr val="616161"/>
-              </a:buClr>
-              <a:buSzPts val="1400"/>
+                <a:srgbClr val="666666"/>
+              </a:buClr>
+              <a:buSzPts val="1200"/>
               <a:buFont typeface="Lato"/>
               <a:buChar char="●"/>
             </a:pPr>
             <a:r>
               <a:rPr lang="en">
                 <a:solidFill>
-                  <a:srgbClr val="616161"/>
+                  <a:srgbClr val="666666"/>
                 </a:solidFill>
                 <a:latin typeface="Lato"/>
                 <a:ea typeface="Lato"/>
                 <a:cs typeface="Lato"/>
                 <a:sym typeface="Lato"/>
               </a:rPr>
-              <a:t>Design for security and compliance</a:t>
+              <a:t>Data infrastructure design and build</a:t>
             </a:r>
             <a:endParaRPr>
               <a:solidFill>
-                <a:srgbClr val="616161"/>
+                <a:srgbClr val="666666"/>
               </a:solidFill>
               <a:latin typeface="Lato"/>
               <a:ea typeface="Lato"/>
@@ -9816,7 +11557,7 @@
       </p:sp>
       <p:pic>
         <p:nvPicPr>
-          <p:cNvPr id="116" name="Google Shape;116;p17"/>
+          <p:cNvPr id="115" name="Google Shape;115;p17"/>
           <p:cNvPicPr preferRelativeResize="0"/>
           <p:nvPr/>
         </p:nvPicPr>
@@ -9830,8 +11571,8 @@
         </p:blipFill>
         <p:spPr>
           <a:xfrm>
-            <a:off x="3838925" y="1629025"/>
-            <a:ext cx="5305077" cy="3162649"/>
+            <a:off x="4505700" y="2160325"/>
+            <a:ext cx="4525150" cy="1880075"/>
           </a:xfrm>
           <a:prstGeom prst="rect">
             <a:avLst/>
@@ -9855,7 +11596,7 @@
   <p:cSld>
     <p:spTree>
       <p:nvGrpSpPr>
-        <p:cNvPr id="120" name="Shape 120"/>
+        <p:cNvPr id="119" name="Shape 119"/>
         <p:cNvGrpSpPr/>
         <p:nvPr/>
       </p:nvGrpSpPr>
@@ -9869,7 +11610,7 @@
       </p:grpSpPr>
       <p:sp>
         <p:nvSpPr>
-          <p:cNvPr id="121" name="Google Shape;121;p18"/>
+          <p:cNvPr id="120" name="Google Shape;120;p18"/>
           <p:cNvSpPr txBox="1"/>
           <p:nvPr>
             <p:ph type="title"/>
@@ -9878,7 +11619,7 @@
         <p:spPr>
           <a:xfrm>
             <a:off x="729450" y="632850"/>
-            <a:ext cx="7688700" cy="535200"/>
+            <a:ext cx="6307500" cy="535200"/>
           </a:xfrm>
           <a:prstGeom prst="rect">
             <a:avLst/>
@@ -9901,7 +11642,7 @@
             </a:pPr>
             <a:r>
               <a:rPr lang="en"/>
-              <a:t>Reporting &amp; Analytics</a:t>
+              <a:t>Example - Google Cloud Platform</a:t>
             </a:r>
             <a:endParaRPr/>
           </a:p>
@@ -9909,14 +11650,14 @@
       </p:sp>
       <p:sp>
         <p:nvSpPr>
-          <p:cNvPr id="122" name="Google Shape;122;p18"/>
+          <p:cNvPr id="121" name="Google Shape;121;p18"/>
           <p:cNvSpPr txBox="1"/>
           <p:nvPr/>
         </p:nvSpPr>
         <p:spPr>
           <a:xfrm>
-            <a:off x="101675" y="1596575"/>
-            <a:ext cx="4014900" cy="3000000"/>
+            <a:off x="201900" y="2967700"/>
+            <a:ext cx="4131600" cy="3281400"/>
           </a:xfrm>
           <a:prstGeom prst="rect">
             <a:avLst/>
@@ -9933,6 +11674,32 @@
           <a:lstStyle/>
           <a:p>
             <a:pPr indent="0" lvl="0" marL="0" rtl="0" algn="l">
+              <a:spcBef>
+                <a:spcPts val="0"/>
+              </a:spcBef>
+              <a:spcAft>
+                <a:spcPts val="0"/>
+              </a:spcAft>
+              <a:buNone/>
+            </a:pPr>
+            <a:r>
+              <a:t/>
+            </a:r>
+            <a:endParaRPr sz="1200">
+              <a:solidFill>
+                <a:srgbClr val="333333"/>
+              </a:solidFill>
+              <a:highlight>
+                <a:srgbClr val="FFFFFF"/>
+              </a:highlight>
+              <a:latin typeface="Lato"/>
+              <a:ea typeface="Lato"/>
+              <a:cs typeface="Lato"/>
+              <a:sym typeface="Lato"/>
+            </a:endParaRPr>
+          </a:p>
+          <a:p>
+            <a:pPr indent="0" lvl="0" marL="0" rtl="0" algn="l">
               <a:lnSpc>
                 <a:spcPct val="115000"/>
               </a:lnSpc>
@@ -9945,32 +11712,11 @@
               <a:buNone/>
             </a:pPr>
             <a:r>
-              <a:rPr lang="en">
-                <a:solidFill>
-                  <a:srgbClr val="434343"/>
-                </a:solidFill>
-                <a:latin typeface="Lato"/>
-                <a:ea typeface="Lato"/>
-                <a:cs typeface="Lato"/>
-                <a:sym typeface="Lato"/>
-              </a:rPr>
-              <a:t>Reporting &amp; Analytics is focused on the delivery of data to meet business objects, in the form of “Data Products” such as, but not limited to: </a:t>
-            </a:r>
-            <a:r>
-              <a:rPr lang="en">
-                <a:solidFill>
-                  <a:srgbClr val="434343"/>
-                </a:solidFill>
-                <a:latin typeface="Lato"/>
-                <a:ea typeface="Lato"/>
-                <a:cs typeface="Lato"/>
-                <a:sym typeface="Lato"/>
-              </a:rPr>
-              <a:t> </a:t>
-            </a:r>
-            <a:endParaRPr>
+              <a:t/>
+            </a:r>
+            <a:endParaRPr sz="1100">
               <a:solidFill>
-                <a:srgbClr val="434343"/>
+                <a:srgbClr val="333333"/>
               </a:solidFill>
               <a:latin typeface="Lato"/>
               <a:ea typeface="Lato"/>
@@ -9978,39 +11724,84 @@
               <a:sym typeface="Lato"/>
             </a:endParaRPr>
           </a:p>
-          <a:p>
-            <a:pPr indent="-317500" lvl="0" marL="457200" rtl="0" algn="l">
+        </p:txBody>
+      </p:sp>
+      <p:sp>
+        <p:nvSpPr>
+          <p:cNvPr id="122" name="Google Shape;122;p18"/>
+          <p:cNvSpPr txBox="1"/>
+          <p:nvPr/>
+        </p:nvSpPr>
+        <p:spPr>
+          <a:xfrm>
+            <a:off x="253350" y="1316725"/>
+            <a:ext cx="4754100" cy="3000000"/>
+          </a:xfrm>
+          <a:prstGeom prst="rect">
+            <a:avLst/>
+          </a:prstGeom>
+          <a:noFill/>
+          <a:ln>
+            <a:noFill/>
+          </a:ln>
+        </p:spPr>
+        <p:txBody>
+          <a:bodyPr anchorCtr="0" anchor="t" bIns="91425" lIns="91425" spcFirstLastPara="1" rIns="91425" wrap="square" tIns="91425">
+            <a:noAutofit/>
+          </a:bodyPr>
+          <a:lstStyle/>
+          <a:p>
+            <a:pPr indent="0" lvl="0" marL="0" rtl="0" algn="l">
               <a:lnSpc>
-                <a:spcPct val="115000"/>
+                <a:spcPct val="175000"/>
               </a:lnSpc>
               <a:spcBef>
-                <a:spcPts val="800"/>
-              </a:spcBef>
-              <a:spcAft>
-                <a:spcPts val="0"/>
-              </a:spcAft>
-              <a:buClr>
-                <a:srgbClr val="434343"/>
-              </a:buClr>
-              <a:buSzPts val="1400"/>
-              <a:buFont typeface="Lato"/>
-              <a:buChar char="●"/>
+                <a:spcPts val="0"/>
+              </a:spcBef>
+              <a:spcAft>
+                <a:spcPts val="0"/>
+              </a:spcAft>
+              <a:buNone/>
             </a:pPr>
             <a:r>
               <a:rPr lang="en">
                 <a:solidFill>
-                  <a:srgbClr val="434343"/>
+                  <a:srgbClr val="616161"/>
                 </a:solidFill>
                 <a:latin typeface="Lato"/>
                 <a:ea typeface="Lato"/>
                 <a:cs typeface="Lato"/>
                 <a:sym typeface="Lato"/>
               </a:rPr>
-              <a:t>Raw data feeds</a:t>
+              <a:t>The Google Cloud Data Engineer </a:t>
+            </a:r>
+            <a:r>
+              <a:rPr lang="en">
+                <a:solidFill>
+                  <a:srgbClr val="616161"/>
+                </a:solidFill>
+                <a:latin typeface="Lato"/>
+                <a:ea typeface="Lato"/>
+                <a:cs typeface="Lato"/>
+                <a:sym typeface="Lato"/>
+              </a:rPr>
+              <a:t>possess</a:t>
+            </a:r>
+            <a:r>
+              <a:rPr lang="en">
+                <a:solidFill>
+                  <a:srgbClr val="616161"/>
+                </a:solidFill>
+                <a:latin typeface="Lato"/>
+                <a:ea typeface="Lato"/>
+                <a:cs typeface="Lato"/>
+                <a:sym typeface="Lato"/>
+              </a:rPr>
+              <a:t> the ability to: </a:t>
             </a:r>
             <a:endParaRPr>
               <a:solidFill>
-                <a:srgbClr val="434343"/>
+                <a:srgbClr val="616161"/>
               </a:solidFill>
               <a:latin typeface="Lato"/>
               <a:ea typeface="Lato"/>
@@ -10021,16 +11812,16 @@
           <a:p>
             <a:pPr indent="-317500" lvl="0" marL="457200" rtl="0" algn="l">
               <a:lnSpc>
-                <a:spcPct val="115000"/>
+                <a:spcPct val="175000"/>
               </a:lnSpc>
               <a:spcBef>
-                <a:spcPts val="0"/>
-              </a:spcBef>
-              <a:spcAft>
-                <a:spcPts val="0"/>
-              </a:spcAft>
-              <a:buClr>
-                <a:srgbClr val="434343"/>
+                <a:spcPts val="1200"/>
+              </a:spcBef>
+              <a:spcAft>
+                <a:spcPts val="0"/>
+              </a:spcAft>
+              <a:buClr>
+                <a:srgbClr val="616161"/>
               </a:buClr>
               <a:buSzPts val="1400"/>
               <a:buFont typeface="Lato"/>
@@ -10039,18 +11830,18 @@
             <a:r>
               <a:rPr lang="en">
                 <a:solidFill>
-                  <a:srgbClr val="434343"/>
+                  <a:srgbClr val="616161"/>
                 </a:solidFill>
                 <a:latin typeface="Lato"/>
                 <a:ea typeface="Lato"/>
                 <a:cs typeface="Lato"/>
                 <a:sym typeface="Lato"/>
               </a:rPr>
-              <a:t>Reports</a:t>
+              <a:t>Build and maintain data structures and databases</a:t>
             </a:r>
             <a:endParaRPr>
               <a:solidFill>
-                <a:srgbClr val="434343"/>
+                <a:srgbClr val="616161"/>
               </a:solidFill>
               <a:latin typeface="Lato"/>
               <a:ea typeface="Lato"/>
@@ -10061,7 +11852,7 @@
           <a:p>
             <a:pPr indent="-317500" lvl="0" marL="457200" rtl="0" algn="l">
               <a:lnSpc>
-                <a:spcPct val="115000"/>
+                <a:spcPct val="175000"/>
               </a:lnSpc>
               <a:spcBef>
                 <a:spcPts val="0"/>
@@ -10070,7 +11861,7 @@
                 <a:spcPts val="0"/>
               </a:spcAft>
               <a:buClr>
-                <a:srgbClr val="434343"/>
+                <a:srgbClr val="616161"/>
               </a:buClr>
               <a:buSzPts val="1400"/>
               <a:buFont typeface="Lato"/>
@@ -10079,18 +11870,18 @@
             <a:r>
               <a:rPr lang="en">
                 <a:solidFill>
-                  <a:srgbClr val="434343"/>
+                  <a:srgbClr val="616161"/>
                 </a:solidFill>
                 <a:latin typeface="Lato"/>
                 <a:ea typeface="Lato"/>
                 <a:cs typeface="Lato"/>
                 <a:sym typeface="Lato"/>
               </a:rPr>
-              <a:t>Data science packages/APIs </a:t>
+              <a:t>Design data processing systems</a:t>
             </a:r>
             <a:endParaRPr>
               <a:solidFill>
-                <a:srgbClr val="434343"/>
+                <a:srgbClr val="616161"/>
               </a:solidFill>
               <a:latin typeface="Lato"/>
               <a:ea typeface="Lato"/>
@@ -10101,7 +11892,7 @@
           <a:p>
             <a:pPr indent="-317500" lvl="0" marL="457200" rtl="0" algn="l">
               <a:lnSpc>
-                <a:spcPct val="115000"/>
+                <a:spcPct val="175000"/>
               </a:lnSpc>
               <a:spcBef>
                 <a:spcPts val="0"/>
@@ -10110,7 +11901,7 @@
                 <a:spcPts val="0"/>
               </a:spcAft>
               <a:buClr>
-                <a:srgbClr val="434343"/>
+                <a:srgbClr val="616161"/>
               </a:buClr>
               <a:buSzPts val="1400"/>
               <a:buFont typeface="Lato"/>
@@ -10119,18 +11910,18 @@
             <a:r>
               <a:rPr lang="en">
                 <a:solidFill>
-                  <a:srgbClr val="434343"/>
+                  <a:srgbClr val="616161"/>
                 </a:solidFill>
                 <a:latin typeface="Lato"/>
                 <a:ea typeface="Lato"/>
                 <a:cs typeface="Lato"/>
                 <a:sym typeface="Lato"/>
               </a:rPr>
-              <a:t>ML &amp; other algorithms</a:t>
+              <a:t>Analyze data and enable machine learning</a:t>
             </a:r>
             <a:endParaRPr>
               <a:solidFill>
-                <a:srgbClr val="434343"/>
+                <a:srgbClr val="616161"/>
               </a:solidFill>
               <a:latin typeface="Lato"/>
               <a:ea typeface="Lato"/>
@@ -10141,7 +11932,7 @@
           <a:p>
             <a:pPr indent="-317500" lvl="0" marL="457200" rtl="0" algn="l">
               <a:lnSpc>
-                <a:spcPct val="115000"/>
+                <a:spcPct val="175000"/>
               </a:lnSpc>
               <a:spcBef>
                 <a:spcPts val="0"/>
@@ -10150,7 +11941,7 @@
                 <a:spcPts val="0"/>
               </a:spcAft>
               <a:buClr>
-                <a:srgbClr val="434343"/>
+                <a:srgbClr val="616161"/>
               </a:buClr>
               <a:buSzPts val="1400"/>
               <a:buFont typeface="Lato"/>
@@ -10159,18 +11950,18 @@
             <a:r>
               <a:rPr lang="en">
                 <a:solidFill>
-                  <a:srgbClr val="434343"/>
+                  <a:srgbClr val="616161"/>
                 </a:solidFill>
                 <a:latin typeface="Lato"/>
                 <a:ea typeface="Lato"/>
                 <a:cs typeface="Lato"/>
                 <a:sym typeface="Lato"/>
               </a:rPr>
-              <a:t>Information dashboards </a:t>
+              <a:t>Model business processes for analysis and optimization</a:t>
             </a:r>
             <a:endParaRPr>
               <a:solidFill>
-                <a:srgbClr val="434343"/>
+                <a:srgbClr val="616161"/>
               </a:solidFill>
               <a:latin typeface="Lato"/>
               <a:ea typeface="Lato"/>
@@ -10181,7 +11972,7 @@
           <a:p>
             <a:pPr indent="-317500" lvl="0" marL="457200" rtl="0" algn="l">
               <a:lnSpc>
-                <a:spcPct val="115000"/>
+                <a:spcPct val="175000"/>
               </a:lnSpc>
               <a:spcBef>
                 <a:spcPts val="0"/>
@@ -10190,7 +11981,7 @@
                 <a:spcPts val="0"/>
               </a:spcAft>
               <a:buClr>
-                <a:srgbClr val="434343"/>
+                <a:srgbClr val="616161"/>
               </a:buClr>
               <a:buSzPts val="1400"/>
               <a:buFont typeface="Lato"/>
@@ -10199,18 +11990,18 @@
             <a:r>
               <a:rPr lang="en">
                 <a:solidFill>
-                  <a:srgbClr val="434343"/>
+                  <a:srgbClr val="616161"/>
                 </a:solidFill>
                 <a:latin typeface="Lato"/>
                 <a:ea typeface="Lato"/>
                 <a:cs typeface="Lato"/>
                 <a:sym typeface="Lato"/>
               </a:rPr>
-              <a:t>Mobile BI</a:t>
+              <a:t>Design for reliability</a:t>
             </a:r>
             <a:endParaRPr>
               <a:solidFill>
-                <a:srgbClr val="434343"/>
+                <a:srgbClr val="616161"/>
               </a:solidFill>
               <a:latin typeface="Lato"/>
               <a:ea typeface="Lato"/>
@@ -10219,24 +12010,38 @@
             </a:endParaRPr>
           </a:p>
           <a:p>
-            <a:pPr indent="0" lvl="0" marL="0" rtl="0" algn="l">
+            <a:pPr indent="-317500" lvl="0" marL="457200" rtl="0" algn="l">
               <a:lnSpc>
-                <a:spcPct val="115000"/>
+                <a:spcPct val="175000"/>
               </a:lnSpc>
               <a:spcBef>
-                <a:spcPts val="800"/>
-              </a:spcBef>
-              <a:spcAft>
-                <a:spcPts val="0"/>
-              </a:spcAft>
-              <a:buNone/>
-            </a:pPr>
-            <a:r>
-              <a:t/>
+                <a:spcPts val="0"/>
+              </a:spcBef>
+              <a:spcAft>
+                <a:spcPts val="0"/>
+              </a:spcAft>
+              <a:buClr>
+                <a:srgbClr val="616161"/>
+              </a:buClr>
+              <a:buSzPts val="1400"/>
+              <a:buFont typeface="Lato"/>
+              <a:buChar char="●"/>
+            </a:pPr>
+            <a:r>
+              <a:rPr lang="en">
+                <a:solidFill>
+                  <a:srgbClr val="616161"/>
+                </a:solidFill>
+                <a:latin typeface="Lato"/>
+                <a:ea typeface="Lato"/>
+                <a:cs typeface="Lato"/>
+                <a:sym typeface="Lato"/>
+              </a:rPr>
+              <a:t>Visualize data and advocate policy</a:t>
             </a:r>
             <a:endParaRPr>
               <a:solidFill>
-                <a:srgbClr val="434343"/>
+                <a:srgbClr val="616161"/>
               </a:solidFill>
               <a:latin typeface="Lato"/>
               <a:ea typeface="Lato"/>
@@ -10245,109 +12050,44 @@
             </a:endParaRPr>
           </a:p>
           <a:p>
-            <a:pPr indent="0" lvl="0" marL="0" rtl="0" algn="l">
+            <a:pPr indent="-317500" lvl="0" marL="457200" rtl="0" algn="l">
               <a:lnSpc>
-                <a:spcPct val="115000"/>
+                <a:spcPct val="175000"/>
               </a:lnSpc>
               <a:spcBef>
-                <a:spcPts val="800"/>
-              </a:spcBef>
-              <a:spcAft>
-                <a:spcPts val="0"/>
-              </a:spcAft>
-              <a:buNone/>
-            </a:pPr>
-            <a:r>
-              <a:t/>
+                <a:spcPts val="0"/>
+              </a:spcBef>
+              <a:spcAft>
+                <a:spcPts val="0"/>
+              </a:spcAft>
+              <a:buClr>
+                <a:srgbClr val="616161"/>
+              </a:buClr>
+              <a:buSzPts val="1400"/>
+              <a:buFont typeface="Lato"/>
+              <a:buChar char="●"/>
+            </a:pPr>
+            <a:r>
+              <a:rPr lang="en">
+                <a:solidFill>
+                  <a:srgbClr val="616161"/>
+                </a:solidFill>
+                <a:latin typeface="Lato"/>
+                <a:ea typeface="Lato"/>
+                <a:cs typeface="Lato"/>
+                <a:sym typeface="Lato"/>
+              </a:rPr>
+              <a:t>Design for security and compliance</a:t>
             </a:r>
             <a:endParaRPr>
               <a:solidFill>
-                <a:srgbClr val="434343"/>
+                <a:srgbClr val="616161"/>
               </a:solidFill>
               <a:latin typeface="Lato"/>
               <a:ea typeface="Lato"/>
               <a:cs typeface="Lato"/>
               <a:sym typeface="Lato"/>
             </a:endParaRPr>
-          </a:p>
-          <a:p>
-            <a:pPr indent="0" lvl="0" marL="0" rtl="0" algn="l">
-              <a:lnSpc>
-                <a:spcPct val="115000"/>
-              </a:lnSpc>
-              <a:spcBef>
-                <a:spcPts val="800"/>
-              </a:spcBef>
-              <a:spcAft>
-                <a:spcPts val="0"/>
-              </a:spcAft>
-              <a:buNone/>
-            </a:pPr>
-            <a:r>
-              <a:t/>
-            </a:r>
-            <a:endParaRPr>
-              <a:solidFill>
-                <a:srgbClr val="434343"/>
-              </a:solidFill>
-              <a:latin typeface="Lato"/>
-              <a:ea typeface="Lato"/>
-              <a:cs typeface="Lato"/>
-              <a:sym typeface="Lato"/>
-            </a:endParaRPr>
-          </a:p>
-          <a:p>
-            <a:pPr indent="0" lvl="0" marL="0" rtl="0" algn="l">
-              <a:lnSpc>
-                <a:spcPct val="115000"/>
-              </a:lnSpc>
-              <a:spcBef>
-                <a:spcPts val="800"/>
-              </a:spcBef>
-              <a:spcAft>
-                <a:spcPts val="0"/>
-              </a:spcAft>
-              <a:buNone/>
-            </a:pPr>
-            <a:r>
-              <a:t/>
-            </a:r>
-            <a:endParaRPr>
-              <a:solidFill>
-                <a:srgbClr val="434343"/>
-              </a:solidFill>
-              <a:latin typeface="Lato"/>
-              <a:ea typeface="Lato"/>
-              <a:cs typeface="Lato"/>
-              <a:sym typeface="Lato"/>
-            </a:endParaRPr>
-          </a:p>
-          <a:p>
-            <a:pPr indent="0" lvl="0" marL="0" rtl="0" algn="l">
-              <a:lnSpc>
-                <a:spcPct val="115000"/>
-              </a:lnSpc>
-              <a:spcBef>
-                <a:spcPts val="800"/>
-              </a:spcBef>
-              <a:spcAft>
-                <a:spcPts val="800"/>
-              </a:spcAft>
-              <a:buNone/>
-            </a:pPr>
-            <a:r>
-              <a:rPr lang="en">
-                <a:solidFill>
-                  <a:srgbClr val="434343"/>
-                </a:solidFill>
-                <a:latin typeface="Lato"/>
-                <a:ea typeface="Lato"/>
-                <a:cs typeface="Lato"/>
-                <a:sym typeface="Lato"/>
-              </a:rPr>
-              <a:t> </a:t>
-            </a:r>
-            <a:endParaRPr/>
           </a:p>
         </p:txBody>
       </p:sp>
@@ -10367,8 +12107,8 @@
         </p:blipFill>
         <p:spPr>
           <a:xfrm>
-            <a:off x="4075325" y="1596575"/>
-            <a:ext cx="5068676" cy="2852125"/>
+            <a:off x="3838925" y="1629025"/>
+            <a:ext cx="5305077" cy="3162649"/>
           </a:xfrm>
           <a:prstGeom prst="rect">
             <a:avLst/>
@@ -10438,7 +12178,7 @@
             </a:pPr>
             <a:r>
               <a:rPr lang="en"/>
-              <a:t>Data Engineering via Dataiku</a:t>
+              <a:t>Creating Workflows using Dataiku</a:t>
             </a:r>
             <a:endParaRPr/>
           </a:p>
@@ -10502,7 +12242,7 @@
                 <a:spcPts val="0"/>
               </a:spcBef>
               <a:spcAft>
-                <a:spcPts val="2300"/>
+                <a:spcPts val="0"/>
               </a:spcAft>
               <a:buNone/>
             </a:pPr>
@@ -10522,8 +12262,77 @@
                 <a:cs typeface="Lato"/>
                 <a:sym typeface="Lato"/>
               </a:rPr>
-              <a:t> </a:t>
-            </a:r>
+              <a:t>. </a:t>
+            </a:r>
+            <a:endParaRPr sz="1200">
+              <a:latin typeface="Lato"/>
+              <a:ea typeface="Lato"/>
+              <a:cs typeface="Lato"/>
+              <a:sym typeface="Lato"/>
+            </a:endParaRPr>
+          </a:p>
+          <a:p>
+            <a:pPr indent="0" lvl="0" marL="0" rtl="0" algn="l">
+              <a:spcBef>
+                <a:spcPts val="2300"/>
+              </a:spcBef>
+              <a:spcAft>
+                <a:spcPts val="0"/>
+              </a:spcAft>
+              <a:buNone/>
+            </a:pPr>
+            <a:r>
+              <a:rPr lang="en" sz="1200">
+                <a:latin typeface="Lato"/>
+                <a:ea typeface="Lato"/>
+                <a:cs typeface="Lato"/>
+                <a:sym typeface="Lato"/>
+              </a:rPr>
+              <a:t> AWS Instance:  </a:t>
+            </a:r>
+            <a:r>
+              <a:rPr lang="en" sz="1000">
+                <a:highlight>
+                  <a:srgbClr val="EAF3FE"/>
+                </a:highlight>
+              </a:rPr>
+              <a:t>ec2-54-183-168-126.us-west-1.compute.amazonaws.com</a:t>
+            </a:r>
+            <a:endParaRPr sz="1000">
+              <a:highlight>
+                <a:srgbClr val="EAF3FE"/>
+              </a:highlight>
+            </a:endParaRPr>
+          </a:p>
+          <a:p>
+            <a:pPr indent="0" lvl="0" marL="0" rtl="0" algn="l">
+              <a:spcBef>
+                <a:spcPts val="2300"/>
+              </a:spcBef>
+              <a:spcAft>
+                <a:spcPts val="0"/>
+              </a:spcAft>
+              <a:buNone/>
+            </a:pPr>
+            <a:r>
+              <a:t/>
+            </a:r>
+            <a:endParaRPr sz="1000">
+              <a:highlight>
+                <a:srgbClr val="EAF3FE"/>
+              </a:highlight>
+            </a:endParaRPr>
+          </a:p>
+          <a:p>
+            <a:pPr indent="0" lvl="0" marL="0" rtl="0" algn="l">
+              <a:spcBef>
+                <a:spcPts val="2300"/>
+              </a:spcBef>
+              <a:spcAft>
+                <a:spcPts val="2300"/>
+              </a:spcAft>
+              <a:buNone/>
+            </a:pPr>
             <a:r>
               <a:rPr lang="en" sz="1200">
                 <a:solidFill>
@@ -10556,8 +12365,8 @@
         </p:nvSpPr>
         <p:spPr>
           <a:xfrm>
-            <a:off x="4645725" y="1411250"/>
-            <a:ext cx="4376100" cy="3000000"/>
+            <a:off x="4559000" y="1438800"/>
+            <a:ext cx="4443600" cy="3000000"/>
           </a:xfrm>
           <a:prstGeom prst="rect">
             <a:avLst/>
@@ -10573,630 +12382,225 @@
           </a:bodyPr>
           <a:lstStyle/>
           <a:p>
-            <a:pPr indent="0" lvl="0" marL="0" rtl="0" algn="l">
+            <a:pPr indent="0" lvl="0" marL="0" rtl="0" algn="ctr">
               <a:lnSpc>
                 <a:spcPct val="115000"/>
               </a:lnSpc>
               <a:spcBef>
-                <a:spcPts val="0"/>
-              </a:spcBef>
-              <a:spcAft>
-                <a:spcPts val="0"/>
-              </a:spcAft>
-              <a:buNone/>
-            </a:pPr>
-            <a:r>
-              <a:rPr lang="en">
-                <a:solidFill>
-                  <a:srgbClr val="434343"/>
-                </a:solidFill>
-                <a:latin typeface="Lato"/>
-                <a:ea typeface="Lato"/>
-                <a:cs typeface="Lato"/>
-                <a:sym typeface="Lato"/>
+                <a:spcPts val="600"/>
+              </a:spcBef>
+              <a:spcAft>
+                <a:spcPts val="0"/>
+              </a:spcAft>
+              <a:buNone/>
+            </a:pPr>
+            <a:r>
+              <a:rPr lang="en" sz="1100" u="sng">
+                <a:solidFill>
+                  <a:srgbClr val="222222"/>
+                </a:solidFill>
               </a:rPr>
-              <a:t>Steps to Engineering a Dataiku Workflow: </a:t>
-            </a:r>
-            <a:endParaRPr>
-              <a:solidFill>
-                <a:srgbClr val="434343"/>
-              </a:solidFill>
-              <a:latin typeface="Lato"/>
-              <a:ea typeface="Lato"/>
-              <a:cs typeface="Lato"/>
-              <a:sym typeface="Lato"/>
-            </a:endParaRPr>
-          </a:p>
-          <a:p>
-            <a:pPr indent="-317500" lvl="0" marL="457200" rtl="0" algn="l">
-              <a:lnSpc>
-                <a:spcPct val="115000"/>
-              </a:lnSpc>
-              <a:spcBef>
-                <a:spcPts val="800"/>
-              </a:spcBef>
-              <a:spcAft>
-                <a:spcPts val="0"/>
-              </a:spcAft>
-              <a:buClr>
-                <a:srgbClr val="434343"/>
-              </a:buClr>
-              <a:buSzPts val="1400"/>
-              <a:buFont typeface="Lato"/>
-              <a:buAutoNum type="arabicPeriod"/>
-            </a:pPr>
-            <a:r>
-              <a:rPr lang="en">
-                <a:solidFill>
-                  <a:srgbClr val="434343"/>
-                </a:solidFill>
-                <a:latin typeface="Lato"/>
-                <a:ea typeface="Lato"/>
-                <a:cs typeface="Lato"/>
-                <a:sym typeface="Lato"/>
-              </a:rPr>
-              <a:t>Create a new project</a:t>
-            </a:r>
-            <a:endParaRPr>
-              <a:solidFill>
-                <a:srgbClr val="434343"/>
-              </a:solidFill>
-              <a:latin typeface="Lato"/>
-              <a:ea typeface="Lato"/>
-              <a:cs typeface="Lato"/>
-              <a:sym typeface="Lato"/>
-            </a:endParaRPr>
-          </a:p>
-          <a:p>
-            <a:pPr indent="-317500" lvl="0" marL="457200" rtl="0" algn="l">
-              <a:lnSpc>
-                <a:spcPct val="115000"/>
-              </a:lnSpc>
-              <a:spcBef>
-                <a:spcPts val="0"/>
-              </a:spcBef>
-              <a:spcAft>
-                <a:spcPts val="0"/>
-              </a:spcAft>
-              <a:buClr>
-                <a:srgbClr val="434343"/>
-              </a:buClr>
-              <a:buSzPts val="1400"/>
-              <a:buFont typeface="Lato"/>
-              <a:buAutoNum type="arabicPeriod"/>
-            </a:pPr>
-            <a:r>
-              <a:rPr lang="en">
-                <a:solidFill>
-                  <a:srgbClr val="434343"/>
-                </a:solidFill>
-                <a:latin typeface="Lato"/>
-                <a:ea typeface="Lato"/>
-                <a:cs typeface="Lato"/>
-                <a:sym typeface="Lato"/>
-              </a:rPr>
-              <a:t>Connect to and/or Import Dataset(s)</a:t>
-            </a:r>
-            <a:endParaRPr>
-              <a:solidFill>
-                <a:srgbClr val="434343"/>
-              </a:solidFill>
-              <a:latin typeface="Lato"/>
-              <a:ea typeface="Lato"/>
-              <a:cs typeface="Lato"/>
-              <a:sym typeface="Lato"/>
-            </a:endParaRPr>
-          </a:p>
-          <a:p>
-            <a:pPr indent="-317500" lvl="0" marL="457200" rtl="0" algn="l">
-              <a:lnSpc>
-                <a:spcPct val="115000"/>
-              </a:lnSpc>
-              <a:spcBef>
-                <a:spcPts val="0"/>
-              </a:spcBef>
-              <a:spcAft>
-                <a:spcPts val="0"/>
-              </a:spcAft>
-              <a:buClr>
-                <a:srgbClr val="434343"/>
-              </a:buClr>
-              <a:buSzPts val="1400"/>
-              <a:buFont typeface="Lato"/>
-              <a:buAutoNum type="arabicPeriod"/>
-            </a:pPr>
-            <a:r>
-              <a:rPr lang="en">
-                <a:solidFill>
-                  <a:srgbClr val="434343"/>
-                </a:solidFill>
-                <a:latin typeface="Lato"/>
-                <a:ea typeface="Lato"/>
-                <a:cs typeface="Lato"/>
-                <a:sym typeface="Lato"/>
-              </a:rPr>
-              <a:t>Visual Prep</a:t>
-            </a:r>
-            <a:r>
-              <a:rPr lang="en">
-                <a:solidFill>
-                  <a:srgbClr val="434343"/>
-                </a:solidFill>
-                <a:latin typeface="Lato"/>
-                <a:ea typeface="Lato"/>
-                <a:cs typeface="Lato"/>
-                <a:sym typeface="Lato"/>
-              </a:rPr>
-              <a:t> -</a:t>
-            </a:r>
-            <a:r>
-              <a:rPr lang="en">
-                <a:solidFill>
-                  <a:srgbClr val="434343"/>
-                </a:solidFill>
-                <a:latin typeface="Lato"/>
-                <a:ea typeface="Lato"/>
-                <a:cs typeface="Lato"/>
-                <a:sym typeface="Lato"/>
-              </a:rPr>
-              <a:t> Data “</a:t>
-            </a:r>
-            <a:r>
-              <a:rPr lang="en">
-                <a:solidFill>
-                  <a:srgbClr val="434343"/>
-                </a:solidFill>
-                <a:latin typeface="Lato"/>
-                <a:ea typeface="Lato"/>
-                <a:cs typeface="Lato"/>
-                <a:sym typeface="Lato"/>
-              </a:rPr>
-              <a:t>Recipes</a:t>
-            </a:r>
-            <a:r>
-              <a:rPr lang="en">
-                <a:solidFill>
-                  <a:srgbClr val="434343"/>
-                </a:solidFill>
-                <a:latin typeface="Lato"/>
-                <a:ea typeface="Lato"/>
-                <a:cs typeface="Lato"/>
-                <a:sym typeface="Lato"/>
-              </a:rPr>
-              <a:t>”</a:t>
-            </a:r>
-            <a:endParaRPr>
-              <a:solidFill>
-                <a:srgbClr val="434343"/>
-              </a:solidFill>
-              <a:latin typeface="Lato"/>
-              <a:ea typeface="Lato"/>
-              <a:cs typeface="Lato"/>
-              <a:sym typeface="Lato"/>
-            </a:endParaRPr>
-          </a:p>
-          <a:p>
-            <a:pPr indent="-317500" lvl="0" marL="457200" rtl="0" algn="l">
-              <a:lnSpc>
-                <a:spcPct val="115000"/>
-              </a:lnSpc>
-              <a:spcBef>
-                <a:spcPts val="0"/>
-              </a:spcBef>
-              <a:spcAft>
-                <a:spcPts val="0"/>
-              </a:spcAft>
-              <a:buClr>
-                <a:srgbClr val="434343"/>
-              </a:buClr>
-              <a:buSzPts val="1400"/>
-              <a:buFont typeface="Lato"/>
-              <a:buAutoNum type="arabicPeriod"/>
-            </a:pPr>
-            <a:r>
-              <a:rPr lang="en">
-                <a:solidFill>
-                  <a:srgbClr val="434343"/>
-                </a:solidFill>
-                <a:latin typeface="Lato"/>
-                <a:ea typeface="Lato"/>
-                <a:cs typeface="Lato"/>
-                <a:sym typeface="Lato"/>
-              </a:rPr>
-              <a:t>Code </a:t>
-            </a:r>
-            <a:r>
-              <a:rPr lang="en">
-                <a:solidFill>
-                  <a:srgbClr val="434343"/>
-                </a:solidFill>
-                <a:latin typeface="Lato"/>
-                <a:ea typeface="Lato"/>
-                <a:cs typeface="Lato"/>
-                <a:sym typeface="Lato"/>
-              </a:rPr>
-              <a:t>Transformation(s) - Python</a:t>
-            </a:r>
-            <a:endParaRPr>
-              <a:solidFill>
-                <a:srgbClr val="434343"/>
-              </a:solidFill>
-              <a:latin typeface="Lato"/>
-              <a:ea typeface="Lato"/>
-              <a:cs typeface="Lato"/>
-              <a:sym typeface="Lato"/>
-            </a:endParaRPr>
-          </a:p>
-          <a:p>
-            <a:pPr indent="-317500" lvl="0" marL="457200" rtl="0" algn="l">
-              <a:lnSpc>
-                <a:spcPct val="115000"/>
-              </a:lnSpc>
-              <a:spcBef>
-                <a:spcPts val="0"/>
-              </a:spcBef>
-              <a:spcAft>
-                <a:spcPts val="0"/>
-              </a:spcAft>
-              <a:buClr>
-                <a:srgbClr val="434343"/>
-              </a:buClr>
-              <a:buSzPts val="1400"/>
-              <a:buFont typeface="Lato"/>
-              <a:buAutoNum type="arabicPeriod"/>
-            </a:pPr>
-            <a:r>
-              <a:rPr lang="en">
-                <a:solidFill>
-                  <a:srgbClr val="434343"/>
-                </a:solidFill>
-                <a:latin typeface="Lato"/>
-                <a:ea typeface="Lato"/>
-                <a:cs typeface="Lato"/>
-                <a:sym typeface="Lato"/>
-              </a:rPr>
-              <a:t>Visual Analysis, Data Prep &amp; ML (The Lab)</a:t>
-            </a:r>
-            <a:endParaRPr>
-              <a:solidFill>
-                <a:srgbClr val="434343"/>
-              </a:solidFill>
-              <a:latin typeface="Lato"/>
-              <a:ea typeface="Lato"/>
-              <a:cs typeface="Lato"/>
-              <a:sym typeface="Lato"/>
-            </a:endParaRPr>
-          </a:p>
-          <a:p>
-            <a:pPr indent="-317500" lvl="0" marL="457200" rtl="0" algn="l">
-              <a:lnSpc>
-                <a:spcPct val="115000"/>
-              </a:lnSpc>
-              <a:spcBef>
-                <a:spcPts val="0"/>
-              </a:spcBef>
-              <a:spcAft>
-                <a:spcPts val="0"/>
-              </a:spcAft>
-              <a:buClr>
-                <a:srgbClr val="434343"/>
-              </a:buClr>
-              <a:buSzPts val="1400"/>
-              <a:buFont typeface="Lato"/>
-              <a:buAutoNum type="arabicPeriod"/>
-            </a:pPr>
-            <a:r>
-              <a:rPr lang="en">
-                <a:solidFill>
-                  <a:srgbClr val="434343"/>
-                </a:solidFill>
-                <a:latin typeface="Lato"/>
-                <a:ea typeface="Lato"/>
-                <a:cs typeface="Lato"/>
-                <a:sym typeface="Lato"/>
-              </a:rPr>
-              <a:t>Data Product Development</a:t>
-            </a:r>
-            <a:endParaRPr>
-              <a:solidFill>
-                <a:srgbClr val="434343"/>
-              </a:solidFill>
-              <a:latin typeface="Lato"/>
-              <a:ea typeface="Lato"/>
-              <a:cs typeface="Lato"/>
-              <a:sym typeface="Lato"/>
-            </a:endParaRPr>
-          </a:p>
-          <a:p>
-            <a:pPr indent="-317500" lvl="1" marL="914400" rtl="0" algn="l">
-              <a:lnSpc>
-                <a:spcPct val="115000"/>
-              </a:lnSpc>
-              <a:spcBef>
-                <a:spcPts val="0"/>
-              </a:spcBef>
-              <a:spcAft>
-                <a:spcPts val="0"/>
-              </a:spcAft>
-              <a:buClr>
-                <a:srgbClr val="434343"/>
-              </a:buClr>
-              <a:buSzPts val="1400"/>
-              <a:buFont typeface="Lato"/>
-              <a:buAutoNum type="alphaLcPeriod"/>
-            </a:pPr>
-            <a:r>
-              <a:rPr lang="en">
-                <a:solidFill>
-                  <a:srgbClr val="434343"/>
-                </a:solidFill>
-                <a:latin typeface="Lato"/>
-                <a:ea typeface="Lato"/>
-                <a:cs typeface="Lato"/>
-                <a:sym typeface="Lato"/>
-              </a:rPr>
-              <a:t>Reports, Dashboards, Insights, WebApps</a:t>
-            </a:r>
-            <a:endParaRPr>
-              <a:solidFill>
-                <a:srgbClr val="434343"/>
-              </a:solidFill>
-              <a:latin typeface="Lato"/>
-              <a:ea typeface="Lato"/>
-              <a:cs typeface="Lato"/>
-              <a:sym typeface="Lato"/>
-            </a:endParaRPr>
-          </a:p>
-          <a:p>
-            <a:pPr indent="-317500" lvl="0" marL="457200" rtl="0" algn="l">
-              <a:lnSpc>
-                <a:spcPct val="115000"/>
-              </a:lnSpc>
-              <a:spcBef>
-                <a:spcPts val="0"/>
-              </a:spcBef>
-              <a:spcAft>
-                <a:spcPts val="0"/>
-              </a:spcAft>
-              <a:buClr>
-                <a:srgbClr val="434343"/>
-              </a:buClr>
-              <a:buSzPts val="1400"/>
-              <a:buFont typeface="Lato"/>
-              <a:buAutoNum type="arabicPeriod"/>
-            </a:pPr>
-            <a:r>
-              <a:rPr lang="en">
-                <a:solidFill>
-                  <a:srgbClr val="434343"/>
-                </a:solidFill>
-                <a:latin typeface="Lato"/>
-                <a:ea typeface="Lato"/>
-                <a:cs typeface="Lato"/>
-                <a:sym typeface="Lato"/>
-              </a:rPr>
-              <a:t>Job, Workflow &amp; Scenario Scheduling</a:t>
-            </a:r>
-            <a:endParaRPr>
-              <a:solidFill>
-                <a:srgbClr val="434343"/>
-              </a:solidFill>
-              <a:latin typeface="Lato"/>
-              <a:ea typeface="Lato"/>
-              <a:cs typeface="Lato"/>
-              <a:sym typeface="Lato"/>
-            </a:endParaRPr>
-          </a:p>
-          <a:p>
-            <a:pPr indent="-317500" lvl="0" marL="457200" rtl="0" algn="l">
-              <a:lnSpc>
-                <a:spcPct val="115000"/>
-              </a:lnSpc>
-              <a:spcBef>
-                <a:spcPts val="0"/>
-              </a:spcBef>
-              <a:spcAft>
-                <a:spcPts val="0"/>
-              </a:spcAft>
-              <a:buClr>
-                <a:srgbClr val="434343"/>
-              </a:buClr>
-              <a:buSzPts val="1400"/>
-              <a:buFont typeface="Lato"/>
-              <a:buAutoNum type="arabicPeriod"/>
-            </a:pPr>
-            <a:r>
-              <a:rPr lang="en">
-                <a:solidFill>
-                  <a:srgbClr val="434343"/>
-                </a:solidFill>
-                <a:latin typeface="Lato"/>
-                <a:ea typeface="Lato"/>
-                <a:cs typeface="Lato"/>
-                <a:sym typeface="Lato"/>
-              </a:rPr>
-              <a:t>Workflow Monitoring &amp; Maintenance</a:t>
-            </a:r>
-            <a:endParaRPr>
-              <a:solidFill>
-                <a:srgbClr val="434343"/>
-              </a:solidFill>
-              <a:latin typeface="Lato"/>
-              <a:ea typeface="Lato"/>
-              <a:cs typeface="Lato"/>
-              <a:sym typeface="Lato"/>
-            </a:endParaRPr>
-          </a:p>
-          <a:p>
-            <a:pPr indent="-317500" lvl="0" marL="457200" rtl="0" algn="l">
-              <a:lnSpc>
-                <a:spcPct val="115000"/>
-              </a:lnSpc>
-              <a:spcBef>
-                <a:spcPts val="0"/>
-              </a:spcBef>
-              <a:spcAft>
-                <a:spcPts val="0"/>
-              </a:spcAft>
-              <a:buClr>
-                <a:srgbClr val="434343"/>
-              </a:buClr>
-              <a:buSzPts val="1400"/>
-              <a:buFont typeface="Lato"/>
-              <a:buAutoNum type="arabicPeriod"/>
-            </a:pPr>
-            <a:r>
-              <a:rPr lang="en">
-                <a:solidFill>
-                  <a:srgbClr val="434343"/>
-                </a:solidFill>
-                <a:latin typeface="Lato"/>
-                <a:ea typeface="Lato"/>
-                <a:cs typeface="Lato"/>
-                <a:sym typeface="Lato"/>
-              </a:rPr>
-              <a:t>Documentation - Wiki &amp; Juypter Notebooks</a:t>
-            </a:r>
-            <a:endParaRPr>
-              <a:solidFill>
-                <a:srgbClr val="434343"/>
-              </a:solidFill>
-              <a:latin typeface="Lato"/>
-              <a:ea typeface="Lato"/>
-              <a:cs typeface="Lato"/>
-              <a:sym typeface="Lato"/>
-            </a:endParaRPr>
-          </a:p>
-          <a:p>
-            <a:pPr indent="0" lvl="0" marL="0" rtl="0" algn="l">
-              <a:lnSpc>
-                <a:spcPct val="115000"/>
-              </a:lnSpc>
-              <a:spcBef>
-                <a:spcPts val="800"/>
-              </a:spcBef>
-              <a:spcAft>
-                <a:spcPts val="0"/>
-              </a:spcAft>
-              <a:buNone/>
-            </a:pPr>
-            <a:r>
-              <a:t/>
-            </a:r>
-            <a:endParaRPr>
-              <a:solidFill>
-                <a:srgbClr val="434343"/>
-              </a:solidFill>
-              <a:latin typeface="Lato"/>
-              <a:ea typeface="Lato"/>
-              <a:cs typeface="Lato"/>
-              <a:sym typeface="Lato"/>
-            </a:endParaRPr>
-          </a:p>
-          <a:p>
-            <a:pPr indent="0" lvl="0" marL="0" rtl="0" algn="l">
-              <a:lnSpc>
-                <a:spcPct val="115000"/>
-              </a:lnSpc>
-              <a:spcBef>
-                <a:spcPts val="800"/>
-              </a:spcBef>
-              <a:spcAft>
-                <a:spcPts val="0"/>
-              </a:spcAft>
-              <a:buNone/>
-            </a:pPr>
-            <a:r>
-              <a:t/>
-            </a:r>
-            <a:endParaRPr>
-              <a:solidFill>
-                <a:srgbClr val="434343"/>
-              </a:solidFill>
-              <a:latin typeface="Lato"/>
-              <a:ea typeface="Lato"/>
-              <a:cs typeface="Lato"/>
-              <a:sym typeface="Lato"/>
-            </a:endParaRPr>
-          </a:p>
-          <a:p>
-            <a:pPr indent="0" lvl="0" marL="0" rtl="0" algn="l">
-              <a:lnSpc>
-                <a:spcPct val="115000"/>
-              </a:lnSpc>
-              <a:spcBef>
-                <a:spcPts val="800"/>
-              </a:spcBef>
-              <a:spcAft>
-                <a:spcPts val="0"/>
-              </a:spcAft>
-              <a:buNone/>
-            </a:pPr>
-            <a:r>
-              <a:t/>
-            </a:r>
-            <a:endParaRPr>
-              <a:solidFill>
-                <a:srgbClr val="434343"/>
-              </a:solidFill>
-              <a:latin typeface="Lato"/>
-              <a:ea typeface="Lato"/>
-              <a:cs typeface="Lato"/>
-              <a:sym typeface="Lato"/>
-            </a:endParaRPr>
-          </a:p>
-          <a:p>
-            <a:pPr indent="0" lvl="0" marL="0" rtl="0" algn="l">
-              <a:lnSpc>
-                <a:spcPct val="115000"/>
-              </a:lnSpc>
-              <a:spcBef>
-                <a:spcPts val="800"/>
-              </a:spcBef>
-              <a:spcAft>
-                <a:spcPts val="0"/>
-              </a:spcAft>
-              <a:buNone/>
-            </a:pPr>
-            <a:r>
-              <a:t/>
-            </a:r>
-            <a:endParaRPr>
-              <a:solidFill>
-                <a:srgbClr val="434343"/>
-              </a:solidFill>
-              <a:latin typeface="Lato"/>
-              <a:ea typeface="Lato"/>
-              <a:cs typeface="Lato"/>
-              <a:sym typeface="Lato"/>
-            </a:endParaRPr>
-          </a:p>
-          <a:p>
-            <a:pPr indent="0" lvl="0" marL="0" rtl="0" algn="l">
-              <a:lnSpc>
-                <a:spcPct val="115000"/>
-              </a:lnSpc>
-              <a:spcBef>
-                <a:spcPts val="800"/>
-              </a:spcBef>
-              <a:spcAft>
-                <a:spcPts val="800"/>
-              </a:spcAft>
-              <a:buNone/>
-            </a:pPr>
-            <a:r>
-              <a:rPr lang="en">
-                <a:solidFill>
-                  <a:srgbClr val="434343"/>
-                </a:solidFill>
-                <a:latin typeface="Lato"/>
-                <a:ea typeface="Lato"/>
-                <a:cs typeface="Lato"/>
-                <a:sym typeface="Lato"/>
+              <a:t>Dataiku supports the creation of data products, and adheres to Change Management Processes, as follows: </a:t>
+            </a:r>
+            <a:r>
+              <a:rPr lang="en" sz="1100">
+                <a:solidFill>
+                  <a:srgbClr val="222222"/>
+                </a:solidFill>
               </a:rPr>
               <a:t> </a:t>
             </a:r>
-            <a:endParaRPr/>
+            <a:endParaRPr sz="1100">
+              <a:solidFill>
+                <a:srgbClr val="222222"/>
+              </a:solidFill>
+            </a:endParaRPr>
+          </a:p>
+          <a:p>
+            <a:pPr indent="-298450" lvl="0" marL="457200" rtl="0" algn="l">
+              <a:lnSpc>
+                <a:spcPct val="150000"/>
+              </a:lnSpc>
+              <a:spcBef>
+                <a:spcPts val="600"/>
+              </a:spcBef>
+              <a:spcAft>
+                <a:spcPts val="0"/>
+              </a:spcAft>
+              <a:buClr>
+                <a:srgbClr val="222222"/>
+              </a:buClr>
+              <a:buSzPts val="1100"/>
+              <a:buChar char="●"/>
+            </a:pPr>
+            <a:r>
+              <a:rPr lang="en" sz="1100">
+                <a:solidFill>
+                  <a:srgbClr val="222222"/>
+                </a:solidFill>
+              </a:rPr>
+              <a:t>Project Management:  Manage &amp; track large scale projects from data management</a:t>
+            </a:r>
+            <a:endParaRPr sz="1100">
+              <a:solidFill>
+                <a:srgbClr val="222222"/>
+              </a:solidFill>
+            </a:endParaRPr>
+          </a:p>
+          <a:p>
+            <a:pPr indent="-298450" lvl="0" marL="457200" rtl="0" algn="l">
+              <a:lnSpc>
+                <a:spcPct val="150000"/>
+              </a:lnSpc>
+              <a:spcBef>
+                <a:spcPts val="0"/>
+              </a:spcBef>
+              <a:spcAft>
+                <a:spcPts val="0"/>
+              </a:spcAft>
+              <a:buClr>
+                <a:srgbClr val="222222"/>
+              </a:buClr>
+              <a:buSzPts val="1100"/>
+              <a:buChar char="●"/>
+            </a:pPr>
+            <a:r>
+              <a:rPr lang="en" sz="1100">
+                <a:solidFill>
+                  <a:srgbClr val="222222"/>
+                </a:solidFill>
+              </a:rPr>
+              <a:t>Operationalization: Automate, operationalize, and monitor data pipelines without re-thinking existing infrastructures</a:t>
+            </a:r>
+            <a:endParaRPr sz="1100">
+              <a:solidFill>
+                <a:srgbClr val="222222"/>
+              </a:solidFill>
+            </a:endParaRPr>
+          </a:p>
+          <a:p>
+            <a:pPr indent="-298450" lvl="0" marL="457200" rtl="0" algn="l">
+              <a:lnSpc>
+                <a:spcPct val="150000"/>
+              </a:lnSpc>
+              <a:spcBef>
+                <a:spcPts val="0"/>
+              </a:spcBef>
+              <a:spcAft>
+                <a:spcPts val="0"/>
+              </a:spcAft>
+              <a:buClr>
+                <a:srgbClr val="222222"/>
+              </a:buClr>
+              <a:buSzPts val="1100"/>
+              <a:buChar char="●"/>
+            </a:pPr>
+            <a:r>
+              <a:rPr lang="en" sz="1100">
+                <a:solidFill>
+                  <a:srgbClr val="222222"/>
+                </a:solidFill>
+              </a:rPr>
+              <a:t>Reproducibility: deployed code reproducible and unmaintained projects won’t fail.</a:t>
+            </a:r>
+            <a:endParaRPr sz="1100">
+              <a:solidFill>
+                <a:srgbClr val="222222"/>
+              </a:solidFill>
+            </a:endParaRPr>
+          </a:p>
+          <a:p>
+            <a:pPr indent="-298450" lvl="0" marL="457200" rtl="0" algn="l">
+              <a:lnSpc>
+                <a:spcPct val="150000"/>
+              </a:lnSpc>
+              <a:spcBef>
+                <a:spcPts val="0"/>
+              </a:spcBef>
+              <a:spcAft>
+                <a:spcPts val="0"/>
+              </a:spcAft>
+              <a:buClr>
+                <a:srgbClr val="222222"/>
+              </a:buClr>
+              <a:buSzPts val="1100"/>
+              <a:buChar char="●"/>
+            </a:pPr>
+            <a:r>
+              <a:rPr lang="en" sz="1100">
+                <a:solidFill>
+                  <a:srgbClr val="222222"/>
+                </a:solidFill>
+              </a:rPr>
+              <a:t>Code &amp; Integration: Build end-to-end solutions and services with Dataiku’s transparent SDK or leading GUI.</a:t>
+            </a:r>
+            <a:endParaRPr sz="1100">
+              <a:solidFill>
+                <a:srgbClr val="222222"/>
+              </a:solidFill>
+            </a:endParaRPr>
+          </a:p>
+          <a:p>
+            <a:pPr indent="-298450" lvl="0" marL="457200" rtl="0" algn="l">
+              <a:lnSpc>
+                <a:spcPct val="150000"/>
+              </a:lnSpc>
+              <a:spcBef>
+                <a:spcPts val="0"/>
+              </a:spcBef>
+              <a:spcAft>
+                <a:spcPts val="0"/>
+              </a:spcAft>
+              <a:buClr>
+                <a:srgbClr val="222222"/>
+              </a:buClr>
+              <a:buSzPts val="1100"/>
+              <a:buChar char="●"/>
+            </a:pPr>
+            <a:r>
+              <a:rPr lang="en" sz="1100">
+                <a:solidFill>
+                  <a:srgbClr val="222222"/>
+                </a:solidFill>
+              </a:rPr>
+              <a:t>Scalability: Leverage your existing distributed storage and processing infrastructures.</a:t>
+            </a:r>
+            <a:endParaRPr sz="1100">
+              <a:solidFill>
+                <a:srgbClr val="222222"/>
+              </a:solidFill>
+            </a:endParaRPr>
+          </a:p>
+          <a:p>
+            <a:pPr indent="-298450" lvl="0" marL="457200" rtl="0" algn="l">
+              <a:lnSpc>
+                <a:spcPct val="150000"/>
+              </a:lnSpc>
+              <a:spcBef>
+                <a:spcPts val="0"/>
+              </a:spcBef>
+              <a:spcAft>
+                <a:spcPts val="0"/>
+              </a:spcAft>
+              <a:buClr>
+                <a:srgbClr val="222222"/>
+              </a:buClr>
+              <a:buSzPts val="1100"/>
+              <a:buChar char="●"/>
+            </a:pPr>
+            <a:r>
+              <a:rPr lang="en" sz="1100">
+                <a:solidFill>
+                  <a:srgbClr val="222222"/>
+                </a:solidFill>
+              </a:rPr>
+              <a:t>DSS comes with built-in Git-Based version control system</a:t>
+            </a:r>
+            <a:endParaRPr sz="1100">
+              <a:solidFill>
+                <a:srgbClr val="222222"/>
+              </a:solidFill>
+            </a:endParaRPr>
           </a:p>
         </p:txBody>
       </p:sp>
@@ -11208,7 +12612,1074 @@
 </p:sld>
 </file>
 
+<file path=ppt/slides/slide8.xml><?xml version="1.0" encoding="utf-8"?>
+<p:sld xmlns:a="http://schemas.openxmlformats.org/drawingml/2006/main" xmlns:r="http://schemas.openxmlformats.org/officeDocument/2006/relationships" xmlns:mc="http://schemas.openxmlformats.org/markup-compatibility/2006" xmlns:mv="urn:schemas-microsoft-com:mac:vml" xmlns:p="http://schemas.openxmlformats.org/presentationml/2006/main" xmlns:c="http://schemas.openxmlformats.org/drawingml/2006/chart" xmlns:dgm="http://schemas.openxmlformats.org/drawingml/2006/diagram" xmlns:o="urn:schemas-microsoft-com:office:office" xmlns:v="urn:schemas-microsoft-com:vml" xmlns:pvml="urn:schemas-microsoft-com:office:powerpoint" xmlns:com="http://schemas.openxmlformats.org/drawingml/2006/compatibility" xmlns:p14="http://schemas.microsoft.com/office/powerpoint/2010/main" xmlns:p15="http://schemas.microsoft.com/office/powerpoint/2012/main">
+  <p:cSld>
+    <p:spTree>
+      <p:nvGrpSpPr>
+        <p:cNvPr id="135" name="Shape 135"/>
+        <p:cNvGrpSpPr/>
+        <p:nvPr/>
+      </p:nvGrpSpPr>
+      <p:grpSpPr>
+        <a:xfrm>
+          <a:off x="0" y="0"/>
+          <a:ext cx="0" cy="0"/>
+          <a:chOff x="0" y="0"/>
+          <a:chExt cx="0" cy="0"/>
+        </a:xfrm>
+      </p:grpSpPr>
+      <p:sp>
+        <p:nvSpPr>
+          <p:cNvPr id="136" name="Google Shape;136;p20"/>
+          <p:cNvSpPr txBox="1"/>
+          <p:nvPr>
+            <p:ph type="title"/>
+          </p:nvPr>
+        </p:nvSpPr>
+        <p:spPr>
+          <a:xfrm>
+            <a:off x="729450" y="632850"/>
+            <a:ext cx="7688700" cy="535200"/>
+          </a:xfrm>
+          <a:prstGeom prst="rect">
+            <a:avLst/>
+          </a:prstGeom>
+        </p:spPr>
+        <p:txBody>
+          <a:bodyPr anchorCtr="0" anchor="t" bIns="91425" lIns="91425" spcFirstLastPara="1" rIns="91425" wrap="square" tIns="91425">
+            <a:noAutofit/>
+          </a:bodyPr>
+          <a:lstStyle/>
+          <a:p>
+            <a:pPr indent="0" lvl="0" marL="0" rtl="0" algn="l">
+              <a:spcBef>
+                <a:spcPts val="0"/>
+              </a:spcBef>
+              <a:spcAft>
+                <a:spcPts val="0"/>
+              </a:spcAft>
+              <a:buNone/>
+            </a:pPr>
+            <a:r>
+              <a:rPr lang="en"/>
+              <a:t>Dataiku C</a:t>
+            </a:r>
+            <a:r>
+              <a:rPr lang="en"/>
+              <a:t>omponents</a:t>
+            </a:r>
+            <a:endParaRPr/>
+          </a:p>
+        </p:txBody>
+      </p:sp>
+      <p:pic>
+        <p:nvPicPr>
+          <p:cNvPr descr="Flow navigation menu" id="137" name="Google Shape;137;p20"/>
+          <p:cNvPicPr preferRelativeResize="0"/>
+          <p:nvPr/>
+        </p:nvPicPr>
+        <p:blipFill>
+          <a:blip r:embed="rId3">
+            <a:alphaModFix/>
+          </a:blip>
+          <a:stretch>
+            <a:fillRect/>
+          </a:stretch>
+        </p:blipFill>
+        <p:spPr>
+          <a:xfrm>
+            <a:off x="4826200" y="1886525"/>
+            <a:ext cx="3740225" cy="1787400"/>
+          </a:xfrm>
+          <a:prstGeom prst="rect">
+            <a:avLst/>
+          </a:prstGeom>
+          <a:noFill/>
+          <a:ln>
+            <a:noFill/>
+          </a:ln>
+        </p:spPr>
+      </p:pic>
+      <p:sp>
+        <p:nvSpPr>
+          <p:cNvPr id="138" name="Google Shape;138;p20"/>
+          <p:cNvSpPr txBox="1"/>
+          <p:nvPr/>
+        </p:nvSpPr>
+        <p:spPr>
+          <a:xfrm>
+            <a:off x="482125" y="1516050"/>
+            <a:ext cx="3949500" cy="3220800"/>
+          </a:xfrm>
+          <a:prstGeom prst="rect">
+            <a:avLst/>
+          </a:prstGeom>
+          <a:noFill/>
+          <a:ln>
+            <a:noFill/>
+          </a:ln>
+        </p:spPr>
+        <p:txBody>
+          <a:bodyPr anchorCtr="0" anchor="t" bIns="91425" lIns="91425" spcFirstLastPara="1" rIns="91425" wrap="square" tIns="91425">
+            <a:noAutofit/>
+          </a:bodyPr>
+          <a:lstStyle/>
+          <a:p>
+            <a:pPr indent="0" lvl="0" marL="0" rtl="0" algn="l">
+              <a:spcBef>
+                <a:spcPts val="0"/>
+              </a:spcBef>
+              <a:spcAft>
+                <a:spcPts val="0"/>
+              </a:spcAft>
+              <a:buNone/>
+            </a:pPr>
+            <a:r>
+              <a:rPr lang="en">
+                <a:solidFill>
+                  <a:srgbClr val="333333"/>
+                </a:solidFill>
+                <a:highlight>
+                  <a:srgbClr val="FFFFFF"/>
+                </a:highlight>
+              </a:rPr>
+              <a:t>A </a:t>
+            </a:r>
+            <a:r>
+              <a:rPr b="1" lang="en" u="sng">
+                <a:solidFill>
+                  <a:srgbClr val="333333"/>
+                </a:solidFill>
+                <a:highlight>
+                  <a:srgbClr val="FFFFFF"/>
+                </a:highlight>
+              </a:rPr>
+              <a:t>dataset</a:t>
+            </a:r>
+            <a:r>
+              <a:rPr lang="en">
+                <a:solidFill>
+                  <a:srgbClr val="333333"/>
+                </a:solidFill>
+                <a:highlight>
+                  <a:srgbClr val="FFFFFF"/>
+                </a:highlight>
+              </a:rPr>
+              <a:t> is a tabular view into your data that allows you to access, visualize and write data.</a:t>
+            </a:r>
+            <a:endParaRPr>
+              <a:solidFill>
+                <a:srgbClr val="333333"/>
+              </a:solidFill>
+              <a:highlight>
+                <a:srgbClr val="FFFFFF"/>
+              </a:highlight>
+            </a:endParaRPr>
+          </a:p>
+          <a:p>
+            <a:pPr indent="0" lvl="0" marL="0" rtl="0" algn="l">
+              <a:spcBef>
+                <a:spcPts val="0"/>
+              </a:spcBef>
+              <a:spcAft>
+                <a:spcPts val="0"/>
+              </a:spcAft>
+              <a:buNone/>
+            </a:pPr>
+            <a:r>
+              <a:t/>
+            </a:r>
+            <a:endParaRPr>
+              <a:solidFill>
+                <a:srgbClr val="333333"/>
+              </a:solidFill>
+              <a:highlight>
+                <a:srgbClr val="FFFFFF"/>
+              </a:highlight>
+            </a:endParaRPr>
+          </a:p>
+          <a:p>
+            <a:pPr indent="0" lvl="0" marL="0" rtl="0" algn="l">
+              <a:spcBef>
+                <a:spcPts val="0"/>
+              </a:spcBef>
+              <a:spcAft>
+                <a:spcPts val="0"/>
+              </a:spcAft>
+              <a:buNone/>
+            </a:pPr>
+            <a:r>
+              <a:rPr b="1" lang="en" u="sng">
+                <a:solidFill>
+                  <a:srgbClr val="333333"/>
+                </a:solidFill>
+                <a:highlight>
+                  <a:srgbClr val="FFFFFF"/>
+                </a:highlight>
+              </a:rPr>
+              <a:t>Recipes</a:t>
+            </a:r>
+            <a:r>
+              <a:rPr lang="en">
+                <a:solidFill>
+                  <a:srgbClr val="333333"/>
+                </a:solidFill>
+                <a:highlight>
+                  <a:srgbClr val="FFFFFF"/>
+                </a:highlight>
+              </a:rPr>
+              <a:t> are a set of actions to perform on one or more input datasets, resulting in one or more output datasets. </a:t>
+            </a:r>
+            <a:endParaRPr>
+              <a:solidFill>
+                <a:srgbClr val="333333"/>
+              </a:solidFill>
+              <a:highlight>
+                <a:srgbClr val="FFFFFF"/>
+              </a:highlight>
+            </a:endParaRPr>
+          </a:p>
+          <a:p>
+            <a:pPr indent="0" lvl="0" marL="0" rtl="0" algn="l">
+              <a:spcBef>
+                <a:spcPts val="0"/>
+              </a:spcBef>
+              <a:spcAft>
+                <a:spcPts val="0"/>
+              </a:spcAft>
+              <a:buNone/>
+            </a:pPr>
+            <a:r>
+              <a:t/>
+            </a:r>
+            <a:endParaRPr>
+              <a:solidFill>
+                <a:srgbClr val="333333"/>
+              </a:solidFill>
+              <a:highlight>
+                <a:srgbClr val="FFFFFF"/>
+              </a:highlight>
+            </a:endParaRPr>
+          </a:p>
+          <a:p>
+            <a:pPr indent="0" lvl="0" marL="0" rtl="0" algn="l">
+              <a:spcBef>
+                <a:spcPts val="0"/>
+              </a:spcBef>
+              <a:spcAft>
+                <a:spcPts val="0"/>
+              </a:spcAft>
+              <a:buNone/>
+            </a:pPr>
+            <a:r>
+              <a:rPr lang="en">
+                <a:solidFill>
+                  <a:srgbClr val="333333"/>
+                </a:solidFill>
+                <a:highlight>
+                  <a:srgbClr val="FFFFFF"/>
+                </a:highlight>
+              </a:rPr>
+              <a:t>Recipes include: Code (SQL, Python, E) or Visual (built-in)</a:t>
+            </a:r>
+            <a:endParaRPr>
+              <a:solidFill>
+                <a:srgbClr val="333333"/>
+              </a:solidFill>
+              <a:highlight>
+                <a:srgbClr val="FFFFFF"/>
+              </a:highlight>
+            </a:endParaRPr>
+          </a:p>
+          <a:p>
+            <a:pPr indent="0" lvl="0" marL="0" rtl="0" algn="l">
+              <a:spcBef>
+                <a:spcPts val="0"/>
+              </a:spcBef>
+              <a:spcAft>
+                <a:spcPts val="0"/>
+              </a:spcAft>
+              <a:buNone/>
+            </a:pPr>
+            <a:r>
+              <a:t/>
+            </a:r>
+            <a:endParaRPr>
+              <a:solidFill>
+                <a:srgbClr val="333333"/>
+              </a:solidFill>
+              <a:highlight>
+                <a:srgbClr val="FFFFFF"/>
+              </a:highlight>
+            </a:endParaRPr>
+          </a:p>
+          <a:p>
+            <a:pPr indent="0" lvl="0" marL="0" rtl="0" algn="l">
+              <a:spcBef>
+                <a:spcPts val="0"/>
+              </a:spcBef>
+              <a:spcAft>
+                <a:spcPts val="0"/>
+              </a:spcAft>
+              <a:buNone/>
+            </a:pPr>
+            <a:r>
+              <a:rPr lang="en">
+                <a:solidFill>
+                  <a:srgbClr val="333333"/>
+                </a:solidFill>
+                <a:highlight>
+                  <a:srgbClr val="FFFFFF"/>
+                </a:highlight>
+              </a:rPr>
+              <a:t>A </a:t>
+            </a:r>
+            <a:r>
+              <a:rPr b="1" lang="en" u="sng">
+                <a:solidFill>
+                  <a:srgbClr val="333333"/>
+                </a:solidFill>
+                <a:highlight>
+                  <a:srgbClr val="FFFFFF"/>
+                </a:highlight>
+              </a:rPr>
+              <a:t>F</a:t>
+            </a:r>
+            <a:r>
+              <a:rPr b="1" lang="en" u="sng">
+                <a:solidFill>
+                  <a:srgbClr val="333333"/>
+                </a:solidFill>
+                <a:highlight>
+                  <a:srgbClr val="FFFFFF"/>
+                </a:highlight>
+              </a:rPr>
+              <a:t>low</a:t>
+            </a:r>
+            <a:r>
+              <a:rPr lang="en">
+                <a:solidFill>
+                  <a:srgbClr val="333333"/>
+                </a:solidFill>
+                <a:highlight>
+                  <a:srgbClr val="FFFFFF"/>
+                </a:highlight>
+              </a:rPr>
+              <a:t> (Pipeline) is a visual representation of your work as a set of dependencies between datasets and the recipes used to produce them.</a:t>
+            </a:r>
+            <a:endParaRPr>
+              <a:solidFill>
+                <a:srgbClr val="333333"/>
+              </a:solidFill>
+              <a:highlight>
+                <a:srgbClr val="FFFFFF"/>
+              </a:highlight>
+            </a:endParaRPr>
+          </a:p>
+          <a:p>
+            <a:pPr indent="0" lvl="0" marL="0" rtl="0" algn="l">
+              <a:spcBef>
+                <a:spcPts val="0"/>
+              </a:spcBef>
+              <a:spcAft>
+                <a:spcPts val="0"/>
+              </a:spcAft>
+              <a:buNone/>
+            </a:pPr>
+            <a:r>
+              <a:t/>
+            </a:r>
+            <a:endParaRPr sz="1200">
+              <a:solidFill>
+                <a:srgbClr val="333333"/>
+              </a:solidFill>
+              <a:highlight>
+                <a:srgbClr val="FFFFFF"/>
+              </a:highlight>
+            </a:endParaRPr>
+          </a:p>
+        </p:txBody>
+      </p:sp>
+    </p:spTree>
+  </p:cSld>
+  <p:clrMapOvr>
+    <a:masterClrMapping/>
+  </p:clrMapOvr>
+</p:sld>
+</file>
+
+<file path=ppt/slides/slide9.xml><?xml version="1.0" encoding="utf-8"?>
+<p:sld xmlns:a="http://schemas.openxmlformats.org/drawingml/2006/main" xmlns:r="http://schemas.openxmlformats.org/officeDocument/2006/relationships" xmlns:mc="http://schemas.openxmlformats.org/markup-compatibility/2006" xmlns:mv="urn:schemas-microsoft-com:mac:vml" xmlns:p="http://schemas.openxmlformats.org/presentationml/2006/main" xmlns:c="http://schemas.openxmlformats.org/drawingml/2006/chart" xmlns:dgm="http://schemas.openxmlformats.org/drawingml/2006/diagram" xmlns:o="urn:schemas-microsoft-com:office:office" xmlns:v="urn:schemas-microsoft-com:vml" xmlns:pvml="urn:schemas-microsoft-com:office:powerpoint" xmlns:com="http://schemas.openxmlformats.org/drawingml/2006/compatibility" xmlns:p14="http://schemas.microsoft.com/office/powerpoint/2010/main" xmlns:p15="http://schemas.microsoft.com/office/powerpoint/2012/main">
+  <p:cSld>
+    <p:spTree>
+      <p:nvGrpSpPr>
+        <p:cNvPr id="142" name="Shape 142"/>
+        <p:cNvGrpSpPr/>
+        <p:nvPr/>
+      </p:nvGrpSpPr>
+      <p:grpSpPr>
+        <a:xfrm>
+          <a:off x="0" y="0"/>
+          <a:ext cx="0" cy="0"/>
+          <a:chOff x="0" y="0"/>
+          <a:chExt cx="0" cy="0"/>
+        </a:xfrm>
+      </p:grpSpPr>
+      <p:sp>
+        <p:nvSpPr>
+          <p:cNvPr id="143" name="Google Shape;143;p21"/>
+          <p:cNvSpPr txBox="1"/>
+          <p:nvPr>
+            <p:ph type="title"/>
+          </p:nvPr>
+        </p:nvSpPr>
+        <p:spPr>
+          <a:xfrm>
+            <a:off x="729450" y="632850"/>
+            <a:ext cx="7688700" cy="535200"/>
+          </a:xfrm>
+          <a:prstGeom prst="rect">
+            <a:avLst/>
+          </a:prstGeom>
+        </p:spPr>
+        <p:txBody>
+          <a:bodyPr anchorCtr="0" anchor="t" bIns="91425" lIns="91425" spcFirstLastPara="1" rIns="91425" wrap="square" tIns="91425">
+            <a:noAutofit/>
+          </a:bodyPr>
+          <a:lstStyle/>
+          <a:p>
+            <a:pPr indent="0" lvl="0" marL="0" rtl="0" algn="l">
+              <a:spcBef>
+                <a:spcPts val="0"/>
+              </a:spcBef>
+              <a:spcAft>
+                <a:spcPts val="0"/>
+              </a:spcAft>
+              <a:buNone/>
+            </a:pPr>
+            <a:r>
+              <a:rPr lang="en"/>
+              <a:t>Dataiku Components</a:t>
+            </a:r>
+            <a:endParaRPr/>
+          </a:p>
+        </p:txBody>
+      </p:sp>
+      <p:sp>
+        <p:nvSpPr>
+          <p:cNvPr id="144" name="Google Shape;144;p21"/>
+          <p:cNvSpPr txBox="1"/>
+          <p:nvPr/>
+        </p:nvSpPr>
+        <p:spPr>
+          <a:xfrm>
+            <a:off x="318025" y="1359100"/>
+            <a:ext cx="3913800" cy="3220800"/>
+          </a:xfrm>
+          <a:prstGeom prst="rect">
+            <a:avLst/>
+          </a:prstGeom>
+          <a:noFill/>
+          <a:ln>
+            <a:noFill/>
+          </a:ln>
+        </p:spPr>
+        <p:txBody>
+          <a:bodyPr anchorCtr="0" anchor="t" bIns="91425" lIns="91425" spcFirstLastPara="1" rIns="91425" wrap="square" tIns="91425">
+            <a:noAutofit/>
+          </a:bodyPr>
+          <a:lstStyle/>
+          <a:p>
+            <a:pPr indent="0" lvl="0" marL="0" rtl="0" algn="l">
+              <a:spcBef>
+                <a:spcPts val="0"/>
+              </a:spcBef>
+              <a:spcAft>
+                <a:spcPts val="0"/>
+              </a:spcAft>
+              <a:buNone/>
+            </a:pPr>
+            <a:r>
+              <a:rPr lang="en">
+                <a:solidFill>
+                  <a:srgbClr val="333333"/>
+                </a:solidFill>
+                <a:highlight>
+                  <a:srgbClr val="FFFFFF"/>
+                </a:highlight>
+              </a:rPr>
+              <a:t>.</a:t>
+            </a:r>
+            <a:endParaRPr>
+              <a:solidFill>
+                <a:srgbClr val="333333"/>
+              </a:solidFill>
+              <a:highlight>
+                <a:srgbClr val="FFFFFF"/>
+              </a:highlight>
+            </a:endParaRPr>
+          </a:p>
+          <a:p>
+            <a:pPr indent="0" lvl="0" marL="0" rtl="0" algn="l">
+              <a:spcBef>
+                <a:spcPts val="0"/>
+              </a:spcBef>
+              <a:spcAft>
+                <a:spcPts val="0"/>
+              </a:spcAft>
+              <a:buNone/>
+            </a:pPr>
+            <a:r>
+              <a:rPr lang="en">
+                <a:solidFill>
+                  <a:srgbClr val="333333"/>
+                </a:solidFill>
+                <a:highlight>
+                  <a:srgbClr val="FFFFFF"/>
+                </a:highlight>
+              </a:rPr>
+              <a:t>The </a:t>
+            </a:r>
+            <a:r>
+              <a:rPr b="1" lang="en" u="sng">
+                <a:solidFill>
+                  <a:srgbClr val="333333"/>
+                </a:solidFill>
+                <a:highlight>
+                  <a:srgbClr val="FFFFFF"/>
+                </a:highlight>
+              </a:rPr>
+              <a:t>code lab</a:t>
+            </a:r>
+            <a:r>
+              <a:rPr lang="en">
+                <a:solidFill>
+                  <a:srgbClr val="333333"/>
+                </a:solidFill>
+                <a:highlight>
+                  <a:srgbClr val="FFFFFF"/>
+                </a:highlight>
+              </a:rPr>
+              <a:t> allows you to experiment with your data in Jupyter notebooks.  You can perform interactive analysis in then deploy them to the </a:t>
+            </a:r>
+            <a:r>
+              <a:rPr b="1" lang="en" u="sng">
+                <a:solidFill>
+                  <a:srgbClr val="333333"/>
+                </a:solidFill>
+                <a:highlight>
+                  <a:srgbClr val="FFFFFF"/>
+                </a:highlight>
+              </a:rPr>
+              <a:t>Flow</a:t>
+            </a:r>
+            <a:r>
+              <a:rPr lang="en">
+                <a:solidFill>
+                  <a:srgbClr val="333333"/>
+                </a:solidFill>
+                <a:highlight>
+                  <a:srgbClr val="FFFFFF"/>
+                </a:highlight>
+              </a:rPr>
+              <a:t> as code recipes.</a:t>
+            </a:r>
+            <a:endParaRPr>
+              <a:solidFill>
+                <a:srgbClr val="333333"/>
+              </a:solidFill>
+              <a:highlight>
+                <a:srgbClr val="FFFFFF"/>
+              </a:highlight>
+            </a:endParaRPr>
+          </a:p>
+          <a:p>
+            <a:pPr indent="0" lvl="0" marL="0" rtl="0" algn="l">
+              <a:spcBef>
+                <a:spcPts val="0"/>
+              </a:spcBef>
+              <a:spcAft>
+                <a:spcPts val="0"/>
+              </a:spcAft>
+              <a:buNone/>
+            </a:pPr>
+            <a:r>
+              <a:t/>
+            </a:r>
+            <a:endParaRPr>
+              <a:solidFill>
+                <a:srgbClr val="333333"/>
+              </a:solidFill>
+              <a:highlight>
+                <a:srgbClr val="FFFFFF"/>
+              </a:highlight>
+            </a:endParaRPr>
+          </a:p>
+          <a:p>
+            <a:pPr indent="0" lvl="0" marL="0" rtl="0" algn="l">
+              <a:spcBef>
+                <a:spcPts val="0"/>
+              </a:spcBef>
+              <a:spcAft>
+                <a:spcPts val="0"/>
+              </a:spcAft>
+              <a:buNone/>
+            </a:pPr>
+            <a:r>
+              <a:t/>
+            </a:r>
+            <a:endParaRPr>
+              <a:solidFill>
+                <a:srgbClr val="333333"/>
+              </a:solidFill>
+              <a:highlight>
+                <a:srgbClr val="FFFFFF"/>
+              </a:highlight>
+            </a:endParaRPr>
+          </a:p>
+          <a:p>
+            <a:pPr indent="0" lvl="0" marL="0" rtl="0" algn="l">
+              <a:spcBef>
+                <a:spcPts val="0"/>
+              </a:spcBef>
+              <a:spcAft>
+                <a:spcPts val="0"/>
+              </a:spcAft>
+              <a:buNone/>
+            </a:pPr>
+            <a:r>
+              <a:t/>
+            </a:r>
+            <a:endParaRPr>
+              <a:solidFill>
+                <a:srgbClr val="333333"/>
+              </a:solidFill>
+              <a:highlight>
+                <a:srgbClr val="FFFFFF"/>
+              </a:highlight>
+            </a:endParaRPr>
+          </a:p>
+          <a:p>
+            <a:pPr indent="0" lvl="0" marL="0" rtl="0" algn="l">
+              <a:spcBef>
+                <a:spcPts val="0"/>
+              </a:spcBef>
+              <a:spcAft>
+                <a:spcPts val="0"/>
+              </a:spcAft>
+              <a:buNone/>
+            </a:pPr>
+            <a:r>
+              <a:t/>
+            </a:r>
+            <a:endParaRPr>
+              <a:solidFill>
+                <a:srgbClr val="333333"/>
+              </a:solidFill>
+              <a:highlight>
+                <a:srgbClr val="FFFFFF"/>
+              </a:highlight>
+            </a:endParaRPr>
+          </a:p>
+          <a:p>
+            <a:pPr indent="0" lvl="0" marL="0" rtl="0" algn="l">
+              <a:spcBef>
+                <a:spcPts val="0"/>
+              </a:spcBef>
+              <a:spcAft>
+                <a:spcPts val="0"/>
+              </a:spcAft>
+              <a:buNone/>
+            </a:pPr>
+            <a:r>
+              <a:rPr lang="en">
+                <a:solidFill>
+                  <a:srgbClr val="333333"/>
+                </a:solidFill>
+                <a:highlight>
+                  <a:srgbClr val="FFFFFF"/>
+                </a:highlight>
+              </a:rPr>
+              <a:t>The </a:t>
+            </a:r>
+            <a:r>
+              <a:rPr b="1" lang="en" u="sng">
+                <a:solidFill>
+                  <a:srgbClr val="333333"/>
+                </a:solidFill>
+                <a:highlight>
+                  <a:srgbClr val="FFFFFF"/>
+                </a:highlight>
+              </a:rPr>
+              <a:t>Dashboard</a:t>
+            </a:r>
+            <a:r>
+              <a:rPr lang="en">
+                <a:solidFill>
+                  <a:srgbClr val="333333"/>
+                </a:solidFill>
+                <a:highlight>
+                  <a:srgbClr val="FFFFFF"/>
+                </a:highlight>
+              </a:rPr>
+              <a:t> is a communication tool to organize, share, and deliver the Insights of your data project. Insights can include any Dataiku DSS object, such as charts, datasets, web apps, and reports.</a:t>
+            </a:r>
+            <a:endParaRPr>
+              <a:solidFill>
+                <a:srgbClr val="333333"/>
+              </a:solidFill>
+              <a:highlight>
+                <a:srgbClr val="FFFFFF"/>
+              </a:highlight>
+            </a:endParaRPr>
+          </a:p>
+        </p:txBody>
+      </p:sp>
+      <p:pic>
+        <p:nvPicPr>
+          <p:cNvPr id="145" name="Google Shape;145;p21"/>
+          <p:cNvPicPr preferRelativeResize="0"/>
+          <p:nvPr/>
+        </p:nvPicPr>
+        <p:blipFill>
+          <a:blip r:embed="rId3">
+            <a:alphaModFix/>
+          </a:blip>
+          <a:stretch>
+            <a:fillRect/>
+          </a:stretch>
+        </p:blipFill>
+        <p:spPr>
+          <a:xfrm>
+            <a:off x="4528575" y="1168050"/>
+            <a:ext cx="4222251" cy="1994425"/>
+          </a:xfrm>
+          <a:prstGeom prst="rect">
+            <a:avLst/>
+          </a:prstGeom>
+          <a:noFill/>
+          <a:ln>
+            <a:noFill/>
+          </a:ln>
+        </p:spPr>
+      </p:pic>
+      <p:pic>
+        <p:nvPicPr>
+          <p:cNvPr id="146" name="Google Shape;146;p21"/>
+          <p:cNvPicPr preferRelativeResize="0"/>
+          <p:nvPr/>
+        </p:nvPicPr>
+        <p:blipFill>
+          <a:blip r:embed="rId4">
+            <a:alphaModFix/>
+          </a:blip>
+          <a:stretch>
+            <a:fillRect/>
+          </a:stretch>
+        </p:blipFill>
+        <p:spPr>
+          <a:xfrm>
+            <a:off x="4528575" y="3395950"/>
+            <a:ext cx="4133624" cy="1183950"/>
+          </a:xfrm>
+          <a:prstGeom prst="rect">
+            <a:avLst/>
+          </a:prstGeom>
+          <a:noFill/>
+          <a:ln>
+            <a:noFill/>
+          </a:ln>
+        </p:spPr>
+      </p:pic>
+    </p:spTree>
+  </p:cSld>
+  <p:clrMapOvr>
+    <a:masterClrMapping/>
+  </p:clrMapOvr>
+</p:sld>
+</file>
+
 <file path=ppt/theme/theme1.xml><?xml version="1.0" encoding="utf-8"?>
+<a:theme xmlns:a="http://schemas.openxmlformats.org/drawingml/2006/main" xmlns:r="http://schemas.openxmlformats.org/officeDocument/2006/relationships" name="Streamline">
+  <a:themeElements>
+    <a:clrScheme name="Streamline">
+      <a:dk1>
+        <a:srgbClr val="1A9988"/>
+      </a:dk1>
+      <a:lt1>
+        <a:srgbClr val="FFFFFF"/>
+      </a:lt1>
+      <a:dk2>
+        <a:srgbClr val="1A1A1A"/>
+      </a:dk2>
+      <a:lt2>
+        <a:srgbClr val="E9EDEE"/>
+      </a:lt2>
+      <a:accent1>
+        <a:srgbClr val="595959"/>
+      </a:accent1>
+      <a:accent2>
+        <a:srgbClr val="6AA4C8"/>
+      </a:accent2>
+      <a:accent3>
+        <a:srgbClr val="EB5600"/>
+      </a:accent3>
+      <a:accent4>
+        <a:srgbClr val="A2FFE8"/>
+      </a:accent4>
+      <a:accent5>
+        <a:srgbClr val="1C3678"/>
+      </a:accent5>
+      <a:accent6>
+        <a:srgbClr val="FFB8A2"/>
+      </a:accent6>
+      <a:hlink>
+        <a:srgbClr val="1C3678"/>
+      </a:hlink>
+      <a:folHlink>
+        <a:srgbClr val="1C3678"/>
+      </a:folHlink>
+    </a:clrScheme>
+    <a:fontScheme name="Office">
+      <a:majorFont>
+        <a:latin typeface="Arial"/>
+        <a:ea typeface=""/>
+        <a:cs typeface=""/>
+        <a:font script="Jpan" typeface="ＭＳ Ｐゴシック"/>
+        <a:font script="Hang" typeface="맑은 고딕"/>
+        <a:font script="Hans" typeface="宋体"/>
+        <a:font script="Hant" typeface="新細明體"/>
+        <a:font script="Arab" typeface="Times New Roman"/>
+        <a:font script="Hebr" typeface="Times New Roman"/>
+        <a:font script="Thai" typeface="Angsana New"/>
+        <a:font script="Ethi" typeface="Nyala"/>
+        <a:font script="Beng" typeface="Vrinda"/>
+        <a:font script="Gujr" typeface="Shruti"/>
+        <a:font script="Khmr" typeface="MoolBoran"/>
+        <a:font script="Knda" typeface="Tunga"/>
+        <a:font script="Guru" typeface="Raavi"/>
+        <a:font script="Cans" typeface="Euphemia"/>
+        <a:font script="Cher" typeface="Plantagenet Cherokee"/>
+        <a:font script="Yiii" typeface="Microsoft Yi Baiti"/>
+        <a:font script="Tibt" typeface="Microsoft Himalaya"/>
+        <a:font script="Thaa" typeface="MV Boli"/>
+        <a:font script="Deva" typeface="Mangal"/>
+        <a:font script="Telu" typeface="Gautami"/>
+        <a:font script="Taml" typeface="Latha"/>
+        <a:font script="Syrc" typeface="Estrangelo Edessa"/>
+        <a:font script="Orya" typeface="Kalinga"/>
+        <a:font script="Mlym" typeface="Kartika"/>
+        <a:font script="Laoo" typeface="DokChampa"/>
+        <a:font script="Sinh" typeface="Iskoola Pota"/>
+        <a:font script="Mong" typeface="Mongolian Baiti"/>
+        <a:font script="Viet" typeface="Times New Roman"/>
+        <a:font script="Uigh" typeface="Microsoft Uighur"/>
+        <a:font script="Geor" typeface="Sylfaen"/>
+      </a:majorFont>
+      <a:minorFont>
+        <a:latin typeface="Arial"/>
+        <a:ea typeface=""/>
+        <a:cs typeface=""/>
+        <a:font script="Jpan" typeface="ＭＳ Ｐゴシック"/>
+        <a:font script="Hang" typeface="맑은 고딕"/>
+        <a:font script="Hans" typeface="宋体"/>
+        <a:font script="Hant" typeface="新細明體"/>
+        <a:font script="Arab" typeface="Arial"/>
+        <a:font script="Hebr" typeface="Arial"/>
+        <a:font script="Thai" typeface="Cordia New"/>
+        <a:font script="Ethi" typeface="Nyala"/>
+        <a:font script="Beng" typeface="Vrinda"/>
+        <a:font script="Gujr" typeface="Shruti"/>
+        <a:font script="Khmr" typeface="DaunPenh"/>
+        <a:font script="Knda" typeface="Tunga"/>
+        <a:font script="Guru" typeface="Raavi"/>
+        <a:font script="Cans" typeface="Euphemia"/>
+        <a:font script="Cher" typeface="Plantagenet Cherokee"/>
+        <a:font script="Yiii" typeface="Microsoft Yi Baiti"/>
+        <a:font script="Tibt" typeface="Microsoft Himalaya"/>
+        <a:font script="Thaa" typeface="MV Boli"/>
+        <a:font script="Deva" typeface="Mangal"/>
+        <a:font script="Telu" typeface="Gautami"/>
+        <a:font script="Taml" typeface="Latha"/>
+        <a:font script="Syrc" typeface="Estrangelo Edessa"/>
+        <a:font script="Orya" typeface="Kalinga"/>
+        <a:font script="Mlym" typeface="Kartika"/>
+        <a:font script="Laoo" typeface="DokChampa"/>
+        <a:font script="Sinh" typeface="Iskoola Pota"/>
+        <a:font script="Mong" typeface="Mongolian Baiti"/>
+        <a:font script="Viet" typeface="Arial"/>
+        <a:font script="Uigh" typeface="Microsoft Uighur"/>
+        <a:font script="Geor" typeface="Sylfaen"/>
+      </a:minorFont>
+    </a:fontScheme>
+    <a:fmtScheme name="Office">
+      <a:fillStyleLst>
+        <a:solidFill>
+          <a:schemeClr val="phClr"/>
+        </a:solidFill>
+        <a:gradFill rotWithShape="1">
+          <a:gsLst>
+            <a:gs pos="0">
+              <a:schemeClr val="phClr">
+                <a:tint val="50000"/>
+                <a:satMod val="300000"/>
+              </a:schemeClr>
+            </a:gs>
+            <a:gs pos="35000">
+              <a:schemeClr val="phClr">
+                <a:tint val="37000"/>
+                <a:satMod val="300000"/>
+              </a:schemeClr>
+            </a:gs>
+            <a:gs pos="100000">
+              <a:schemeClr val="phClr">
+                <a:tint val="15000"/>
+                <a:satMod val="350000"/>
+              </a:schemeClr>
+            </a:gs>
+          </a:gsLst>
+          <a:lin ang="16200000" scaled="1"/>
+        </a:gradFill>
+        <a:gradFill rotWithShape="1">
+          <a:gsLst>
+            <a:gs pos="0">
+              <a:schemeClr val="phClr">
+                <a:tint val="100000"/>
+                <a:shade val="100000"/>
+                <a:satMod val="130000"/>
+              </a:schemeClr>
+            </a:gs>
+            <a:gs pos="100000">
+              <a:schemeClr val="phClr">
+                <a:tint val="50000"/>
+                <a:shade val="100000"/>
+                <a:satMod val="350000"/>
+              </a:schemeClr>
+            </a:gs>
+          </a:gsLst>
+          <a:lin ang="16200000" scaled="0"/>
+        </a:gradFill>
+      </a:fillStyleLst>
+      <a:lnStyleLst>
+        <a:ln w="9525" cap="flat" cmpd="sng" algn="ctr">
+          <a:solidFill>
+            <a:schemeClr val="phClr">
+              <a:shade val="95000"/>
+              <a:satMod val="105000"/>
+            </a:schemeClr>
+          </a:solidFill>
+          <a:prstDash val="solid"/>
+        </a:ln>
+        <a:ln w="25400" cap="flat" cmpd="sng" algn="ctr">
+          <a:solidFill>
+            <a:schemeClr val="phClr"/>
+          </a:solidFill>
+          <a:prstDash val="solid"/>
+        </a:ln>
+        <a:ln w="38100" cap="flat" cmpd="sng" algn="ctr">
+          <a:solidFill>
+            <a:schemeClr val="phClr"/>
+          </a:solidFill>
+          <a:prstDash val="solid"/>
+        </a:ln>
+      </a:lnStyleLst>
+      <a:effectStyleLst>
+        <a:effectStyle>
+          <a:effectLst>
+            <a:outerShdw blurRad="40000" dist="20000" dir="5400000" rotWithShape="0">
+              <a:srgbClr val="000000">
+                <a:alpha val="38000"/>
+              </a:srgbClr>
+            </a:outerShdw>
+          </a:effectLst>
+        </a:effectStyle>
+        <a:effectStyle>
+          <a:effectLst>
+            <a:outerShdw blurRad="40000" dist="23000" dir="5400000" rotWithShape="0">
+              <a:srgbClr val="000000">
+                <a:alpha val="35000"/>
+              </a:srgbClr>
+            </a:outerShdw>
+          </a:effectLst>
+        </a:effectStyle>
+        <a:effectStyle>
+          <a:effectLst>
+            <a:outerShdw blurRad="40000" dist="23000" dir="5400000" rotWithShape="0">
+              <a:srgbClr val="000000">
+                <a:alpha val="35000"/>
+              </a:srgbClr>
+            </a:outerShdw>
+          </a:effectLst>
+          <a:scene3d>
+            <a:camera prst="orthographicFront">
+              <a:rot lat="0" lon="0" rev="0"/>
+            </a:camera>
+            <a:lightRig rig="threePt" dir="t">
+              <a:rot lat="0" lon="0" rev="1200000"/>
+            </a:lightRig>
+          </a:scene3d>
+          <a:sp3d>
+            <a:bevelT w="63500" h="25400"/>
+          </a:sp3d>
+        </a:effectStyle>
+      </a:effectStyleLst>
+      <a:bgFillStyleLst>
+        <a:solidFill>
+          <a:schemeClr val="phClr"/>
+        </a:solidFill>
+        <a:gradFill rotWithShape="1">
+          <a:gsLst>
+            <a:gs pos="0">
+              <a:schemeClr val="phClr">
+                <a:tint val="40000"/>
+                <a:satMod val="350000"/>
+              </a:schemeClr>
+            </a:gs>
+            <a:gs pos="40000">
+              <a:schemeClr val="phClr">
+                <a:tint val="45000"/>
+                <a:shade val="99000"/>
+                <a:satMod val="350000"/>
+              </a:schemeClr>
+            </a:gs>
+            <a:gs pos="100000">
+              <a:schemeClr val="phClr">
+                <a:shade val="20000"/>
+                <a:satMod val="255000"/>
+              </a:schemeClr>
+            </a:gs>
+          </a:gsLst>
+          <a:path path="circle">
+            <a:fillToRect l="50000" t="-80000" r="50000" b="180000"/>
+          </a:path>
+        </a:gradFill>
+        <a:gradFill rotWithShape="1">
+          <a:gsLst>
+            <a:gs pos="0">
+              <a:schemeClr val="phClr">
+                <a:tint val="80000"/>
+                <a:satMod val="300000"/>
+              </a:schemeClr>
+            </a:gs>
+            <a:gs pos="100000">
+              <a:schemeClr val="phClr">
+                <a:shade val="30000"/>
+                <a:satMod val="200000"/>
+              </a:schemeClr>
+            </a:gs>
+          </a:gsLst>
+          <a:path path="circle">
+            <a:fillToRect l="50000" t="50000" r="50000" b="50000"/>
+          </a:path>
+        </a:gradFill>
+      </a:bgFillStyleLst>
+    </a:fmtScheme>
+  </a:themeElements>
+</a:theme>
+</file>
+
+<file path=ppt/theme/theme2.xml><?xml version="1.0" encoding="utf-8"?>
 <a:theme xmlns:a="http://schemas.openxmlformats.org/drawingml/2006/main" xmlns:r="http://schemas.openxmlformats.org/officeDocument/2006/relationships">
   <a:themeElements>
     <a:clrScheme name="Default">
@@ -11485,283 +13956,4 @@
     </a:fmtScheme>
   </a:themeElements>
 </a:theme>
-</file>
-
-<file path=ppt/theme/theme2.xml><?xml version="1.0" encoding="utf-8"?>
-<a:theme xmlns:a="http://schemas.openxmlformats.org/drawingml/2006/main" xmlns:r="http://schemas.openxmlformats.org/officeDocument/2006/relationships" name="Streamline">
-  <a:themeElements>
-    <a:clrScheme name="Streamline">
-      <a:dk1>
-        <a:srgbClr val="1A9988"/>
-      </a:dk1>
-      <a:lt1>
-        <a:srgbClr val="FFFFFF"/>
-      </a:lt1>
-      <a:dk2>
-        <a:srgbClr val="1A1A1A"/>
-      </a:dk2>
-      <a:lt2>
-        <a:srgbClr val="E9EDEE"/>
-      </a:lt2>
-      <a:accent1>
-        <a:srgbClr val="595959"/>
-      </a:accent1>
-      <a:accent2>
-        <a:srgbClr val="6AA4C8"/>
-      </a:accent2>
-      <a:accent3>
-        <a:srgbClr val="EB5600"/>
-      </a:accent3>
-      <a:accent4>
-        <a:srgbClr val="A2FFE8"/>
-      </a:accent4>
-      <a:accent5>
-        <a:srgbClr val="1C3678"/>
-      </a:accent5>
-      <a:accent6>
-        <a:srgbClr val="FFB8A2"/>
-      </a:accent6>
-      <a:hlink>
-        <a:srgbClr val="1C3678"/>
-      </a:hlink>
-      <a:folHlink>
-        <a:srgbClr val="1C3678"/>
-      </a:folHlink>
-    </a:clrScheme>
-    <a:fontScheme name="Office">
-      <a:majorFont>
-        <a:latin typeface="Arial"/>
-        <a:ea typeface=""/>
-        <a:cs typeface=""/>
-        <a:font script="Jpan" typeface="ＭＳ Ｐゴシック"/>
-        <a:font script="Hang" typeface="맑은 고딕"/>
-        <a:font script="Hans" typeface="宋体"/>
-        <a:font script="Hant" typeface="新細明體"/>
-        <a:font script="Arab" typeface="Times New Roman"/>
-        <a:font script="Hebr" typeface="Times New Roman"/>
-        <a:font script="Thai" typeface="Angsana New"/>
-        <a:font script="Ethi" typeface="Nyala"/>
-        <a:font script="Beng" typeface="Vrinda"/>
-        <a:font script="Gujr" typeface="Shruti"/>
-        <a:font script="Khmr" typeface="MoolBoran"/>
-        <a:font script="Knda" typeface="Tunga"/>
-        <a:font script="Guru" typeface="Raavi"/>
-        <a:font script="Cans" typeface="Euphemia"/>
-        <a:font script="Cher" typeface="Plantagenet Cherokee"/>
-        <a:font script="Yiii" typeface="Microsoft Yi Baiti"/>
-        <a:font script="Tibt" typeface="Microsoft Himalaya"/>
-        <a:font script="Thaa" typeface="MV Boli"/>
-        <a:font script="Deva" typeface="Mangal"/>
-        <a:font script="Telu" typeface="Gautami"/>
-        <a:font script="Taml" typeface="Latha"/>
-        <a:font script="Syrc" typeface="Estrangelo Edessa"/>
-        <a:font script="Orya" typeface="Kalinga"/>
-        <a:font script="Mlym" typeface="Kartika"/>
-        <a:font script="Laoo" typeface="DokChampa"/>
-        <a:font script="Sinh" typeface="Iskoola Pota"/>
-        <a:font script="Mong" typeface="Mongolian Baiti"/>
-        <a:font script="Viet" typeface="Times New Roman"/>
-        <a:font script="Uigh" typeface="Microsoft Uighur"/>
-        <a:font script="Geor" typeface="Sylfaen"/>
-      </a:majorFont>
-      <a:minorFont>
-        <a:latin typeface="Arial"/>
-        <a:ea typeface=""/>
-        <a:cs typeface=""/>
-        <a:font script="Jpan" typeface="ＭＳ Ｐゴシック"/>
-        <a:font script="Hang" typeface="맑은 고딕"/>
-        <a:font script="Hans" typeface="宋体"/>
-        <a:font script="Hant" typeface="新細明體"/>
-        <a:font script="Arab" typeface="Arial"/>
-        <a:font script="Hebr" typeface="Arial"/>
-        <a:font script="Thai" typeface="Cordia New"/>
-        <a:font script="Ethi" typeface="Nyala"/>
-        <a:font script="Beng" typeface="Vrinda"/>
-        <a:font script="Gujr" typeface="Shruti"/>
-        <a:font script="Khmr" typeface="DaunPenh"/>
-        <a:font script="Knda" typeface="Tunga"/>
-        <a:font script="Guru" typeface="Raavi"/>
-        <a:font script="Cans" typeface="Euphemia"/>
-        <a:font script="Cher" typeface="Plantagenet Cherokee"/>
-        <a:font script="Yiii" typeface="Microsoft Yi Baiti"/>
-        <a:font script="Tibt" typeface="Microsoft Himalaya"/>
-        <a:font script="Thaa" typeface="MV Boli"/>
-        <a:font script="Deva" typeface="Mangal"/>
-        <a:font script="Telu" typeface="Gautami"/>
-        <a:font script="Taml" typeface="Latha"/>
-        <a:font script="Syrc" typeface="Estrangelo Edessa"/>
-        <a:font script="Orya" typeface="Kalinga"/>
-        <a:font script="Mlym" typeface="Kartika"/>
-        <a:font script="Laoo" typeface="DokChampa"/>
-        <a:font script="Sinh" typeface="Iskoola Pota"/>
-        <a:font script="Mong" typeface="Mongolian Baiti"/>
-        <a:font script="Viet" typeface="Arial"/>
-        <a:font script="Uigh" typeface="Microsoft Uighur"/>
-        <a:font script="Geor" typeface="Sylfaen"/>
-      </a:minorFont>
-    </a:fontScheme>
-    <a:fmtScheme name="Office">
-      <a:fillStyleLst>
-        <a:solidFill>
-          <a:schemeClr val="phClr"/>
-        </a:solidFill>
-        <a:gradFill rotWithShape="1">
-          <a:gsLst>
-            <a:gs pos="0">
-              <a:schemeClr val="phClr">
-                <a:tint val="50000"/>
-                <a:satMod val="300000"/>
-              </a:schemeClr>
-            </a:gs>
-            <a:gs pos="35000">
-              <a:schemeClr val="phClr">
-                <a:tint val="37000"/>
-                <a:satMod val="300000"/>
-              </a:schemeClr>
-            </a:gs>
-            <a:gs pos="100000">
-              <a:schemeClr val="phClr">
-                <a:tint val="15000"/>
-                <a:satMod val="350000"/>
-              </a:schemeClr>
-            </a:gs>
-          </a:gsLst>
-          <a:lin ang="16200000" scaled="1"/>
-        </a:gradFill>
-        <a:gradFill rotWithShape="1">
-          <a:gsLst>
-            <a:gs pos="0">
-              <a:schemeClr val="phClr">
-                <a:tint val="100000"/>
-                <a:shade val="100000"/>
-                <a:satMod val="130000"/>
-              </a:schemeClr>
-            </a:gs>
-            <a:gs pos="100000">
-              <a:schemeClr val="phClr">
-                <a:tint val="50000"/>
-                <a:shade val="100000"/>
-                <a:satMod val="350000"/>
-              </a:schemeClr>
-            </a:gs>
-          </a:gsLst>
-          <a:lin ang="16200000" scaled="0"/>
-        </a:gradFill>
-      </a:fillStyleLst>
-      <a:lnStyleLst>
-        <a:ln w="9525" cap="flat" cmpd="sng" algn="ctr">
-          <a:solidFill>
-            <a:schemeClr val="phClr">
-              <a:shade val="95000"/>
-              <a:satMod val="105000"/>
-            </a:schemeClr>
-          </a:solidFill>
-          <a:prstDash val="solid"/>
-        </a:ln>
-        <a:ln w="25400" cap="flat" cmpd="sng" algn="ctr">
-          <a:solidFill>
-            <a:schemeClr val="phClr"/>
-          </a:solidFill>
-          <a:prstDash val="solid"/>
-        </a:ln>
-        <a:ln w="38100" cap="flat" cmpd="sng" algn="ctr">
-          <a:solidFill>
-            <a:schemeClr val="phClr"/>
-          </a:solidFill>
-          <a:prstDash val="solid"/>
-        </a:ln>
-      </a:lnStyleLst>
-      <a:effectStyleLst>
-        <a:effectStyle>
-          <a:effectLst>
-            <a:outerShdw blurRad="40000" dist="20000" dir="5400000" rotWithShape="0">
-              <a:srgbClr val="000000">
-                <a:alpha val="38000"/>
-              </a:srgbClr>
-            </a:outerShdw>
-          </a:effectLst>
-        </a:effectStyle>
-        <a:effectStyle>
-          <a:effectLst>
-            <a:outerShdw blurRad="40000" dist="23000" dir="5400000" rotWithShape="0">
-              <a:srgbClr val="000000">
-                <a:alpha val="35000"/>
-              </a:srgbClr>
-            </a:outerShdw>
-          </a:effectLst>
-        </a:effectStyle>
-        <a:effectStyle>
-          <a:effectLst>
-            <a:outerShdw blurRad="40000" dist="23000" dir="5400000" rotWithShape="0">
-              <a:srgbClr val="000000">
-                <a:alpha val="35000"/>
-              </a:srgbClr>
-            </a:outerShdw>
-          </a:effectLst>
-          <a:scene3d>
-            <a:camera prst="orthographicFront">
-              <a:rot lat="0" lon="0" rev="0"/>
-            </a:camera>
-            <a:lightRig rig="threePt" dir="t">
-              <a:rot lat="0" lon="0" rev="1200000"/>
-            </a:lightRig>
-          </a:scene3d>
-          <a:sp3d>
-            <a:bevelT w="63500" h="25400"/>
-          </a:sp3d>
-        </a:effectStyle>
-      </a:effectStyleLst>
-      <a:bgFillStyleLst>
-        <a:solidFill>
-          <a:schemeClr val="phClr"/>
-        </a:solidFill>
-        <a:gradFill rotWithShape="1">
-          <a:gsLst>
-            <a:gs pos="0">
-              <a:schemeClr val="phClr">
-                <a:tint val="40000"/>
-                <a:satMod val="350000"/>
-              </a:schemeClr>
-            </a:gs>
-            <a:gs pos="40000">
-              <a:schemeClr val="phClr">
-                <a:tint val="45000"/>
-                <a:shade val="99000"/>
-                <a:satMod val="350000"/>
-              </a:schemeClr>
-            </a:gs>
-            <a:gs pos="100000">
-              <a:schemeClr val="phClr">
-                <a:shade val="20000"/>
-                <a:satMod val="255000"/>
-              </a:schemeClr>
-            </a:gs>
-          </a:gsLst>
-          <a:path path="circle">
-            <a:fillToRect l="50000" t="-80000" r="50000" b="180000"/>
-          </a:path>
-        </a:gradFill>
-        <a:gradFill rotWithShape="1">
-          <a:gsLst>
-            <a:gs pos="0">
-              <a:schemeClr val="phClr">
-                <a:tint val="80000"/>
-                <a:satMod val="300000"/>
-              </a:schemeClr>
-            </a:gs>
-            <a:gs pos="100000">
-              <a:schemeClr val="phClr">
-                <a:shade val="30000"/>
-                <a:satMod val="200000"/>
-              </a:schemeClr>
-            </a:gs>
-          </a:gsLst>
-          <a:path path="circle">
-            <a:fillToRect l="50000" t="50000" r="50000" b="50000"/>
-          </a:path>
-        </a:gradFill>
-      </a:bgFillStyleLst>
-    </a:fmtScheme>
-  </a:themeElements>
-</a:theme>
 </file>